--- a/final-project/presentation/COVID-19 Effect on Global Economy.pptx
+++ b/final-project/presentation/COVID-19 Effect on Global Economy.pptx
@@ -6,10 +6,16 @@
   </p:sldMasterIdLst>
   <p:sldIdLst>
     <p:sldId id="256" r:id="rId2"/>
-    <p:sldId id="257" r:id="rId3"/>
-    <p:sldId id="258" r:id="rId4"/>
+    <p:sldId id="262" r:id="rId3"/>
+    <p:sldId id="257" r:id="rId4"/>
     <p:sldId id="259" r:id="rId5"/>
     <p:sldId id="260" r:id="rId6"/>
+    <p:sldId id="258" r:id="rId7"/>
+    <p:sldId id="263" r:id="rId8"/>
+    <p:sldId id="264" r:id="rId9"/>
+    <p:sldId id="266" r:id="rId10"/>
+    <p:sldId id="265" r:id="rId11"/>
+    <p:sldId id="267" r:id="rId12"/>
   </p:sldIdLst>
   <p:sldSz cx="12192000" cy="6858000"/>
   <p:notesSz cx="6858000" cy="9144000"/>
@@ -3564,7 +3570,15 @@
           <a:lstStyle/>
           <a:p>
             <a:r>
-              <a:rPr lang="en-US" sz="4800" dirty="0"/>
+              <a:rPr lang="en-US" sz="4800" dirty="0">
+                <a:solidFill>
+                  <a:schemeClr val="accent5">
+                    <a:lumMod val="60000"/>
+                    <a:lumOff val="40000"/>
+                  </a:schemeClr>
+                </a:solidFill>
+                <a:latin typeface="Broadway" panose="04040905080B02020502" pitchFamily="82" charset="0"/>
+              </a:rPr>
               <a:t>COVID-19 Effect on Global Economy</a:t>
             </a:r>
           </a:p>
@@ -3744,14 +3758,20 @@
 </p:sld>
 </file>
 
-<file path=ppt/slides/slide2.xml><?xml version="1.0" encoding="utf-8"?>
+<file path=ppt/slides/slide10.xml><?xml version="1.0" encoding="utf-8"?>
 <p:sld xmlns:a="http://schemas.openxmlformats.org/drawingml/2006/main" xmlns:r="http://schemas.openxmlformats.org/officeDocument/2006/relationships" xmlns:p="http://schemas.openxmlformats.org/presentationml/2006/main">
   <p:cSld>
     <p:bg>
       <p:bgPr>
-        <a:solidFill>
-          <a:schemeClr val="bg1"/>
-        </a:solidFill>
+        <a:blipFill dpi="0" rotWithShape="1">
+          <a:blip r:embed="rId2">
+            <a:lum/>
+          </a:blip>
+          <a:srcRect/>
+          <a:stretch>
+            <a:fillRect l="-4000" r="-4000"/>
+          </a:stretch>
+        </a:blipFill>
         <a:effectLst/>
       </p:bgPr>
     </p:bg>
@@ -3769,12 +3789,203 @@
           <a:chExt cx="0" cy="0"/>
         </a:xfrm>
       </p:grpSpPr>
+      <p:sp>
+        <p:nvSpPr>
+          <p:cNvPr id="6" name="Title 5">
+            <a:extLst>
+              <a:ext uri="{FF2B5EF4-FFF2-40B4-BE49-F238E27FC236}">
+                <a16:creationId xmlns:a16="http://schemas.microsoft.com/office/drawing/2014/main" id="{A306455A-D571-4BE8-A623-E12F47BE718C}"/>
+              </a:ext>
+            </a:extLst>
+          </p:cNvPr>
+          <p:cNvSpPr>
+            <a:spLocks noGrp="1"/>
+          </p:cNvSpPr>
+          <p:nvPr>
+            <p:ph type="title"/>
+          </p:nvPr>
+        </p:nvSpPr>
+        <p:spPr/>
+        <p:txBody>
+          <a:bodyPr/>
+          <a:lstStyle/>
+          <a:p>
+            <a:r>
+              <a:rPr lang="en-US" b="1" dirty="0">
+                <a:solidFill>
+                  <a:schemeClr val="accent1">
+                    <a:lumMod val="40000"/>
+                    <a:lumOff val="60000"/>
+                  </a:schemeClr>
+                </a:solidFill>
+                <a:latin typeface="Broadway" panose="04040905080B02020502" pitchFamily="82" charset="0"/>
+              </a:rPr>
+              <a:t>Conclusion</a:t>
+            </a:r>
+            <a:endParaRPr lang="en-CA" b="1" dirty="0">
+              <a:solidFill>
+                <a:schemeClr val="accent1">
+                  <a:lumMod val="40000"/>
+                  <a:lumOff val="60000"/>
+                </a:schemeClr>
+              </a:solidFill>
+              <a:latin typeface="Broadway" panose="04040905080B02020502" pitchFamily="82" charset="0"/>
+            </a:endParaRPr>
+          </a:p>
+        </p:txBody>
+      </p:sp>
+      <p:sp>
+        <p:nvSpPr>
+          <p:cNvPr id="7" name="Content Placeholder 6">
+            <a:extLst>
+              <a:ext uri="{FF2B5EF4-FFF2-40B4-BE49-F238E27FC236}">
+                <a16:creationId xmlns:a16="http://schemas.microsoft.com/office/drawing/2014/main" id="{E1A9E09F-7532-4316-9EC9-3134F35C403B}"/>
+              </a:ext>
+            </a:extLst>
+          </p:cNvPr>
+          <p:cNvSpPr>
+            <a:spLocks noGrp="1"/>
+          </p:cNvSpPr>
+          <p:nvPr>
+            <p:ph idx="1"/>
+          </p:nvPr>
+        </p:nvSpPr>
+        <p:spPr/>
+        <p:txBody>
+          <a:bodyPr/>
+          <a:lstStyle/>
+          <a:p>
+            <a:r>
+              <a:rPr lang="en-US" dirty="0">
+                <a:solidFill>
+                  <a:schemeClr val="accent4">
+                    <a:lumMod val="40000"/>
+                    <a:lumOff val="60000"/>
+                  </a:schemeClr>
+                </a:solidFill>
+                <a:latin typeface="Bodoni MT" panose="02070603080606020203" pitchFamily="18" charset="0"/>
+              </a:rPr>
+              <a:t>Invisible bug not only destroys a big application but also destroy </a:t>
+            </a:r>
+            <a:r>
+              <a:rPr lang="en-US">
+                <a:solidFill>
+                  <a:schemeClr val="accent4">
+                    <a:lumMod val="40000"/>
+                    <a:lumOff val="60000"/>
+                  </a:schemeClr>
+                </a:solidFill>
+                <a:latin typeface="Bodoni MT" panose="02070603080606020203" pitchFamily="18" charset="0"/>
+              </a:rPr>
+              <a:t>world.</a:t>
+            </a:r>
+            <a:endParaRPr lang="en-US" dirty="0">
+              <a:solidFill>
+                <a:schemeClr val="accent4">
+                  <a:lumMod val="40000"/>
+                  <a:lumOff val="60000"/>
+                </a:schemeClr>
+              </a:solidFill>
+              <a:latin typeface="Bodoni MT" panose="02070603080606020203" pitchFamily="18" charset="0"/>
+            </a:endParaRPr>
+          </a:p>
+        </p:txBody>
+      </p:sp>
+    </p:spTree>
+    <p:extLst>
+      <p:ext uri="{BB962C8B-B14F-4D97-AF65-F5344CB8AC3E}">
+        <p14:creationId xmlns:p14="http://schemas.microsoft.com/office/powerpoint/2010/main" val="3299574929"/>
+      </p:ext>
+    </p:extLst>
+  </p:cSld>
+  <p:clrMapOvr>
+    <a:masterClrMapping/>
+  </p:clrMapOvr>
+</p:sld>
+</file>
+
+<file path=ppt/slides/slide11.xml><?xml version="1.0" encoding="utf-8"?>
+<p:sld xmlns:a="http://schemas.openxmlformats.org/drawingml/2006/main" xmlns:r="http://schemas.openxmlformats.org/officeDocument/2006/relationships" xmlns:p="http://schemas.openxmlformats.org/presentationml/2006/main">
+  <p:cSld>
+    <p:bg>
+      <p:bgPr>
+        <a:blipFill dpi="0" rotWithShape="1">
+          <a:blip r:embed="rId2">
+            <a:lum/>
+          </a:blip>
+          <a:srcRect/>
+          <a:stretch>
+            <a:fillRect l="-4000" r="-4000"/>
+          </a:stretch>
+        </a:blipFill>
+        <a:effectLst/>
+      </p:bgPr>
+    </p:bg>
+    <p:spTree>
+      <p:nvGrpSpPr>
+        <p:cNvPr id="1" name=""/>
+        <p:cNvGrpSpPr/>
+        <p:nvPr/>
+      </p:nvGrpSpPr>
+      <p:grpSpPr>
+        <a:xfrm>
+          <a:off x="0" y="0"/>
+          <a:ext cx="0" cy="0"/>
+          <a:chOff x="0" y="0"/>
+          <a:chExt cx="0" cy="0"/>
+        </a:xfrm>
+      </p:grpSpPr>
+      <p:sp>
+        <p:nvSpPr>
+          <p:cNvPr id="6" name="Title 5">
+            <a:extLst>
+              <a:ext uri="{FF2B5EF4-FFF2-40B4-BE49-F238E27FC236}">
+                <a16:creationId xmlns:a16="http://schemas.microsoft.com/office/drawing/2014/main" id="{A306455A-D571-4BE8-A623-E12F47BE718C}"/>
+              </a:ext>
+            </a:extLst>
+          </p:cNvPr>
+          <p:cNvSpPr>
+            <a:spLocks noGrp="1"/>
+          </p:cNvSpPr>
+          <p:nvPr>
+            <p:ph type="title"/>
+          </p:nvPr>
+        </p:nvSpPr>
+        <p:spPr/>
+        <p:txBody>
+          <a:bodyPr/>
+          <a:lstStyle/>
+          <a:p>
+            <a:r>
+              <a:rPr lang="en-US" b="1" dirty="0">
+                <a:solidFill>
+                  <a:schemeClr val="accent1">
+                    <a:lumMod val="40000"/>
+                    <a:lumOff val="60000"/>
+                  </a:schemeClr>
+                </a:solidFill>
+                <a:latin typeface="Broadway" panose="04040905080B02020502" pitchFamily="82" charset="0"/>
+              </a:rPr>
+              <a:t>Questions</a:t>
+            </a:r>
+            <a:endParaRPr lang="en-CA" b="1" dirty="0">
+              <a:solidFill>
+                <a:schemeClr val="accent1">
+                  <a:lumMod val="40000"/>
+                  <a:lumOff val="60000"/>
+                </a:schemeClr>
+              </a:solidFill>
+              <a:latin typeface="Broadway" panose="04040905080B02020502" pitchFamily="82" charset="0"/>
+            </a:endParaRPr>
+          </a:p>
+        </p:txBody>
+      </p:sp>
       <p:pic>
         <p:nvPicPr>
-          <p:cNvPr id="4" name="Picture 3" descr="A picture containing fruit&#10;&#10;Description automatically generated">
-            <a:extLst>
-              <a:ext uri="{FF2B5EF4-FFF2-40B4-BE49-F238E27FC236}">
-                <a16:creationId xmlns:a16="http://schemas.microsoft.com/office/drawing/2014/main" id="{17A736E6-BC4C-4BB2-ADD1-325E0B6384A3}"/>
+          <p:cNvPr id="5" name="Graphic 4" descr="Help">
+            <a:extLst>
+              <a:ext uri="{FF2B5EF4-FFF2-40B4-BE49-F238E27FC236}">
+                <a16:creationId xmlns:a16="http://schemas.microsoft.com/office/drawing/2014/main" id="{515A3B32-F24B-42D9-AE31-6F82164A4DEE}"/>
               </a:ext>
             </a:extLst>
           </p:cNvPr>
@@ -3783,1942 +3994,185 @@
           </p:cNvPicPr>
           <p:nvPr/>
         </p:nvPicPr>
-        <p:blipFill rotWithShape="1">
-          <a:blip r:embed="rId2">
+        <p:blipFill>
+          <a:blip r:embed="rId3">
             <a:extLst>
               <a:ext uri="{28A0092B-C50C-407E-A947-70E740481C1C}">
                 <a14:useLocalDpi xmlns:a14="http://schemas.microsoft.com/office/drawing/2010/main" val="0"/>
               </a:ext>
+              <a:ext uri="{96DAC541-7B7A-43D3-8B79-37D633B846F1}">
+                <asvg:svgBlip xmlns:asvg="http://schemas.microsoft.com/office/drawing/2016/SVG/main" r:embed="rId4"/>
+              </a:ext>
             </a:extLst>
           </a:blip>
-          <a:srcRect r="6666"/>
-          <a:stretch/>
+          <a:stretch>
+            <a:fillRect/>
+          </a:stretch>
         </p:blipFill>
         <p:spPr>
           <a:xfrm>
-            <a:off x="0" y="10"/>
-            <a:ext cx="12191980" cy="6857990"/>
+            <a:off x="4021494" y="1373155"/>
+            <a:ext cx="2485053" cy="2485053"/>
           </a:xfrm>
           <a:prstGeom prst="rect">
             <a:avLst/>
           </a:prstGeom>
         </p:spPr>
       </p:pic>
-      <p:sp>
-        <p:nvSpPr>
-          <p:cNvPr id="5" name="TextBox 4">
-            <a:extLst>
-              <a:ext uri="{FF2B5EF4-FFF2-40B4-BE49-F238E27FC236}">
-                <a16:creationId xmlns:a16="http://schemas.microsoft.com/office/drawing/2014/main" id="{4499FF35-4131-404D-BF03-F2D0510CA414}"/>
-              </a:ext>
-            </a:extLst>
-          </p:cNvPr>
-          <p:cNvSpPr txBox="1"/>
-          <p:nvPr/>
-        </p:nvSpPr>
-        <p:spPr>
-          <a:xfrm>
-            <a:off x="2500604" y="409278"/>
-            <a:ext cx="7212563" cy="477054"/>
-          </a:xfrm>
-          <a:prstGeom prst="rect">
-            <a:avLst/>
-          </a:prstGeom>
-          <a:noFill/>
-        </p:spPr>
-        <p:txBody>
-          <a:bodyPr wrap="square" rtlCol="0">
-            <a:spAutoFit/>
-          </a:bodyPr>
-          <a:lstStyle/>
-          <a:p>
-            <a:pPr algn="ctr"/>
-            <a:r>
-              <a:rPr lang="en-CA" sz="2500" b="1" dirty="0">
-                <a:solidFill>
-                  <a:schemeClr val="bg1"/>
-                </a:solidFill>
-              </a:rPr>
-              <a:t>Potential Economic Impact of COVID-19</a:t>
-            </a:r>
-          </a:p>
-        </p:txBody>
-      </p:sp>
-      <p:sp>
-        <p:nvSpPr>
-          <p:cNvPr id="9" name="Rectangle 8">
-            <a:extLst>
-              <a:ext uri="{FF2B5EF4-FFF2-40B4-BE49-F238E27FC236}">
-                <a16:creationId xmlns:a16="http://schemas.microsoft.com/office/drawing/2014/main" id="{035F9511-90AD-4E9A-9C1D-4B41BEC26EED}"/>
-              </a:ext>
-            </a:extLst>
-          </p:cNvPr>
-          <p:cNvSpPr/>
-          <p:nvPr/>
-        </p:nvSpPr>
-        <p:spPr>
-          <a:xfrm>
-            <a:off x="755780" y="1212980"/>
-            <a:ext cx="2481943" cy="802432"/>
-          </a:xfrm>
-          <a:prstGeom prst="rect">
-            <a:avLst/>
-          </a:prstGeom>
-          <a:noFill/>
-          <a:ln>
-            <a:solidFill>
-              <a:schemeClr val="bg1"/>
-            </a:solidFill>
-          </a:ln>
-        </p:spPr>
-        <p:style>
-          <a:lnRef idx="2">
-            <a:schemeClr val="accent1">
-              <a:shade val="50000"/>
-            </a:schemeClr>
-          </a:lnRef>
-          <a:fillRef idx="1">
-            <a:schemeClr val="accent1"/>
-          </a:fillRef>
-          <a:effectRef idx="0">
-            <a:schemeClr val="accent1"/>
-          </a:effectRef>
-          <a:fontRef idx="minor">
-            <a:schemeClr val="lt1"/>
-          </a:fontRef>
-        </p:style>
-        <p:txBody>
-          <a:bodyPr rtlCol="0" anchor="ctr"/>
-          <a:lstStyle/>
-          <a:p>
-            <a:pPr algn="ctr"/>
-            <a:r>
-              <a:rPr lang="en-CA" dirty="0"/>
-              <a:t>Direct Cost from Sickness &amp; Mortality</a:t>
-            </a:r>
-          </a:p>
-        </p:txBody>
-      </p:sp>
-      <p:sp>
-        <p:nvSpPr>
-          <p:cNvPr id="11" name="Rectangle 10">
-            <a:extLst>
-              <a:ext uri="{FF2B5EF4-FFF2-40B4-BE49-F238E27FC236}">
-                <a16:creationId xmlns:a16="http://schemas.microsoft.com/office/drawing/2014/main" id="{F42E2586-6A48-47FD-86DB-8FB21ABA384D}"/>
-              </a:ext>
-            </a:extLst>
-          </p:cNvPr>
-          <p:cNvSpPr/>
-          <p:nvPr/>
-        </p:nvSpPr>
-        <p:spPr>
-          <a:xfrm>
-            <a:off x="6162869" y="1212980"/>
-            <a:ext cx="2481943" cy="477054"/>
-          </a:xfrm>
-          <a:prstGeom prst="rect">
-            <a:avLst/>
-          </a:prstGeom>
-          <a:noFill/>
-          <a:ln>
-            <a:solidFill>
-              <a:schemeClr val="bg1"/>
-            </a:solidFill>
-          </a:ln>
-        </p:spPr>
-        <p:style>
-          <a:lnRef idx="2">
-            <a:schemeClr val="accent1">
-              <a:shade val="50000"/>
-            </a:schemeClr>
-          </a:lnRef>
-          <a:fillRef idx="1">
-            <a:schemeClr val="accent1"/>
-          </a:fillRef>
-          <a:effectRef idx="0">
-            <a:schemeClr val="accent1"/>
-          </a:effectRef>
-          <a:fontRef idx="minor">
-            <a:schemeClr val="lt1"/>
-          </a:fontRef>
-        </p:style>
-        <p:txBody>
-          <a:bodyPr rtlCol="0" anchor="ctr"/>
-          <a:lstStyle/>
-          <a:p>
-            <a:pPr algn="ctr"/>
-            <a:r>
-              <a:rPr lang="en-CA" dirty="0"/>
-              <a:t>Aversion Behavior</a:t>
-            </a:r>
-          </a:p>
-        </p:txBody>
-      </p:sp>
-      <p:sp>
-        <p:nvSpPr>
-          <p:cNvPr id="13" name="Rectangle 12">
-            <a:extLst>
-              <a:ext uri="{FF2B5EF4-FFF2-40B4-BE49-F238E27FC236}">
-                <a16:creationId xmlns:a16="http://schemas.microsoft.com/office/drawing/2014/main" id="{90D97A04-7B8D-4818-B35D-F56850ED90F1}"/>
-              </a:ext>
-            </a:extLst>
-          </p:cNvPr>
-          <p:cNvSpPr/>
-          <p:nvPr/>
-        </p:nvSpPr>
-        <p:spPr>
-          <a:xfrm>
-            <a:off x="3247054" y="2444676"/>
-            <a:ext cx="2481943" cy="802432"/>
-          </a:xfrm>
-          <a:prstGeom prst="rect">
-            <a:avLst/>
-          </a:prstGeom>
-          <a:noFill/>
-          <a:ln>
-            <a:solidFill>
-              <a:schemeClr val="bg1"/>
-            </a:solidFill>
-          </a:ln>
-        </p:spPr>
-        <p:style>
-          <a:lnRef idx="2">
-            <a:schemeClr val="accent1">
-              <a:shade val="50000"/>
-            </a:schemeClr>
-          </a:lnRef>
-          <a:fillRef idx="1">
-            <a:schemeClr val="accent1"/>
-          </a:fillRef>
-          <a:effectRef idx="0">
-            <a:schemeClr val="accent1"/>
-          </a:effectRef>
-          <a:fontRef idx="minor">
-            <a:schemeClr val="lt1"/>
-          </a:fontRef>
-        </p:style>
-        <p:txBody>
-          <a:bodyPr rtlCol="0" anchor="ctr"/>
-          <a:lstStyle/>
-          <a:p>
-            <a:pPr algn="ctr"/>
-            <a:r>
-              <a:rPr lang="en-CA" dirty="0"/>
-              <a:t>Government Mandates</a:t>
-            </a:r>
-          </a:p>
-        </p:txBody>
-      </p:sp>
-      <p:sp>
-        <p:nvSpPr>
-          <p:cNvPr id="14" name="Rectangle 13">
-            <a:extLst>
-              <a:ext uri="{FF2B5EF4-FFF2-40B4-BE49-F238E27FC236}">
-                <a16:creationId xmlns:a16="http://schemas.microsoft.com/office/drawing/2014/main" id="{645773C6-A5CA-4E0A-9E2A-06229E6DE0D4}"/>
-              </a:ext>
-            </a:extLst>
-          </p:cNvPr>
-          <p:cNvSpPr/>
-          <p:nvPr/>
-        </p:nvSpPr>
-        <p:spPr>
-          <a:xfrm>
-            <a:off x="6162869" y="2450896"/>
-            <a:ext cx="2481943" cy="802432"/>
-          </a:xfrm>
-          <a:prstGeom prst="rect">
-            <a:avLst/>
-          </a:prstGeom>
-          <a:noFill/>
-          <a:ln>
-            <a:solidFill>
-              <a:schemeClr val="bg1"/>
-            </a:solidFill>
-          </a:ln>
-        </p:spPr>
-        <p:style>
-          <a:lnRef idx="2">
-            <a:schemeClr val="accent1">
-              <a:shade val="50000"/>
-            </a:schemeClr>
-          </a:lnRef>
-          <a:fillRef idx="1">
-            <a:schemeClr val="accent1"/>
-          </a:fillRef>
-          <a:effectRef idx="0">
-            <a:schemeClr val="accent1"/>
-          </a:effectRef>
-          <a:fontRef idx="minor">
-            <a:schemeClr val="lt1"/>
-          </a:fontRef>
-        </p:style>
-        <p:txBody>
-          <a:bodyPr rtlCol="0" anchor="ctr"/>
-          <a:lstStyle/>
-          <a:p>
-            <a:pPr algn="ctr"/>
-            <a:r>
-              <a:rPr lang="en-CA" dirty="0"/>
-              <a:t>Firm and Institutional Decisions</a:t>
-            </a:r>
-          </a:p>
-        </p:txBody>
-      </p:sp>
-      <p:sp>
-        <p:nvSpPr>
-          <p:cNvPr id="15" name="Rectangle 14">
-            <a:extLst>
-              <a:ext uri="{FF2B5EF4-FFF2-40B4-BE49-F238E27FC236}">
-                <a16:creationId xmlns:a16="http://schemas.microsoft.com/office/drawing/2014/main" id="{44331D0B-31C7-48B7-A293-AC0101CFCAF5}"/>
-              </a:ext>
-            </a:extLst>
-          </p:cNvPr>
-          <p:cNvSpPr/>
-          <p:nvPr/>
-        </p:nvSpPr>
-        <p:spPr>
-          <a:xfrm>
-            <a:off x="9125339" y="2444676"/>
-            <a:ext cx="2481943" cy="802432"/>
-          </a:xfrm>
-          <a:prstGeom prst="rect">
-            <a:avLst/>
-          </a:prstGeom>
-          <a:noFill/>
-          <a:ln>
-            <a:solidFill>
-              <a:schemeClr val="bg1"/>
-            </a:solidFill>
-          </a:ln>
-        </p:spPr>
-        <p:style>
-          <a:lnRef idx="2">
-            <a:schemeClr val="accent1">
-              <a:shade val="50000"/>
-            </a:schemeClr>
-          </a:lnRef>
-          <a:fillRef idx="1">
-            <a:schemeClr val="accent1"/>
-          </a:fillRef>
-          <a:effectRef idx="0">
-            <a:schemeClr val="accent1"/>
-          </a:effectRef>
-          <a:fontRef idx="minor">
-            <a:schemeClr val="lt1"/>
-          </a:fontRef>
-        </p:style>
-        <p:txBody>
-          <a:bodyPr rtlCol="0" anchor="ctr"/>
-          <a:lstStyle/>
-          <a:p>
-            <a:pPr algn="ctr"/>
-            <a:r>
-              <a:rPr lang="en-CA" dirty="0"/>
-              <a:t>Consumer Choices</a:t>
-            </a:r>
-          </a:p>
-        </p:txBody>
-      </p:sp>
-      <p:cxnSp>
-        <p:nvCxnSpPr>
-          <p:cNvPr id="17" name="Straight Arrow Connector 16">
-            <a:extLst>
-              <a:ext uri="{FF2B5EF4-FFF2-40B4-BE49-F238E27FC236}">
-                <a16:creationId xmlns:a16="http://schemas.microsoft.com/office/drawing/2014/main" id="{2FBC5596-E9DE-4D78-B81C-552FDC2E221D}"/>
-              </a:ext>
-            </a:extLst>
-          </p:cNvPr>
-          <p:cNvCxnSpPr>
-            <a:endCxn id="14" idx="0"/>
-          </p:cNvCxnSpPr>
-          <p:nvPr/>
-        </p:nvCxnSpPr>
-        <p:spPr>
-          <a:xfrm>
-            <a:off x="7399176" y="1690034"/>
-            <a:ext cx="4665" cy="760862"/>
-          </a:xfrm>
-          <a:prstGeom prst="straightConnector1">
-            <a:avLst/>
-          </a:prstGeom>
-          <a:ln>
-            <a:tailEnd type="triangle"/>
-          </a:ln>
-        </p:spPr>
-        <p:style>
-          <a:lnRef idx="3">
-            <a:schemeClr val="accent1"/>
-          </a:lnRef>
-          <a:fillRef idx="0">
-            <a:schemeClr val="accent1"/>
-          </a:fillRef>
-          <a:effectRef idx="2">
-            <a:schemeClr val="accent1"/>
-          </a:effectRef>
-          <a:fontRef idx="minor">
-            <a:schemeClr val="tx1"/>
-          </a:fontRef>
-        </p:style>
-      </p:cxnSp>
-      <p:cxnSp>
-        <p:nvCxnSpPr>
-          <p:cNvPr id="24" name="Straight Connector 23">
-            <a:extLst>
-              <a:ext uri="{FF2B5EF4-FFF2-40B4-BE49-F238E27FC236}">
-                <a16:creationId xmlns:a16="http://schemas.microsoft.com/office/drawing/2014/main" id="{666EC8F8-7C74-45C8-A9C4-C5DF6C219D2B}"/>
-              </a:ext>
-            </a:extLst>
-          </p:cNvPr>
-          <p:cNvCxnSpPr>
-            <a:cxnSpLocks/>
-          </p:cNvCxnSpPr>
-          <p:nvPr/>
-        </p:nvCxnSpPr>
-        <p:spPr>
-          <a:xfrm flipH="1">
-            <a:off x="4497355" y="2015412"/>
-            <a:ext cx="5878286" cy="9331"/>
-          </a:xfrm>
-          <a:prstGeom prst="line">
-            <a:avLst/>
-          </a:prstGeom>
-        </p:spPr>
-        <p:style>
-          <a:lnRef idx="3">
-            <a:schemeClr val="accent1"/>
-          </a:lnRef>
-          <a:fillRef idx="0">
-            <a:schemeClr val="accent1"/>
-          </a:fillRef>
-          <a:effectRef idx="2">
-            <a:schemeClr val="accent1"/>
-          </a:effectRef>
-          <a:fontRef idx="minor">
-            <a:schemeClr val="tx1"/>
-          </a:fontRef>
-        </p:style>
-      </p:cxnSp>
-      <p:cxnSp>
-        <p:nvCxnSpPr>
-          <p:cNvPr id="28" name="Straight Arrow Connector 27">
-            <a:extLst>
-              <a:ext uri="{FF2B5EF4-FFF2-40B4-BE49-F238E27FC236}">
-                <a16:creationId xmlns:a16="http://schemas.microsoft.com/office/drawing/2014/main" id="{3B31C0FB-4B89-4530-BBD6-A658FFDC5A4C}"/>
-              </a:ext>
-            </a:extLst>
-          </p:cNvPr>
-          <p:cNvCxnSpPr/>
-          <p:nvPr/>
-        </p:nvCxnSpPr>
-        <p:spPr>
-          <a:xfrm>
-            <a:off x="4502020" y="2015412"/>
-            <a:ext cx="0" cy="429264"/>
-          </a:xfrm>
-          <a:prstGeom prst="straightConnector1">
-            <a:avLst/>
-          </a:prstGeom>
-          <a:ln>
-            <a:tailEnd type="triangle"/>
-          </a:ln>
-        </p:spPr>
-        <p:style>
-          <a:lnRef idx="3">
-            <a:schemeClr val="accent1"/>
-          </a:lnRef>
-          <a:fillRef idx="0">
-            <a:schemeClr val="accent1"/>
-          </a:fillRef>
-          <a:effectRef idx="2">
-            <a:schemeClr val="accent1"/>
-          </a:effectRef>
-          <a:fontRef idx="minor">
-            <a:schemeClr val="tx1"/>
-          </a:fontRef>
-        </p:style>
-      </p:cxnSp>
-      <p:cxnSp>
-        <p:nvCxnSpPr>
-          <p:cNvPr id="30" name="Straight Arrow Connector 29">
-            <a:extLst>
-              <a:ext uri="{FF2B5EF4-FFF2-40B4-BE49-F238E27FC236}">
-                <a16:creationId xmlns:a16="http://schemas.microsoft.com/office/drawing/2014/main" id="{8623D959-80B2-4320-A32F-7FBCA5AE00C9}"/>
-              </a:ext>
-            </a:extLst>
-          </p:cNvPr>
-          <p:cNvCxnSpPr>
-            <a:endCxn id="15" idx="0"/>
-          </p:cNvCxnSpPr>
-          <p:nvPr/>
-        </p:nvCxnSpPr>
-        <p:spPr>
-          <a:xfrm flipH="1">
-            <a:off x="10366311" y="2015412"/>
-            <a:ext cx="9330" cy="429264"/>
-          </a:xfrm>
-          <a:prstGeom prst="straightConnector1">
-            <a:avLst/>
-          </a:prstGeom>
-          <a:ln>
-            <a:tailEnd type="triangle"/>
-          </a:ln>
-        </p:spPr>
-        <p:style>
-          <a:lnRef idx="3">
-            <a:schemeClr val="accent1"/>
-          </a:lnRef>
-          <a:fillRef idx="0">
-            <a:schemeClr val="accent1"/>
-          </a:fillRef>
-          <a:effectRef idx="2">
-            <a:schemeClr val="accent1"/>
-          </a:effectRef>
-          <a:fontRef idx="minor">
-            <a:schemeClr val="tx1"/>
-          </a:fontRef>
-        </p:style>
-      </p:cxnSp>
-      <p:sp>
-        <p:nvSpPr>
-          <p:cNvPr id="32" name="Rectangle 31">
-            <a:extLst>
-              <a:ext uri="{FF2B5EF4-FFF2-40B4-BE49-F238E27FC236}">
-                <a16:creationId xmlns:a16="http://schemas.microsoft.com/office/drawing/2014/main" id="{B75BCD14-3001-4FBA-9BD4-FC3C01268DAF}"/>
-              </a:ext>
-            </a:extLst>
-          </p:cNvPr>
-          <p:cNvSpPr/>
-          <p:nvPr/>
-        </p:nvSpPr>
-        <p:spPr>
-          <a:xfrm>
-            <a:off x="755779" y="3634274"/>
-            <a:ext cx="1931437" cy="480526"/>
-          </a:xfrm>
-          <a:prstGeom prst="rect">
-            <a:avLst/>
-          </a:prstGeom>
-          <a:noFill/>
-          <a:ln>
-            <a:solidFill>
-              <a:schemeClr val="bg1"/>
-            </a:solidFill>
-          </a:ln>
-        </p:spPr>
-        <p:style>
-          <a:lnRef idx="2">
-            <a:schemeClr val="accent1">
-              <a:shade val="50000"/>
-            </a:schemeClr>
-          </a:lnRef>
-          <a:fillRef idx="1">
-            <a:schemeClr val="accent1"/>
-          </a:fillRef>
-          <a:effectRef idx="0">
-            <a:schemeClr val="accent1"/>
-          </a:effectRef>
-          <a:fontRef idx="minor">
-            <a:schemeClr val="lt1"/>
-          </a:fontRef>
-        </p:style>
-        <p:txBody>
-          <a:bodyPr rtlCol="0" anchor="ctr"/>
-          <a:lstStyle/>
-          <a:p>
-            <a:pPr algn="ctr"/>
-            <a:r>
-              <a:rPr lang="en-CA" dirty="0"/>
-              <a:t>Health Sector</a:t>
-            </a:r>
-          </a:p>
-        </p:txBody>
-      </p:sp>
-      <p:sp>
-        <p:nvSpPr>
-          <p:cNvPr id="33" name="Rectangle 32">
-            <a:extLst>
-              <a:ext uri="{FF2B5EF4-FFF2-40B4-BE49-F238E27FC236}">
-                <a16:creationId xmlns:a16="http://schemas.microsoft.com/office/drawing/2014/main" id="{F5BEE8D8-CE70-4A92-8393-B260D03849CA}"/>
-              </a:ext>
-            </a:extLst>
-          </p:cNvPr>
-          <p:cNvSpPr/>
-          <p:nvPr/>
-        </p:nvSpPr>
-        <p:spPr>
-          <a:xfrm>
-            <a:off x="2932923" y="3634274"/>
-            <a:ext cx="1931437" cy="480526"/>
-          </a:xfrm>
-          <a:prstGeom prst="rect">
-            <a:avLst/>
-          </a:prstGeom>
-          <a:noFill/>
-          <a:ln>
-            <a:solidFill>
-              <a:schemeClr val="bg1"/>
-            </a:solidFill>
-          </a:ln>
-        </p:spPr>
-        <p:style>
-          <a:lnRef idx="2">
-            <a:schemeClr val="accent1">
-              <a:shade val="50000"/>
-            </a:schemeClr>
-          </a:lnRef>
-          <a:fillRef idx="1">
-            <a:schemeClr val="accent1"/>
-          </a:fillRef>
-          <a:effectRef idx="0">
-            <a:schemeClr val="accent1"/>
-          </a:effectRef>
-          <a:fontRef idx="minor">
-            <a:schemeClr val="lt1"/>
-          </a:fontRef>
-        </p:style>
-        <p:txBody>
-          <a:bodyPr rtlCol="0" anchor="ctr"/>
-          <a:lstStyle/>
-          <a:p>
-            <a:pPr algn="ctr"/>
-            <a:r>
-              <a:rPr lang="en-CA" dirty="0"/>
-              <a:t>Education</a:t>
-            </a:r>
-          </a:p>
-        </p:txBody>
-      </p:sp>
-      <p:sp>
-        <p:nvSpPr>
-          <p:cNvPr id="34" name="Rectangle 33">
-            <a:extLst>
-              <a:ext uri="{FF2B5EF4-FFF2-40B4-BE49-F238E27FC236}">
-                <a16:creationId xmlns:a16="http://schemas.microsoft.com/office/drawing/2014/main" id="{51FAA558-8D46-40A7-B07E-DC529FCF3929}"/>
-              </a:ext>
-            </a:extLst>
-          </p:cNvPr>
-          <p:cNvSpPr/>
-          <p:nvPr/>
-        </p:nvSpPr>
-        <p:spPr>
-          <a:xfrm>
-            <a:off x="5110067" y="3634274"/>
-            <a:ext cx="1931437" cy="480526"/>
-          </a:xfrm>
-          <a:prstGeom prst="rect">
-            <a:avLst/>
-          </a:prstGeom>
-          <a:noFill/>
-          <a:ln>
-            <a:solidFill>
-              <a:schemeClr val="bg1"/>
-            </a:solidFill>
-          </a:ln>
-        </p:spPr>
-        <p:style>
-          <a:lnRef idx="2">
-            <a:schemeClr val="accent1">
-              <a:shade val="50000"/>
-            </a:schemeClr>
-          </a:lnRef>
-          <a:fillRef idx="1">
-            <a:schemeClr val="accent1"/>
-          </a:fillRef>
-          <a:effectRef idx="0">
-            <a:schemeClr val="accent1"/>
-          </a:effectRef>
-          <a:fontRef idx="minor">
-            <a:schemeClr val="lt1"/>
-          </a:fontRef>
-        </p:style>
-        <p:txBody>
-          <a:bodyPr rtlCol="0" anchor="ctr"/>
-          <a:lstStyle/>
-          <a:p>
-            <a:pPr algn="ctr"/>
-            <a:r>
-              <a:rPr lang="en-CA" dirty="0"/>
-              <a:t>Manufacturing</a:t>
-            </a:r>
-          </a:p>
-        </p:txBody>
-      </p:sp>
-      <p:sp>
-        <p:nvSpPr>
-          <p:cNvPr id="35" name="Rectangle 34">
-            <a:extLst>
-              <a:ext uri="{FF2B5EF4-FFF2-40B4-BE49-F238E27FC236}">
-                <a16:creationId xmlns:a16="http://schemas.microsoft.com/office/drawing/2014/main" id="{9A9834A7-D455-4D60-AAD7-356A692DC69E}"/>
-              </a:ext>
-            </a:extLst>
-          </p:cNvPr>
-          <p:cNvSpPr/>
-          <p:nvPr/>
-        </p:nvSpPr>
-        <p:spPr>
-          <a:xfrm>
-            <a:off x="7399176" y="3643605"/>
-            <a:ext cx="1931437" cy="480526"/>
-          </a:xfrm>
-          <a:prstGeom prst="rect">
-            <a:avLst/>
-          </a:prstGeom>
-          <a:noFill/>
-          <a:ln>
-            <a:solidFill>
-              <a:schemeClr val="bg1"/>
-            </a:solidFill>
-          </a:ln>
-        </p:spPr>
-        <p:style>
-          <a:lnRef idx="2">
-            <a:schemeClr val="accent1">
-              <a:shade val="50000"/>
-            </a:schemeClr>
-          </a:lnRef>
-          <a:fillRef idx="1">
-            <a:schemeClr val="accent1"/>
-          </a:fillRef>
-          <a:effectRef idx="0">
-            <a:schemeClr val="accent1"/>
-          </a:effectRef>
-          <a:fontRef idx="minor">
-            <a:schemeClr val="lt1"/>
-          </a:fontRef>
-        </p:style>
-        <p:txBody>
-          <a:bodyPr rtlCol="0" anchor="ctr"/>
-          <a:lstStyle/>
-          <a:p>
-            <a:pPr algn="ctr"/>
-            <a:r>
-              <a:rPr lang="en-CA" dirty="0"/>
-              <a:t>Retail Services</a:t>
-            </a:r>
-          </a:p>
-        </p:txBody>
-      </p:sp>
-      <p:sp>
-        <p:nvSpPr>
-          <p:cNvPr id="36" name="Rectangle 35">
-            <a:extLst>
-              <a:ext uri="{FF2B5EF4-FFF2-40B4-BE49-F238E27FC236}">
-                <a16:creationId xmlns:a16="http://schemas.microsoft.com/office/drawing/2014/main" id="{E95405CB-A11D-4D87-BA20-E0BAC3E6DB82}"/>
-              </a:ext>
-            </a:extLst>
-          </p:cNvPr>
-          <p:cNvSpPr/>
-          <p:nvPr/>
-        </p:nvSpPr>
-        <p:spPr>
-          <a:xfrm>
-            <a:off x="9688285" y="3634274"/>
-            <a:ext cx="1931437" cy="480526"/>
-          </a:xfrm>
-          <a:prstGeom prst="rect">
-            <a:avLst/>
-          </a:prstGeom>
-          <a:noFill/>
-          <a:ln>
-            <a:solidFill>
-              <a:schemeClr val="bg1"/>
-            </a:solidFill>
-          </a:ln>
-        </p:spPr>
-        <p:style>
-          <a:lnRef idx="2">
-            <a:schemeClr val="accent1">
-              <a:shade val="50000"/>
-            </a:schemeClr>
-          </a:lnRef>
-          <a:fillRef idx="1">
-            <a:schemeClr val="accent1"/>
-          </a:fillRef>
-          <a:effectRef idx="0">
-            <a:schemeClr val="accent1"/>
-          </a:effectRef>
-          <a:fontRef idx="minor">
-            <a:schemeClr val="lt1"/>
-          </a:fontRef>
-        </p:style>
-        <p:txBody>
-          <a:bodyPr rtlCol="0" anchor="ctr"/>
-          <a:lstStyle/>
-          <a:p>
-            <a:pPr algn="ctr"/>
-            <a:r>
-              <a:rPr lang="en-CA" dirty="0"/>
-              <a:t>Trade &amp; Transport</a:t>
-            </a:r>
-          </a:p>
-        </p:txBody>
-      </p:sp>
-      <p:cxnSp>
-        <p:nvCxnSpPr>
-          <p:cNvPr id="37" name="Straight Arrow Connector 36">
-            <a:extLst>
-              <a:ext uri="{FF2B5EF4-FFF2-40B4-BE49-F238E27FC236}">
-                <a16:creationId xmlns:a16="http://schemas.microsoft.com/office/drawing/2014/main" id="{A47C52C3-1F75-4025-968D-54C82489C5B0}"/>
-              </a:ext>
-            </a:extLst>
-          </p:cNvPr>
-          <p:cNvCxnSpPr>
-            <a:cxnSpLocks/>
-          </p:cNvCxnSpPr>
-          <p:nvPr/>
-        </p:nvCxnSpPr>
-        <p:spPr>
-          <a:xfrm>
-            <a:off x="1982755" y="2024743"/>
-            <a:ext cx="0" cy="1618862"/>
-          </a:xfrm>
-          <a:prstGeom prst="straightConnector1">
-            <a:avLst/>
-          </a:prstGeom>
-          <a:ln>
-            <a:tailEnd type="triangle"/>
-          </a:ln>
-        </p:spPr>
-        <p:style>
-          <a:lnRef idx="3">
-            <a:schemeClr val="accent1"/>
-          </a:lnRef>
-          <a:fillRef idx="0">
-            <a:schemeClr val="accent1"/>
-          </a:fillRef>
-          <a:effectRef idx="2">
-            <a:schemeClr val="accent1"/>
-          </a:effectRef>
-          <a:fontRef idx="minor">
-            <a:schemeClr val="tx1"/>
-          </a:fontRef>
-        </p:style>
-      </p:cxnSp>
-      <p:cxnSp>
-        <p:nvCxnSpPr>
-          <p:cNvPr id="40" name="Straight Arrow Connector 39">
-            <a:extLst>
-              <a:ext uri="{FF2B5EF4-FFF2-40B4-BE49-F238E27FC236}">
-                <a16:creationId xmlns:a16="http://schemas.microsoft.com/office/drawing/2014/main" id="{895B0716-2550-4DA1-B386-B9DFFC5A5372}"/>
-              </a:ext>
-            </a:extLst>
-          </p:cNvPr>
-          <p:cNvCxnSpPr/>
-          <p:nvPr/>
-        </p:nvCxnSpPr>
-        <p:spPr>
-          <a:xfrm>
-            <a:off x="1996751" y="2845892"/>
-            <a:ext cx="1240972" cy="0"/>
-          </a:xfrm>
-          <a:prstGeom prst="straightConnector1">
-            <a:avLst/>
-          </a:prstGeom>
-          <a:ln>
-            <a:tailEnd type="triangle"/>
-          </a:ln>
-        </p:spPr>
-        <p:style>
-          <a:lnRef idx="3">
-            <a:schemeClr val="accent1"/>
-          </a:lnRef>
-          <a:fillRef idx="0">
-            <a:schemeClr val="accent1"/>
-          </a:fillRef>
-          <a:effectRef idx="2">
-            <a:schemeClr val="accent1"/>
-          </a:effectRef>
-          <a:fontRef idx="minor">
-            <a:schemeClr val="tx1"/>
-          </a:fontRef>
-        </p:style>
-      </p:cxnSp>
-      <p:cxnSp>
-        <p:nvCxnSpPr>
-          <p:cNvPr id="44" name="Straight Arrow Connector 43">
-            <a:extLst>
-              <a:ext uri="{FF2B5EF4-FFF2-40B4-BE49-F238E27FC236}">
-                <a16:creationId xmlns:a16="http://schemas.microsoft.com/office/drawing/2014/main" id="{959CEB36-39F2-4E8A-88C0-F6CCA00DFFEB}"/>
-              </a:ext>
-            </a:extLst>
-          </p:cNvPr>
-          <p:cNvCxnSpPr>
-            <a:endCxn id="14" idx="1"/>
-          </p:cNvCxnSpPr>
-          <p:nvPr/>
-        </p:nvCxnSpPr>
-        <p:spPr>
-          <a:xfrm>
-            <a:off x="5728997" y="2834174"/>
-            <a:ext cx="433872" cy="17938"/>
-          </a:xfrm>
-          <a:prstGeom prst="straightConnector1">
-            <a:avLst/>
-          </a:prstGeom>
-          <a:ln>
-            <a:tailEnd type="triangle"/>
-          </a:ln>
-        </p:spPr>
-        <p:style>
-          <a:lnRef idx="1">
-            <a:schemeClr val="accent1"/>
-          </a:lnRef>
-          <a:fillRef idx="0">
-            <a:schemeClr val="accent1"/>
-          </a:fillRef>
-          <a:effectRef idx="0">
-            <a:schemeClr val="accent1"/>
-          </a:effectRef>
-          <a:fontRef idx="minor">
-            <a:schemeClr val="tx1"/>
-          </a:fontRef>
-        </p:style>
-      </p:cxnSp>
-      <p:cxnSp>
-        <p:nvCxnSpPr>
-          <p:cNvPr id="46" name="Straight Arrow Connector 45">
-            <a:extLst>
-              <a:ext uri="{FF2B5EF4-FFF2-40B4-BE49-F238E27FC236}">
-                <a16:creationId xmlns:a16="http://schemas.microsoft.com/office/drawing/2014/main" id="{715C3A27-A35E-46FB-8262-89E59E03205F}"/>
-              </a:ext>
-            </a:extLst>
-          </p:cNvPr>
-          <p:cNvCxnSpPr>
-            <a:endCxn id="15" idx="1"/>
-          </p:cNvCxnSpPr>
-          <p:nvPr/>
-        </p:nvCxnSpPr>
-        <p:spPr>
-          <a:xfrm>
-            <a:off x="8668140" y="2834174"/>
-            <a:ext cx="457199" cy="11718"/>
-          </a:xfrm>
-          <a:prstGeom prst="straightConnector1">
-            <a:avLst/>
-          </a:prstGeom>
-          <a:ln>
-            <a:tailEnd type="triangle"/>
-          </a:ln>
-        </p:spPr>
-        <p:style>
-          <a:lnRef idx="1">
-            <a:schemeClr val="accent1"/>
-          </a:lnRef>
-          <a:fillRef idx="0">
-            <a:schemeClr val="accent1"/>
-          </a:fillRef>
-          <a:effectRef idx="0">
-            <a:schemeClr val="accent1"/>
-          </a:effectRef>
-          <a:fontRef idx="minor">
-            <a:schemeClr val="tx1"/>
-          </a:fontRef>
-        </p:style>
-      </p:cxnSp>
-      <p:cxnSp>
-        <p:nvCxnSpPr>
-          <p:cNvPr id="52" name="Straight Arrow Connector 51">
-            <a:extLst>
-              <a:ext uri="{FF2B5EF4-FFF2-40B4-BE49-F238E27FC236}">
-                <a16:creationId xmlns:a16="http://schemas.microsoft.com/office/drawing/2014/main" id="{CEC578D2-E7F0-49E8-B940-F77743D2937D}"/>
-              </a:ext>
-            </a:extLst>
-          </p:cNvPr>
-          <p:cNvCxnSpPr/>
-          <p:nvPr/>
-        </p:nvCxnSpPr>
-        <p:spPr>
-          <a:xfrm>
-            <a:off x="4058816" y="3429000"/>
-            <a:ext cx="0" cy="205274"/>
-          </a:xfrm>
-          <a:prstGeom prst="straightConnector1">
-            <a:avLst/>
-          </a:prstGeom>
-          <a:ln>
-            <a:tailEnd type="triangle"/>
-          </a:ln>
-        </p:spPr>
-        <p:style>
-          <a:lnRef idx="1">
-            <a:schemeClr val="accent1"/>
-          </a:lnRef>
-          <a:fillRef idx="0">
-            <a:schemeClr val="accent1"/>
-          </a:fillRef>
-          <a:effectRef idx="0">
-            <a:schemeClr val="accent1"/>
-          </a:effectRef>
-          <a:fontRef idx="minor">
-            <a:schemeClr val="tx1"/>
-          </a:fontRef>
-        </p:style>
-      </p:cxnSp>
-      <p:cxnSp>
-        <p:nvCxnSpPr>
-          <p:cNvPr id="54" name="Straight Arrow Connector 53">
-            <a:extLst>
-              <a:ext uri="{FF2B5EF4-FFF2-40B4-BE49-F238E27FC236}">
-                <a16:creationId xmlns:a16="http://schemas.microsoft.com/office/drawing/2014/main" id="{63BC41D3-E544-41F3-A2A1-6C93EC79AD62}"/>
-              </a:ext>
-            </a:extLst>
-          </p:cNvPr>
-          <p:cNvCxnSpPr/>
-          <p:nvPr/>
-        </p:nvCxnSpPr>
-        <p:spPr>
-          <a:xfrm>
-            <a:off x="6106885" y="3429000"/>
-            <a:ext cx="0" cy="205274"/>
-          </a:xfrm>
-          <a:prstGeom prst="straightConnector1">
-            <a:avLst/>
-          </a:prstGeom>
-          <a:ln>
-            <a:tailEnd type="triangle"/>
-          </a:ln>
-        </p:spPr>
-        <p:style>
-          <a:lnRef idx="3">
-            <a:schemeClr val="accent1"/>
-          </a:lnRef>
-          <a:fillRef idx="0">
-            <a:schemeClr val="accent1"/>
-          </a:fillRef>
-          <a:effectRef idx="2">
-            <a:schemeClr val="accent1"/>
-          </a:effectRef>
-          <a:fontRef idx="minor">
-            <a:schemeClr val="tx1"/>
-          </a:fontRef>
-        </p:style>
-      </p:cxnSp>
-      <p:cxnSp>
-        <p:nvCxnSpPr>
-          <p:cNvPr id="56" name="Straight Arrow Connector 55">
-            <a:extLst>
-              <a:ext uri="{FF2B5EF4-FFF2-40B4-BE49-F238E27FC236}">
-                <a16:creationId xmlns:a16="http://schemas.microsoft.com/office/drawing/2014/main" id="{CAF24ED9-0571-4D14-90E7-CD764AC984E9}"/>
-              </a:ext>
-            </a:extLst>
-          </p:cNvPr>
-          <p:cNvCxnSpPr/>
-          <p:nvPr/>
-        </p:nvCxnSpPr>
-        <p:spPr>
-          <a:xfrm>
-            <a:off x="8462865" y="3429000"/>
-            <a:ext cx="0" cy="205274"/>
-          </a:xfrm>
-          <a:prstGeom prst="straightConnector1">
-            <a:avLst/>
-          </a:prstGeom>
-          <a:ln>
-            <a:tailEnd type="triangle"/>
-          </a:ln>
-        </p:spPr>
-        <p:style>
-          <a:lnRef idx="3">
-            <a:schemeClr val="accent1"/>
-          </a:lnRef>
-          <a:fillRef idx="0">
-            <a:schemeClr val="accent1"/>
-          </a:fillRef>
-          <a:effectRef idx="2">
-            <a:schemeClr val="accent1"/>
-          </a:effectRef>
-          <a:fontRef idx="minor">
-            <a:schemeClr val="tx1"/>
-          </a:fontRef>
-        </p:style>
-      </p:cxnSp>
-      <p:cxnSp>
-        <p:nvCxnSpPr>
-          <p:cNvPr id="60" name="Straight Arrow Connector 59">
-            <a:extLst>
-              <a:ext uri="{FF2B5EF4-FFF2-40B4-BE49-F238E27FC236}">
-                <a16:creationId xmlns:a16="http://schemas.microsoft.com/office/drawing/2014/main" id="{D982686E-4FDF-4158-8C68-0E6DE0389041}"/>
-              </a:ext>
-            </a:extLst>
-          </p:cNvPr>
-          <p:cNvCxnSpPr/>
-          <p:nvPr/>
-        </p:nvCxnSpPr>
-        <p:spPr>
-          <a:xfrm>
-            <a:off x="10654003" y="3429000"/>
-            <a:ext cx="0" cy="205274"/>
-          </a:xfrm>
-          <a:prstGeom prst="straightConnector1">
-            <a:avLst/>
-          </a:prstGeom>
-          <a:ln>
-            <a:tailEnd type="triangle"/>
-          </a:ln>
-        </p:spPr>
-        <p:style>
-          <a:lnRef idx="3">
-            <a:schemeClr val="accent1"/>
-          </a:lnRef>
-          <a:fillRef idx="0">
-            <a:schemeClr val="accent1"/>
-          </a:fillRef>
-          <a:effectRef idx="2">
-            <a:schemeClr val="accent1"/>
-          </a:effectRef>
-          <a:fontRef idx="minor">
-            <a:schemeClr val="tx1"/>
-          </a:fontRef>
-        </p:style>
-      </p:cxnSp>
-      <p:cxnSp>
-        <p:nvCxnSpPr>
-          <p:cNvPr id="62" name="Straight Connector 61">
-            <a:extLst>
-              <a:ext uri="{FF2B5EF4-FFF2-40B4-BE49-F238E27FC236}">
-                <a16:creationId xmlns:a16="http://schemas.microsoft.com/office/drawing/2014/main" id="{8F9B13CF-28EF-4EF1-827F-3F5182284B03}"/>
-              </a:ext>
-            </a:extLst>
-          </p:cNvPr>
-          <p:cNvCxnSpPr/>
-          <p:nvPr/>
-        </p:nvCxnSpPr>
-        <p:spPr>
-          <a:xfrm>
-            <a:off x="4058816" y="3429000"/>
-            <a:ext cx="6595187" cy="0"/>
-          </a:xfrm>
-          <a:prstGeom prst="line">
-            <a:avLst/>
-          </a:prstGeom>
-        </p:spPr>
-        <p:style>
-          <a:lnRef idx="3">
-            <a:schemeClr val="accent1"/>
-          </a:lnRef>
-          <a:fillRef idx="0">
-            <a:schemeClr val="accent1"/>
-          </a:fillRef>
-          <a:effectRef idx="2">
-            <a:schemeClr val="accent1"/>
-          </a:effectRef>
-          <a:fontRef idx="minor">
-            <a:schemeClr val="tx1"/>
-          </a:fontRef>
-        </p:style>
-      </p:cxnSp>
-      <p:cxnSp>
-        <p:nvCxnSpPr>
-          <p:cNvPr id="64" name="Straight Connector 63">
-            <a:extLst>
-              <a:ext uri="{FF2B5EF4-FFF2-40B4-BE49-F238E27FC236}">
-                <a16:creationId xmlns:a16="http://schemas.microsoft.com/office/drawing/2014/main" id="{6489C186-6357-4643-9D75-8F3B263B2585}"/>
-              </a:ext>
-            </a:extLst>
-          </p:cNvPr>
-          <p:cNvCxnSpPr>
-            <a:stCxn id="13" idx="2"/>
-          </p:cNvCxnSpPr>
-          <p:nvPr/>
-        </p:nvCxnSpPr>
-        <p:spPr>
-          <a:xfrm flipH="1">
-            <a:off x="4488025" y="3247108"/>
-            <a:ext cx="1" cy="181892"/>
-          </a:xfrm>
-          <a:prstGeom prst="line">
-            <a:avLst/>
-          </a:prstGeom>
-        </p:spPr>
-        <p:style>
-          <a:lnRef idx="3">
-            <a:schemeClr val="accent1"/>
-          </a:lnRef>
-          <a:fillRef idx="0">
-            <a:schemeClr val="accent1"/>
-          </a:fillRef>
-          <a:effectRef idx="2">
-            <a:schemeClr val="accent1"/>
-          </a:effectRef>
-          <a:fontRef idx="minor">
-            <a:schemeClr val="tx1"/>
-          </a:fontRef>
-        </p:style>
-      </p:cxnSp>
-      <p:cxnSp>
-        <p:nvCxnSpPr>
-          <p:cNvPr id="66" name="Straight Connector 65">
-            <a:extLst>
-              <a:ext uri="{FF2B5EF4-FFF2-40B4-BE49-F238E27FC236}">
-                <a16:creationId xmlns:a16="http://schemas.microsoft.com/office/drawing/2014/main" id="{57E59D70-C594-4314-9C21-9C2784EF2A80}"/>
-              </a:ext>
-            </a:extLst>
-          </p:cNvPr>
-          <p:cNvCxnSpPr>
-            <a:stCxn id="14" idx="2"/>
-          </p:cNvCxnSpPr>
-          <p:nvPr/>
-        </p:nvCxnSpPr>
-        <p:spPr>
-          <a:xfrm flipH="1">
-            <a:off x="7399176" y="3253328"/>
-            <a:ext cx="4665" cy="175672"/>
-          </a:xfrm>
-          <a:prstGeom prst="line">
-            <a:avLst/>
-          </a:prstGeom>
-        </p:spPr>
-        <p:style>
-          <a:lnRef idx="3">
-            <a:schemeClr val="accent1"/>
-          </a:lnRef>
-          <a:fillRef idx="0">
-            <a:schemeClr val="accent1"/>
-          </a:fillRef>
-          <a:effectRef idx="2">
-            <a:schemeClr val="accent1"/>
-          </a:effectRef>
-          <a:fontRef idx="minor">
-            <a:schemeClr val="tx1"/>
-          </a:fontRef>
-        </p:style>
-      </p:cxnSp>
-      <p:cxnSp>
-        <p:nvCxnSpPr>
-          <p:cNvPr id="68" name="Straight Connector 67">
-            <a:extLst>
-              <a:ext uri="{FF2B5EF4-FFF2-40B4-BE49-F238E27FC236}">
-                <a16:creationId xmlns:a16="http://schemas.microsoft.com/office/drawing/2014/main" id="{2D38467C-177B-4FF9-8D3C-34C57F921AB4}"/>
-              </a:ext>
-            </a:extLst>
-          </p:cNvPr>
-          <p:cNvCxnSpPr>
-            <a:cxnSpLocks/>
-            <a:stCxn id="15" idx="2"/>
-          </p:cNvCxnSpPr>
-          <p:nvPr/>
-        </p:nvCxnSpPr>
-        <p:spPr>
-          <a:xfrm>
-            <a:off x="10366311" y="3247108"/>
-            <a:ext cx="0" cy="181892"/>
-          </a:xfrm>
-          <a:prstGeom prst="line">
-            <a:avLst/>
-          </a:prstGeom>
-        </p:spPr>
-        <p:style>
-          <a:lnRef idx="3">
-            <a:schemeClr val="accent1"/>
-          </a:lnRef>
-          <a:fillRef idx="0">
-            <a:schemeClr val="accent1"/>
-          </a:fillRef>
-          <a:effectRef idx="2">
-            <a:schemeClr val="accent1"/>
-          </a:effectRef>
-          <a:fontRef idx="minor">
-            <a:schemeClr val="tx1"/>
-          </a:fontRef>
-        </p:style>
-      </p:cxnSp>
-      <p:sp>
-        <p:nvSpPr>
-          <p:cNvPr id="70" name="Rectangle 69">
-            <a:extLst>
-              <a:ext uri="{FF2B5EF4-FFF2-40B4-BE49-F238E27FC236}">
-                <a16:creationId xmlns:a16="http://schemas.microsoft.com/office/drawing/2014/main" id="{5A9CC11D-B3C9-41C9-BCDF-85BE501CE32D}"/>
-              </a:ext>
-            </a:extLst>
-          </p:cNvPr>
-          <p:cNvSpPr/>
-          <p:nvPr/>
-        </p:nvSpPr>
-        <p:spPr>
-          <a:xfrm>
-            <a:off x="755779" y="5075853"/>
-            <a:ext cx="3732246" cy="1404295"/>
-          </a:xfrm>
-          <a:prstGeom prst="rect">
-            <a:avLst/>
-          </a:prstGeom>
-        </p:spPr>
-        <p:style>
-          <a:lnRef idx="2">
-            <a:schemeClr val="accent1">
-              <a:shade val="50000"/>
-            </a:schemeClr>
-          </a:lnRef>
-          <a:fillRef idx="1">
-            <a:schemeClr val="accent1"/>
-          </a:fillRef>
-          <a:effectRef idx="0">
-            <a:schemeClr val="accent1"/>
-          </a:effectRef>
-          <a:fontRef idx="minor">
-            <a:schemeClr val="lt1"/>
-          </a:fontRef>
-        </p:style>
-        <p:txBody>
-          <a:bodyPr rtlCol="0" anchor="ctr"/>
-          <a:lstStyle/>
-          <a:p>
-            <a:pPr algn="ctr"/>
-            <a:endParaRPr lang="en-CA" dirty="0"/>
-          </a:p>
-          <a:p>
-            <a:pPr algn="ctr"/>
-            <a:endParaRPr lang="en-CA" dirty="0"/>
-          </a:p>
-          <a:p>
-            <a:pPr algn="ctr"/>
-            <a:endParaRPr lang="en-CA" dirty="0"/>
-          </a:p>
-          <a:p>
-            <a:pPr algn="ctr"/>
-            <a:r>
-              <a:rPr lang="en-CA" dirty="0"/>
-              <a:t>Short-Run Effect</a:t>
-            </a:r>
-          </a:p>
-        </p:txBody>
-      </p:sp>
-      <p:sp>
-        <p:nvSpPr>
-          <p:cNvPr id="72" name="Rectangle 71">
-            <a:extLst>
-              <a:ext uri="{FF2B5EF4-FFF2-40B4-BE49-F238E27FC236}">
-                <a16:creationId xmlns:a16="http://schemas.microsoft.com/office/drawing/2014/main" id="{B2D59781-3669-4EC8-B68E-B1A440ABE21A}"/>
-              </a:ext>
-            </a:extLst>
-          </p:cNvPr>
-          <p:cNvSpPr/>
-          <p:nvPr/>
-        </p:nvSpPr>
-        <p:spPr>
-          <a:xfrm>
-            <a:off x="905069" y="5211091"/>
-            <a:ext cx="1595535" cy="662474"/>
-          </a:xfrm>
-          <a:prstGeom prst="rect">
-            <a:avLst/>
-          </a:prstGeom>
-        </p:spPr>
-        <p:style>
-          <a:lnRef idx="2">
-            <a:schemeClr val="accent1">
-              <a:shade val="50000"/>
-            </a:schemeClr>
-          </a:lnRef>
-          <a:fillRef idx="1">
-            <a:schemeClr val="accent1"/>
-          </a:fillRef>
-          <a:effectRef idx="0">
-            <a:schemeClr val="accent1"/>
-          </a:effectRef>
-          <a:fontRef idx="minor">
-            <a:schemeClr val="lt1"/>
-          </a:fontRef>
-        </p:style>
-        <p:txBody>
-          <a:bodyPr rtlCol="0" anchor="ctr"/>
-          <a:lstStyle/>
-          <a:p>
-            <a:pPr algn="ctr"/>
-            <a:r>
-              <a:rPr lang="en-CA" dirty="0"/>
-              <a:t>Wages &amp; Income falls</a:t>
-            </a:r>
-          </a:p>
-        </p:txBody>
-      </p:sp>
-      <p:sp>
-        <p:nvSpPr>
-          <p:cNvPr id="73" name="Rectangle 72">
-            <a:extLst>
-              <a:ext uri="{FF2B5EF4-FFF2-40B4-BE49-F238E27FC236}">
-                <a16:creationId xmlns:a16="http://schemas.microsoft.com/office/drawing/2014/main" id="{97CF9814-5CB6-43DC-B81A-81BADEE8AC70}"/>
-              </a:ext>
-            </a:extLst>
-          </p:cNvPr>
-          <p:cNvSpPr/>
-          <p:nvPr/>
-        </p:nvSpPr>
-        <p:spPr>
-          <a:xfrm>
-            <a:off x="2932923" y="5211091"/>
-            <a:ext cx="1377820" cy="653143"/>
-          </a:xfrm>
-          <a:prstGeom prst="rect">
-            <a:avLst/>
-          </a:prstGeom>
-        </p:spPr>
-        <p:style>
-          <a:lnRef idx="2">
-            <a:schemeClr val="accent1">
-              <a:shade val="50000"/>
-            </a:schemeClr>
-          </a:lnRef>
-          <a:fillRef idx="1">
-            <a:schemeClr val="accent1"/>
-          </a:fillRef>
-          <a:effectRef idx="0">
-            <a:schemeClr val="accent1"/>
-          </a:effectRef>
-          <a:fontRef idx="minor">
-            <a:schemeClr val="lt1"/>
-          </a:fontRef>
-        </p:style>
-        <p:txBody>
-          <a:bodyPr rtlCol="0" anchor="ctr"/>
-          <a:lstStyle/>
-          <a:p>
-            <a:pPr algn="ctr"/>
-            <a:r>
-              <a:rPr lang="en-CA" dirty="0"/>
-              <a:t>Poverty hikes</a:t>
-            </a:r>
-          </a:p>
-        </p:txBody>
-      </p:sp>
-      <p:sp>
-        <p:nvSpPr>
-          <p:cNvPr id="76" name="Rectangle 75">
-            <a:extLst>
-              <a:ext uri="{FF2B5EF4-FFF2-40B4-BE49-F238E27FC236}">
-                <a16:creationId xmlns:a16="http://schemas.microsoft.com/office/drawing/2014/main" id="{36A21489-DE40-4E18-A6FA-0E37DD25CA73}"/>
-              </a:ext>
-            </a:extLst>
-          </p:cNvPr>
-          <p:cNvSpPr/>
-          <p:nvPr/>
-        </p:nvSpPr>
-        <p:spPr>
-          <a:xfrm>
-            <a:off x="7399176" y="5075852"/>
-            <a:ext cx="4124130" cy="1404295"/>
-          </a:xfrm>
-          <a:prstGeom prst="rect">
-            <a:avLst/>
-          </a:prstGeom>
-        </p:spPr>
-        <p:style>
-          <a:lnRef idx="2">
-            <a:schemeClr val="accent1">
-              <a:shade val="50000"/>
-            </a:schemeClr>
-          </a:lnRef>
-          <a:fillRef idx="1">
-            <a:schemeClr val="accent1"/>
-          </a:fillRef>
-          <a:effectRef idx="0">
-            <a:schemeClr val="accent1"/>
-          </a:effectRef>
-          <a:fontRef idx="minor">
-            <a:schemeClr val="lt1"/>
-          </a:fontRef>
-        </p:style>
-        <p:txBody>
-          <a:bodyPr rtlCol="0" anchor="ctr"/>
-          <a:lstStyle/>
-          <a:p>
-            <a:pPr algn="ctr"/>
-            <a:endParaRPr lang="en-CA" dirty="0"/>
-          </a:p>
-          <a:p>
-            <a:pPr algn="ctr"/>
-            <a:endParaRPr lang="en-CA" dirty="0"/>
-          </a:p>
-          <a:p>
-            <a:pPr algn="ctr"/>
-            <a:endParaRPr lang="en-CA" dirty="0"/>
-          </a:p>
-          <a:p>
-            <a:pPr algn="ctr"/>
-            <a:r>
-              <a:rPr lang="en-CA" dirty="0"/>
-              <a:t>Long-Run Effects</a:t>
-            </a:r>
-          </a:p>
-        </p:txBody>
-      </p:sp>
-      <p:sp>
-        <p:nvSpPr>
-          <p:cNvPr id="77" name="Rectangle 76">
-            <a:extLst>
-              <a:ext uri="{FF2B5EF4-FFF2-40B4-BE49-F238E27FC236}">
-                <a16:creationId xmlns:a16="http://schemas.microsoft.com/office/drawing/2014/main" id="{7814646F-67B3-422F-A01F-037829FD78A0}"/>
-              </a:ext>
-            </a:extLst>
-          </p:cNvPr>
-          <p:cNvSpPr/>
-          <p:nvPr/>
-        </p:nvSpPr>
-        <p:spPr>
-          <a:xfrm>
-            <a:off x="7613780" y="5211090"/>
-            <a:ext cx="1838130" cy="653143"/>
-          </a:xfrm>
-          <a:prstGeom prst="rect">
-            <a:avLst/>
-          </a:prstGeom>
-        </p:spPr>
-        <p:style>
-          <a:lnRef idx="2">
-            <a:schemeClr val="accent1">
-              <a:shade val="50000"/>
-            </a:schemeClr>
-          </a:lnRef>
-          <a:fillRef idx="1">
-            <a:schemeClr val="accent1"/>
-          </a:fillRef>
-          <a:effectRef idx="0">
-            <a:schemeClr val="accent1"/>
-          </a:effectRef>
-          <a:fontRef idx="minor">
-            <a:schemeClr val="lt1"/>
-          </a:fontRef>
-        </p:style>
-        <p:txBody>
-          <a:bodyPr rtlCol="0" anchor="ctr"/>
-          <a:lstStyle/>
-          <a:p>
-            <a:pPr algn="ctr"/>
-            <a:r>
-              <a:rPr lang="en-CA" dirty="0"/>
-              <a:t>Loss of Human Capital</a:t>
-            </a:r>
-          </a:p>
-        </p:txBody>
-      </p:sp>
-      <p:sp>
-        <p:nvSpPr>
-          <p:cNvPr id="78" name="Rectangle 77">
-            <a:extLst>
-              <a:ext uri="{FF2B5EF4-FFF2-40B4-BE49-F238E27FC236}">
-                <a16:creationId xmlns:a16="http://schemas.microsoft.com/office/drawing/2014/main" id="{17D2102C-6574-47A6-A164-21955A61B063}"/>
-              </a:ext>
-            </a:extLst>
-          </p:cNvPr>
-          <p:cNvSpPr/>
-          <p:nvPr/>
-        </p:nvSpPr>
-        <p:spPr>
-          <a:xfrm>
-            <a:off x="9713167" y="5211091"/>
-            <a:ext cx="1723054" cy="653144"/>
-          </a:xfrm>
-          <a:prstGeom prst="rect">
-            <a:avLst/>
-          </a:prstGeom>
-        </p:spPr>
-        <p:style>
-          <a:lnRef idx="2">
-            <a:schemeClr val="accent1">
-              <a:shade val="50000"/>
-            </a:schemeClr>
-          </a:lnRef>
-          <a:fillRef idx="1">
-            <a:schemeClr val="accent1"/>
-          </a:fillRef>
-          <a:effectRef idx="0">
-            <a:schemeClr val="accent1"/>
-          </a:effectRef>
-          <a:fontRef idx="minor">
-            <a:schemeClr val="lt1"/>
-          </a:fontRef>
-        </p:style>
-        <p:txBody>
-          <a:bodyPr rtlCol="0" anchor="ctr"/>
-          <a:lstStyle/>
-          <a:p>
-            <a:pPr algn="ctr"/>
-            <a:r>
-              <a:rPr lang="en-CA" dirty="0"/>
-              <a:t>Infrastructure Deterioration</a:t>
-            </a:r>
-          </a:p>
-        </p:txBody>
-      </p:sp>
-      <p:cxnSp>
-        <p:nvCxnSpPr>
-          <p:cNvPr id="80" name="Straight Connector 79">
-            <a:extLst>
-              <a:ext uri="{FF2B5EF4-FFF2-40B4-BE49-F238E27FC236}">
-                <a16:creationId xmlns:a16="http://schemas.microsoft.com/office/drawing/2014/main" id="{C901B348-435D-4444-8BB3-D2818CF47854}"/>
-              </a:ext>
-            </a:extLst>
-          </p:cNvPr>
-          <p:cNvCxnSpPr/>
-          <p:nvPr/>
-        </p:nvCxnSpPr>
-        <p:spPr>
-          <a:xfrm>
-            <a:off x="2687216" y="4627984"/>
-            <a:ext cx="7001069" cy="0"/>
-          </a:xfrm>
-          <a:prstGeom prst="line">
-            <a:avLst/>
-          </a:prstGeom>
-        </p:spPr>
-        <p:style>
-          <a:lnRef idx="3">
-            <a:schemeClr val="accent1"/>
-          </a:lnRef>
-          <a:fillRef idx="0">
-            <a:schemeClr val="accent1"/>
-          </a:fillRef>
-          <a:effectRef idx="2">
-            <a:schemeClr val="accent1"/>
-          </a:effectRef>
-          <a:fontRef idx="minor">
-            <a:schemeClr val="tx1"/>
-          </a:fontRef>
-        </p:style>
-      </p:cxnSp>
-      <p:cxnSp>
-        <p:nvCxnSpPr>
-          <p:cNvPr id="82" name="Straight Arrow Connector 81">
-            <a:extLst>
-              <a:ext uri="{FF2B5EF4-FFF2-40B4-BE49-F238E27FC236}">
-                <a16:creationId xmlns:a16="http://schemas.microsoft.com/office/drawing/2014/main" id="{67018AC1-7D52-4926-86ED-A5C032B87C9F}"/>
-              </a:ext>
-            </a:extLst>
-          </p:cNvPr>
-          <p:cNvCxnSpPr/>
-          <p:nvPr/>
-        </p:nvCxnSpPr>
-        <p:spPr>
-          <a:xfrm>
-            <a:off x="2687216" y="4618653"/>
-            <a:ext cx="0" cy="457199"/>
-          </a:xfrm>
-          <a:prstGeom prst="straightConnector1">
-            <a:avLst/>
-          </a:prstGeom>
-          <a:ln>
-            <a:tailEnd type="triangle"/>
-          </a:ln>
-        </p:spPr>
-        <p:style>
-          <a:lnRef idx="3">
-            <a:schemeClr val="accent1"/>
-          </a:lnRef>
-          <a:fillRef idx="0">
-            <a:schemeClr val="accent1"/>
-          </a:fillRef>
-          <a:effectRef idx="2">
-            <a:schemeClr val="accent1"/>
-          </a:effectRef>
-          <a:fontRef idx="minor">
-            <a:schemeClr val="tx1"/>
-          </a:fontRef>
-        </p:style>
-      </p:cxnSp>
-      <p:cxnSp>
-        <p:nvCxnSpPr>
-          <p:cNvPr id="84" name="Straight Arrow Connector 83">
-            <a:extLst>
-              <a:ext uri="{FF2B5EF4-FFF2-40B4-BE49-F238E27FC236}">
-                <a16:creationId xmlns:a16="http://schemas.microsoft.com/office/drawing/2014/main" id="{8B763308-2526-4C6E-8706-7DD23B2A65BD}"/>
-              </a:ext>
-            </a:extLst>
-          </p:cNvPr>
-          <p:cNvCxnSpPr/>
-          <p:nvPr/>
-        </p:nvCxnSpPr>
-        <p:spPr>
-          <a:xfrm>
-            <a:off x="9688285" y="4627984"/>
-            <a:ext cx="24882" cy="447868"/>
-          </a:xfrm>
-          <a:prstGeom prst="straightConnector1">
-            <a:avLst/>
-          </a:prstGeom>
-          <a:ln>
-            <a:tailEnd type="triangle"/>
-          </a:ln>
-        </p:spPr>
-        <p:style>
-          <a:lnRef idx="3">
-            <a:schemeClr val="accent1"/>
-          </a:lnRef>
-          <a:fillRef idx="0">
-            <a:schemeClr val="accent1"/>
-          </a:fillRef>
-          <a:effectRef idx="2">
-            <a:schemeClr val="accent1"/>
-          </a:effectRef>
-          <a:fontRef idx="minor">
-            <a:schemeClr val="tx1"/>
-          </a:fontRef>
-        </p:style>
-      </p:cxnSp>
-      <p:cxnSp>
-        <p:nvCxnSpPr>
-          <p:cNvPr id="86" name="Straight Connector 85">
-            <a:extLst>
-              <a:ext uri="{FF2B5EF4-FFF2-40B4-BE49-F238E27FC236}">
-                <a16:creationId xmlns:a16="http://schemas.microsoft.com/office/drawing/2014/main" id="{F7113D33-965A-4B8F-BC01-FB8BA603D80C}"/>
-              </a:ext>
-            </a:extLst>
-          </p:cNvPr>
-          <p:cNvCxnSpPr/>
-          <p:nvPr/>
-        </p:nvCxnSpPr>
-        <p:spPr>
-          <a:xfrm>
-            <a:off x="1982755" y="4124131"/>
-            <a:ext cx="0" cy="494522"/>
-          </a:xfrm>
-          <a:prstGeom prst="line">
-            <a:avLst/>
-          </a:prstGeom>
-        </p:spPr>
-        <p:style>
-          <a:lnRef idx="3">
-            <a:schemeClr val="accent1"/>
-          </a:lnRef>
-          <a:fillRef idx="0">
-            <a:schemeClr val="accent1"/>
-          </a:fillRef>
-          <a:effectRef idx="2">
-            <a:schemeClr val="accent1"/>
-          </a:effectRef>
-          <a:fontRef idx="minor">
-            <a:schemeClr val="tx1"/>
-          </a:fontRef>
-        </p:style>
-      </p:cxnSp>
-      <p:cxnSp>
-        <p:nvCxnSpPr>
-          <p:cNvPr id="88" name="Straight Connector 87">
-            <a:extLst>
-              <a:ext uri="{FF2B5EF4-FFF2-40B4-BE49-F238E27FC236}">
-                <a16:creationId xmlns:a16="http://schemas.microsoft.com/office/drawing/2014/main" id="{B1D4DE97-9D24-4C92-9B92-C2B587373257}"/>
-              </a:ext>
-            </a:extLst>
-          </p:cNvPr>
-          <p:cNvCxnSpPr/>
-          <p:nvPr/>
-        </p:nvCxnSpPr>
-        <p:spPr>
-          <a:xfrm flipV="1">
-            <a:off x="1982755" y="4618653"/>
-            <a:ext cx="704461" cy="9331"/>
-          </a:xfrm>
-          <a:prstGeom prst="line">
-            <a:avLst/>
-          </a:prstGeom>
-        </p:spPr>
-        <p:style>
-          <a:lnRef idx="3">
-            <a:schemeClr val="accent1"/>
-          </a:lnRef>
-          <a:fillRef idx="0">
-            <a:schemeClr val="accent1"/>
-          </a:fillRef>
-          <a:effectRef idx="2">
-            <a:schemeClr val="accent1"/>
-          </a:effectRef>
-          <a:fontRef idx="minor">
-            <a:schemeClr val="tx1"/>
-          </a:fontRef>
-        </p:style>
-      </p:cxnSp>
-      <p:cxnSp>
-        <p:nvCxnSpPr>
-          <p:cNvPr id="90" name="Straight Arrow Connector 89">
-            <a:extLst>
-              <a:ext uri="{FF2B5EF4-FFF2-40B4-BE49-F238E27FC236}">
-                <a16:creationId xmlns:a16="http://schemas.microsoft.com/office/drawing/2014/main" id="{FBF5E803-A24D-4F9A-950E-A2E3CD72EA94}"/>
-              </a:ext>
-            </a:extLst>
-          </p:cNvPr>
-          <p:cNvCxnSpPr/>
-          <p:nvPr/>
-        </p:nvCxnSpPr>
-        <p:spPr>
-          <a:xfrm>
-            <a:off x="4058816" y="4124131"/>
-            <a:ext cx="0" cy="503853"/>
-          </a:xfrm>
-          <a:prstGeom prst="straightConnector1">
-            <a:avLst/>
-          </a:prstGeom>
-          <a:ln>
-            <a:tailEnd type="triangle"/>
-          </a:ln>
-        </p:spPr>
-        <p:style>
-          <a:lnRef idx="3">
-            <a:schemeClr val="accent1"/>
-          </a:lnRef>
-          <a:fillRef idx="0">
-            <a:schemeClr val="accent1"/>
-          </a:fillRef>
-          <a:effectRef idx="2">
-            <a:schemeClr val="accent1"/>
-          </a:effectRef>
-          <a:fontRef idx="minor">
-            <a:schemeClr val="tx1"/>
-          </a:fontRef>
-        </p:style>
-      </p:cxnSp>
-      <p:cxnSp>
-        <p:nvCxnSpPr>
-          <p:cNvPr id="92" name="Straight Arrow Connector 91">
-            <a:extLst>
-              <a:ext uri="{FF2B5EF4-FFF2-40B4-BE49-F238E27FC236}">
-                <a16:creationId xmlns:a16="http://schemas.microsoft.com/office/drawing/2014/main" id="{DF0639D1-1A93-425C-B5F3-B15DFE82C316}"/>
-              </a:ext>
-            </a:extLst>
-          </p:cNvPr>
-          <p:cNvCxnSpPr/>
-          <p:nvPr/>
-        </p:nvCxnSpPr>
-        <p:spPr>
-          <a:xfrm>
-            <a:off x="6027576" y="4124131"/>
-            <a:ext cx="0" cy="503853"/>
-          </a:xfrm>
-          <a:prstGeom prst="straightConnector1">
-            <a:avLst/>
-          </a:prstGeom>
-          <a:ln>
-            <a:tailEnd type="triangle"/>
-          </a:ln>
-        </p:spPr>
-        <p:style>
-          <a:lnRef idx="3">
-            <a:schemeClr val="accent1"/>
-          </a:lnRef>
-          <a:fillRef idx="0">
-            <a:schemeClr val="accent1"/>
-          </a:fillRef>
-          <a:effectRef idx="2">
-            <a:schemeClr val="accent1"/>
-          </a:effectRef>
-          <a:fontRef idx="minor">
-            <a:schemeClr val="tx1"/>
-          </a:fontRef>
-        </p:style>
-      </p:cxnSp>
-      <p:cxnSp>
-        <p:nvCxnSpPr>
-          <p:cNvPr id="94" name="Straight Arrow Connector 93">
-            <a:extLst>
-              <a:ext uri="{FF2B5EF4-FFF2-40B4-BE49-F238E27FC236}">
-                <a16:creationId xmlns:a16="http://schemas.microsoft.com/office/drawing/2014/main" id="{77289E87-6D0C-4E6C-A861-F37D8C20DC81}"/>
-              </a:ext>
-            </a:extLst>
-          </p:cNvPr>
-          <p:cNvCxnSpPr/>
-          <p:nvPr/>
-        </p:nvCxnSpPr>
-        <p:spPr>
-          <a:xfrm>
-            <a:off x="8462865" y="4124131"/>
-            <a:ext cx="0" cy="503853"/>
-          </a:xfrm>
-          <a:prstGeom prst="straightConnector1">
-            <a:avLst/>
-          </a:prstGeom>
-          <a:ln>
-            <a:tailEnd type="triangle"/>
-          </a:ln>
-        </p:spPr>
-        <p:style>
-          <a:lnRef idx="3">
-            <a:schemeClr val="accent1"/>
-          </a:lnRef>
-          <a:fillRef idx="0">
-            <a:schemeClr val="accent1"/>
-          </a:fillRef>
-          <a:effectRef idx="2">
-            <a:schemeClr val="accent1"/>
-          </a:effectRef>
-          <a:fontRef idx="minor">
-            <a:schemeClr val="tx1"/>
-          </a:fontRef>
-        </p:style>
-      </p:cxnSp>
-      <p:cxnSp>
-        <p:nvCxnSpPr>
-          <p:cNvPr id="96" name="Straight Connector 95">
-            <a:extLst>
-              <a:ext uri="{FF2B5EF4-FFF2-40B4-BE49-F238E27FC236}">
-                <a16:creationId xmlns:a16="http://schemas.microsoft.com/office/drawing/2014/main" id="{D27C2587-6568-4714-91F3-01A46F4FF0A8}"/>
-              </a:ext>
-            </a:extLst>
-          </p:cNvPr>
-          <p:cNvCxnSpPr/>
-          <p:nvPr/>
-        </p:nvCxnSpPr>
-        <p:spPr>
-          <a:xfrm>
-            <a:off x="10654003" y="4124131"/>
-            <a:ext cx="0" cy="494522"/>
-          </a:xfrm>
-          <a:prstGeom prst="line">
-            <a:avLst/>
-          </a:prstGeom>
-        </p:spPr>
-        <p:style>
-          <a:lnRef idx="3">
-            <a:schemeClr val="accent1"/>
-          </a:lnRef>
-          <a:fillRef idx="0">
-            <a:schemeClr val="accent1"/>
-          </a:fillRef>
-          <a:effectRef idx="2">
-            <a:schemeClr val="accent1"/>
-          </a:effectRef>
-          <a:fontRef idx="minor">
-            <a:schemeClr val="tx1"/>
-          </a:fontRef>
-        </p:style>
-      </p:cxnSp>
-      <p:cxnSp>
-        <p:nvCxnSpPr>
-          <p:cNvPr id="98" name="Straight Connector 97">
-            <a:extLst>
-              <a:ext uri="{FF2B5EF4-FFF2-40B4-BE49-F238E27FC236}">
-                <a16:creationId xmlns:a16="http://schemas.microsoft.com/office/drawing/2014/main" id="{C45E34F6-B6E5-4C4A-B58B-4805128803D5}"/>
-              </a:ext>
-            </a:extLst>
-          </p:cNvPr>
-          <p:cNvCxnSpPr/>
-          <p:nvPr/>
-        </p:nvCxnSpPr>
-        <p:spPr>
-          <a:xfrm flipV="1">
-            <a:off x="9713167" y="4618653"/>
-            <a:ext cx="940836" cy="9331"/>
-          </a:xfrm>
-          <a:prstGeom prst="line">
-            <a:avLst/>
-          </a:prstGeom>
-        </p:spPr>
-        <p:style>
-          <a:lnRef idx="3">
-            <a:schemeClr val="accent1"/>
-          </a:lnRef>
-          <a:fillRef idx="0">
-            <a:schemeClr val="accent1"/>
-          </a:fillRef>
-          <a:effectRef idx="2">
-            <a:schemeClr val="accent1"/>
-          </a:effectRef>
-          <a:fontRef idx="minor">
-            <a:schemeClr val="tx1"/>
-          </a:fontRef>
-        </p:style>
-      </p:cxnSp>
     </p:spTree>
     <p:extLst>
       <p:ext uri="{BB962C8B-B14F-4D97-AF65-F5344CB8AC3E}">
-        <p14:creationId xmlns:p14="http://schemas.microsoft.com/office/powerpoint/2010/main" val="379889885"/>
+        <p14:creationId xmlns:p14="http://schemas.microsoft.com/office/powerpoint/2010/main" val="2372715829"/>
+      </p:ext>
+    </p:extLst>
+  </p:cSld>
+  <p:clrMapOvr>
+    <a:masterClrMapping/>
+  </p:clrMapOvr>
+</p:sld>
+</file>
+
+<file path=ppt/slides/slide2.xml><?xml version="1.0" encoding="utf-8"?>
+<p:sld xmlns:a="http://schemas.openxmlformats.org/drawingml/2006/main" xmlns:r="http://schemas.openxmlformats.org/officeDocument/2006/relationships" xmlns:p="http://schemas.openxmlformats.org/presentationml/2006/main">
+  <p:cSld>
+    <p:bg>
+      <p:bgPr>
+        <a:blipFill dpi="0" rotWithShape="1">
+          <a:blip r:embed="rId2">
+            <a:lum/>
+          </a:blip>
+          <a:srcRect/>
+          <a:stretch>
+            <a:fillRect l="-4000" r="-4000"/>
+          </a:stretch>
+        </a:blipFill>
+        <a:effectLst/>
+      </p:bgPr>
+    </p:bg>
+    <p:spTree>
+      <p:nvGrpSpPr>
+        <p:cNvPr id="1" name=""/>
+        <p:cNvGrpSpPr/>
+        <p:nvPr/>
+      </p:nvGrpSpPr>
+      <p:grpSpPr>
+        <a:xfrm>
+          <a:off x="0" y="0"/>
+          <a:ext cx="0" cy="0"/>
+          <a:chOff x="0" y="0"/>
+          <a:chExt cx="0" cy="0"/>
+        </a:xfrm>
+      </p:grpSpPr>
+      <p:sp>
+        <p:nvSpPr>
+          <p:cNvPr id="6" name="Title 5">
+            <a:extLst>
+              <a:ext uri="{FF2B5EF4-FFF2-40B4-BE49-F238E27FC236}">
+                <a16:creationId xmlns:a16="http://schemas.microsoft.com/office/drawing/2014/main" id="{A306455A-D571-4BE8-A623-E12F47BE718C}"/>
+              </a:ext>
+            </a:extLst>
+          </p:cNvPr>
+          <p:cNvSpPr>
+            <a:spLocks noGrp="1"/>
+          </p:cNvSpPr>
+          <p:nvPr>
+            <p:ph type="title"/>
+          </p:nvPr>
+        </p:nvSpPr>
+        <p:spPr/>
+        <p:txBody>
+          <a:bodyPr/>
+          <a:lstStyle/>
+          <a:p>
+            <a:r>
+              <a:rPr lang="en-US" b="1" dirty="0">
+                <a:solidFill>
+                  <a:schemeClr val="accent1">
+                    <a:lumMod val="40000"/>
+                    <a:lumOff val="60000"/>
+                  </a:schemeClr>
+                </a:solidFill>
+                <a:latin typeface="Broadway" panose="04040905080B02020502" pitchFamily="82" charset="0"/>
+              </a:rPr>
+              <a:t>Introduction</a:t>
+            </a:r>
+            <a:endParaRPr lang="en-CA" b="1" dirty="0">
+              <a:solidFill>
+                <a:schemeClr val="accent1">
+                  <a:lumMod val="40000"/>
+                  <a:lumOff val="60000"/>
+                </a:schemeClr>
+              </a:solidFill>
+              <a:latin typeface="Broadway" panose="04040905080B02020502" pitchFamily="82" charset="0"/>
+            </a:endParaRPr>
+          </a:p>
+        </p:txBody>
+      </p:sp>
+      <p:sp>
+        <p:nvSpPr>
+          <p:cNvPr id="7" name="Content Placeholder 6">
+            <a:extLst>
+              <a:ext uri="{FF2B5EF4-FFF2-40B4-BE49-F238E27FC236}">
+                <a16:creationId xmlns:a16="http://schemas.microsoft.com/office/drawing/2014/main" id="{E1A9E09F-7532-4316-9EC9-3134F35C403B}"/>
+              </a:ext>
+            </a:extLst>
+          </p:cNvPr>
+          <p:cNvSpPr>
+            <a:spLocks noGrp="1"/>
+          </p:cNvSpPr>
+          <p:nvPr>
+            <p:ph idx="1"/>
+          </p:nvPr>
+        </p:nvSpPr>
+        <p:spPr/>
+        <p:txBody>
+          <a:bodyPr/>
+          <a:lstStyle/>
+          <a:p>
+            <a:r>
+              <a:rPr lang="en-US" dirty="0">
+                <a:solidFill>
+                  <a:schemeClr val="accent4">
+                    <a:lumMod val="40000"/>
+                    <a:lumOff val="60000"/>
+                  </a:schemeClr>
+                </a:solidFill>
+                <a:latin typeface="Bodoni MT" panose="02070603080606020203" pitchFamily="18" charset="0"/>
+              </a:rPr>
+              <a:t>Everyone knows that COVID-19 is current worldwide hot topic, deadly virus outbreak from Wuhan(China)</a:t>
+            </a:r>
+          </a:p>
+          <a:p>
+            <a:r>
+              <a:rPr lang="en-US" dirty="0">
+                <a:solidFill>
+                  <a:schemeClr val="accent4">
+                    <a:lumMod val="40000"/>
+                    <a:lumOff val="60000"/>
+                  </a:schemeClr>
+                </a:solidFill>
+                <a:latin typeface="Bodoni MT" panose="02070603080606020203" pitchFamily="18" charset="0"/>
+              </a:rPr>
+              <a:t>Disease causes respiratory illness with symptoms such as a cough, fever and many more sever cases.</a:t>
+            </a:r>
+          </a:p>
+          <a:p>
+            <a:endParaRPr lang="en-US" dirty="0">
+              <a:solidFill>
+                <a:schemeClr val="accent4">
+                  <a:lumMod val="40000"/>
+                  <a:lumOff val="60000"/>
+                </a:schemeClr>
+              </a:solidFill>
+              <a:latin typeface="Bodoni MT" panose="02070603080606020203" pitchFamily="18" charset="0"/>
+            </a:endParaRPr>
+          </a:p>
+        </p:txBody>
+      </p:sp>
+    </p:spTree>
+    <p:extLst>
+      <p:ext uri="{BB962C8B-B14F-4D97-AF65-F5344CB8AC3E}">
+        <p14:creationId xmlns:p14="http://schemas.microsoft.com/office/powerpoint/2010/main" val="3980481842"/>
       </p:ext>
     </p:extLst>
   </p:cSld>
@@ -5753,45 +4207,110 @@
           <a:chExt cx="0" cy="0"/>
         </a:xfrm>
       </p:grpSpPr>
-      <p:sp>
-        <p:nvSpPr>
-          <p:cNvPr id="21" name="Rectangle 20">
-            <a:extLst>
-              <a:ext uri="{FF2B5EF4-FFF2-40B4-BE49-F238E27FC236}">
-                <a16:creationId xmlns:a16="http://schemas.microsoft.com/office/drawing/2014/main" id="{5F18414D-1626-4996-AACB-23D3DE45B03B}"/>
-              </a:ext>
-              <a:ext uri="{C183D7F6-B498-43B3-948B-1728B52AA6E4}">
-                <adec:decorative xmlns:adec="http://schemas.microsoft.com/office/drawing/2017/decorative" val="1"/>
-              </a:ext>
-            </a:extLst>
-          </p:cNvPr>
-          <p:cNvSpPr>
-            <a:spLocks noGrp="1" noRot="1" noChangeAspect="1" noMove="1" noResize="1" noEditPoints="1" noAdjustHandles="1" noChangeArrowheads="1" noChangeShapeType="1" noTextEdit="1"/>
-          </p:cNvSpPr>
-          <p:nvPr>
-            <p:extLst>
-              <p:ext uri="{386F3935-93C4-4BCD-93E2-E3B085C9AB24}">
-                <p16:designElem xmlns:p16="http://schemas.microsoft.com/office/powerpoint/2015/main" val="1"/>
-              </p:ext>
-            </p:extLst>
-          </p:nvPr>
-        </p:nvSpPr>
+      <p:pic>
+        <p:nvPicPr>
+          <p:cNvPr id="4" name="Picture 3" descr="A picture containing fruit&#10;&#10;Description automatically generated">
+            <a:extLst>
+              <a:ext uri="{FF2B5EF4-FFF2-40B4-BE49-F238E27FC236}">
+                <a16:creationId xmlns:a16="http://schemas.microsoft.com/office/drawing/2014/main" id="{17A736E6-BC4C-4BB2-ADD1-325E0B6384A3}"/>
+              </a:ext>
+            </a:extLst>
+          </p:cNvPr>
+          <p:cNvPicPr>
+            <a:picLocks noChangeAspect="1"/>
+          </p:cNvPicPr>
+          <p:nvPr/>
+        </p:nvPicPr>
+        <p:blipFill rotWithShape="1">
+          <a:blip r:embed="rId2">
+            <a:extLst>
+              <a:ext uri="{28A0092B-C50C-407E-A947-70E740481C1C}">
+                <a14:useLocalDpi xmlns:a14="http://schemas.microsoft.com/office/drawing/2010/main" val="0"/>
+              </a:ext>
+            </a:extLst>
+          </a:blip>
+          <a:srcRect r="6666"/>
+          <a:stretch/>
+        </p:blipFill>
         <p:spPr>
           <a:xfrm>
-            <a:off x="0" y="0"/>
-            <a:ext cx="12192000" cy="6858000"/>
+            <a:off x="0" y="10"/>
+            <a:ext cx="12191980" cy="6857990"/>
           </a:xfrm>
           <a:prstGeom prst="rect">
             <a:avLst/>
           </a:prstGeom>
-          <a:solidFill>
-            <a:schemeClr val="tx1">
-              <a:lumMod val="95000"/>
-              <a:lumOff val="5000"/>
-            </a:schemeClr>
-          </a:solidFill>
+        </p:spPr>
+      </p:pic>
+      <p:sp>
+        <p:nvSpPr>
+          <p:cNvPr id="5" name="TextBox 4">
+            <a:extLst>
+              <a:ext uri="{FF2B5EF4-FFF2-40B4-BE49-F238E27FC236}">
+                <a16:creationId xmlns:a16="http://schemas.microsoft.com/office/drawing/2014/main" id="{4499FF35-4131-404D-BF03-F2D0510CA414}"/>
+              </a:ext>
+            </a:extLst>
+          </p:cNvPr>
+          <p:cNvSpPr txBox="1"/>
+          <p:nvPr/>
+        </p:nvSpPr>
+        <p:spPr>
+          <a:xfrm>
+            <a:off x="2500604" y="409278"/>
+            <a:ext cx="7212563" cy="477054"/>
+          </a:xfrm>
+          <a:prstGeom prst="rect">
+            <a:avLst/>
+          </a:prstGeom>
+          <a:noFill/>
+        </p:spPr>
+        <p:txBody>
+          <a:bodyPr wrap="square" rtlCol="0">
+            <a:spAutoFit/>
+          </a:bodyPr>
+          <a:lstStyle/>
+          <a:p>
+            <a:pPr algn="ctr"/>
+            <a:r>
+              <a:rPr lang="en-CA" sz="2500" b="1" dirty="0">
+                <a:solidFill>
+                  <a:schemeClr val="accent4">
+                    <a:lumMod val="40000"/>
+                    <a:lumOff val="60000"/>
+                  </a:schemeClr>
+                </a:solidFill>
+                <a:latin typeface="Bodoni MT" panose="02070603080606020203" pitchFamily="18" charset="0"/>
+              </a:rPr>
+              <a:t>Potential Economic Impact of COVID-19</a:t>
+            </a:r>
+          </a:p>
+        </p:txBody>
+      </p:sp>
+      <p:sp>
+        <p:nvSpPr>
+          <p:cNvPr id="9" name="Rectangle 8">
+            <a:extLst>
+              <a:ext uri="{FF2B5EF4-FFF2-40B4-BE49-F238E27FC236}">
+                <a16:creationId xmlns:a16="http://schemas.microsoft.com/office/drawing/2014/main" id="{035F9511-90AD-4E9A-9C1D-4B41BEC26EED}"/>
+              </a:ext>
+            </a:extLst>
+          </p:cNvPr>
+          <p:cNvSpPr/>
+          <p:nvPr/>
+        </p:nvSpPr>
+        <p:spPr>
+          <a:xfrm>
+            <a:off x="755780" y="1212980"/>
+            <a:ext cx="2481943" cy="802432"/>
+          </a:xfrm>
+          <a:prstGeom prst="rect">
+            <a:avLst/>
+          </a:prstGeom>
+          <a:noFill/>
           <a:ln>
-            <a:noFill/>
+            <a:solidFill>
+              <a:schemeClr val="bg1"/>
+            </a:solidFill>
           </a:ln>
         </p:spPr>
         <p:style>
@@ -5815,171 +4334,45 @@
           <a:lstStyle/>
           <a:p>
             <a:pPr algn="ctr"/>
-            <a:endParaRPr lang="en-US">
-              <a:solidFill>
-                <a:schemeClr val="tx1"/>
-              </a:solidFill>
-            </a:endParaRPr>
-          </a:p>
-        </p:txBody>
-      </p:sp>
-      <p:sp>
-        <p:nvSpPr>
-          <p:cNvPr id="5" name="TextBox 4">
-            <a:extLst>
-              <a:ext uri="{FF2B5EF4-FFF2-40B4-BE49-F238E27FC236}">
-                <a16:creationId xmlns:a16="http://schemas.microsoft.com/office/drawing/2014/main" id="{A01C9D4E-BCFF-4C72-947D-F16965F66C45}"/>
-              </a:ext>
-            </a:extLst>
-          </p:cNvPr>
-          <p:cNvSpPr txBox="1"/>
+            <a:r>
+              <a:rPr lang="en-CA" dirty="0">
+                <a:solidFill>
+                  <a:schemeClr val="accent4">
+                    <a:lumMod val="40000"/>
+                    <a:lumOff val="60000"/>
+                  </a:schemeClr>
+                </a:solidFill>
+                <a:latin typeface="Bodoni MT" panose="02070603080606020203" pitchFamily="18" charset="0"/>
+              </a:rPr>
+              <a:t>Direct Cost from Sickness &amp; Mortality</a:t>
+            </a:r>
+          </a:p>
+        </p:txBody>
+      </p:sp>
+      <p:sp>
+        <p:nvSpPr>
+          <p:cNvPr id="11" name="Rectangle 10">
+            <a:extLst>
+              <a:ext uri="{FF2B5EF4-FFF2-40B4-BE49-F238E27FC236}">
+                <a16:creationId xmlns:a16="http://schemas.microsoft.com/office/drawing/2014/main" id="{F42E2586-6A48-47FD-86DB-8FB21ABA384D}"/>
+              </a:ext>
+            </a:extLst>
+          </p:cNvPr>
+          <p:cNvSpPr/>
           <p:nvPr/>
         </p:nvSpPr>
         <p:spPr>
           <a:xfrm>
-            <a:off x="2428875" y="707132"/>
-            <a:ext cx="3062287" cy="2387600"/>
-          </a:xfrm>
-          <a:prstGeom prst="rect">
-            <a:avLst/>
-          </a:prstGeom>
-        </p:spPr>
-        <p:txBody>
-          <a:bodyPr vert="horz" lIns="91440" tIns="45720" rIns="91440" bIns="45720" rtlCol="0" anchor="b">
-            <a:normAutofit/>
-          </a:bodyPr>
-          <a:lstStyle/>
-          <a:p>
-            <a:pPr>
-              <a:lnSpc>
-                <a:spcPct val="90000"/>
-              </a:lnSpc>
-              <a:spcBef>
-                <a:spcPct val="0"/>
-              </a:spcBef>
-              <a:spcAft>
-                <a:spcPts val="600"/>
-              </a:spcAft>
-            </a:pPr>
-            <a:r>
-              <a:rPr lang="en-US" sz="3500" kern="1200">
-                <a:solidFill>
-                  <a:schemeClr val="bg1"/>
-                </a:solidFill>
-                <a:latin typeface="+mj-lt"/>
-                <a:ea typeface="+mj-ea"/>
-                <a:cs typeface="+mj-cs"/>
-              </a:rPr>
-              <a:t>Assessing the economic impact of COVID-19</a:t>
-            </a:r>
-          </a:p>
-        </p:txBody>
-      </p:sp>
-      <p:pic>
-        <p:nvPicPr>
-          <p:cNvPr id="7" name="Picture 6" descr="A close up of a map&#10;&#10;Description automatically generated">
-            <a:extLst>
-              <a:ext uri="{FF2B5EF4-FFF2-40B4-BE49-F238E27FC236}">
-                <a16:creationId xmlns:a16="http://schemas.microsoft.com/office/drawing/2014/main" id="{E10BFE13-0381-49EF-9302-D6C6FC088E00}"/>
-              </a:ext>
-            </a:extLst>
-          </p:cNvPr>
-          <p:cNvPicPr>
-            <a:picLocks noChangeAspect="1"/>
-          </p:cNvPicPr>
-          <p:nvPr/>
-        </p:nvPicPr>
-        <p:blipFill rotWithShape="1">
-          <a:blip r:embed="rId2">
-            <a:extLst>
-              <a:ext uri="{28A0092B-C50C-407E-A947-70E740481C1C}">
-                <a14:useLocalDpi xmlns:a14="http://schemas.microsoft.com/office/drawing/2010/main" val="0"/>
-              </a:ext>
-            </a:extLst>
-          </a:blip>
-          <a:srcRect t="2774" r="-1" b="3675"/>
-          <a:stretch/>
-        </p:blipFill>
-        <p:spPr>
-          <a:xfrm>
-            <a:off x="5748338" y="1"/>
-            <a:ext cx="6443662" cy="3209924"/>
-          </a:xfrm>
-          <a:prstGeom prst="rect">
-            <a:avLst/>
-          </a:prstGeom>
-        </p:spPr>
-      </p:pic>
-      <p:pic>
-        <p:nvPicPr>
-          <p:cNvPr id="4" name="Picture 3" descr="A picture containing fruit&#10;&#10;Description automatically generated">
-            <a:extLst>
-              <a:ext uri="{FF2B5EF4-FFF2-40B4-BE49-F238E27FC236}">
-                <a16:creationId xmlns:a16="http://schemas.microsoft.com/office/drawing/2014/main" id="{EC1E4827-69F1-40E6-911D-5449C9F62DD1}"/>
-              </a:ext>
-            </a:extLst>
-          </p:cNvPr>
-          <p:cNvPicPr>
-            <a:picLocks noChangeAspect="1"/>
-          </p:cNvPicPr>
-          <p:nvPr/>
-        </p:nvPicPr>
-        <p:blipFill rotWithShape="1">
-          <a:blip r:embed="rId3">
-            <a:extLst>
-              <a:ext uri="{28A0092B-C50C-407E-A947-70E740481C1C}">
-                <a14:useLocalDpi xmlns:a14="http://schemas.microsoft.com/office/drawing/2010/main" val="0"/>
-              </a:ext>
-            </a:extLst>
-          </a:blip>
-          <a:srcRect r="7269" b="1"/>
-          <a:stretch/>
-        </p:blipFill>
-        <p:spPr>
-          <a:xfrm>
-            <a:off x="5748338" y="3209924"/>
-            <a:ext cx="6443662" cy="3648076"/>
-          </a:xfrm>
-          <a:prstGeom prst="rect">
-            <a:avLst/>
-          </a:prstGeom>
-        </p:spPr>
-      </p:pic>
-      <p:sp>
-        <p:nvSpPr>
-          <p:cNvPr id="23" name="Rectangle 22">
-            <a:extLst>
-              <a:ext uri="{FF2B5EF4-FFF2-40B4-BE49-F238E27FC236}">
-                <a16:creationId xmlns:a16="http://schemas.microsoft.com/office/drawing/2014/main" id="{D84C2E9E-0B5D-4B5F-9A1F-70EBDCE39034}"/>
-              </a:ext>
-              <a:ext uri="{C183D7F6-B498-43B3-948B-1728B52AA6E4}">
-                <adec:decorative xmlns:adec="http://schemas.microsoft.com/office/drawing/2017/decorative" val="1"/>
-              </a:ext>
-            </a:extLst>
-          </p:cNvPr>
-          <p:cNvSpPr>
-            <a:spLocks noGrp="1" noRot="1" noChangeAspect="1" noMove="1" noResize="1" noEditPoints="1" noAdjustHandles="1" noChangeArrowheads="1" noChangeShapeType="1" noTextEdit="1"/>
-          </p:cNvSpPr>
-          <p:nvPr>
-            <p:extLst>
-              <p:ext uri="{386F3935-93C4-4BCD-93E2-E3B085C9AB24}">
-                <p16:designElem xmlns:p16="http://schemas.microsoft.com/office/powerpoint/2015/main" val="1"/>
-              </p:ext>
-            </p:extLst>
-          </p:nvPr>
-        </p:nvSpPr>
-        <p:spPr>
-          <a:xfrm>
-            <a:off x="126206" y="115193"/>
-            <a:ext cx="11939588" cy="6627614"/>
+            <a:off x="6162869" y="1212980"/>
+            <a:ext cx="2481943" cy="477054"/>
           </a:xfrm>
           <a:prstGeom prst="rect">
             <a:avLst/>
           </a:prstGeom>
           <a:noFill/>
-          <a:ln w="12700">
+          <a:ln>
             <a:solidFill>
-              <a:schemeClr val="accent2"/>
+              <a:schemeClr val="bg1"/>
             </a:solidFill>
           </a:ln>
         </p:spPr>
@@ -6004,55 +4397,1935 @@
           <a:lstStyle/>
           <a:p>
             <a:pPr algn="ctr"/>
-            <a:endParaRPr lang="en-US"/>
+            <a:r>
+              <a:rPr lang="en-CA" dirty="0">
+                <a:solidFill>
+                  <a:schemeClr val="accent4">
+                    <a:lumMod val="40000"/>
+                    <a:lumOff val="60000"/>
+                  </a:schemeClr>
+                </a:solidFill>
+                <a:latin typeface="Bodoni MT" panose="02070603080606020203" pitchFamily="18" charset="0"/>
+              </a:rPr>
+              <a:t>Aversion Behavior</a:t>
+            </a:r>
+          </a:p>
+        </p:txBody>
+      </p:sp>
+      <p:sp>
+        <p:nvSpPr>
+          <p:cNvPr id="13" name="Rectangle 12">
+            <a:extLst>
+              <a:ext uri="{FF2B5EF4-FFF2-40B4-BE49-F238E27FC236}">
+                <a16:creationId xmlns:a16="http://schemas.microsoft.com/office/drawing/2014/main" id="{90D97A04-7B8D-4818-B35D-F56850ED90F1}"/>
+              </a:ext>
+            </a:extLst>
+          </p:cNvPr>
+          <p:cNvSpPr/>
+          <p:nvPr/>
+        </p:nvSpPr>
+        <p:spPr>
+          <a:xfrm>
+            <a:off x="3247054" y="2444676"/>
+            <a:ext cx="2481943" cy="802432"/>
+          </a:xfrm>
+          <a:prstGeom prst="rect">
+            <a:avLst/>
+          </a:prstGeom>
+          <a:noFill/>
+          <a:ln>
+            <a:solidFill>
+              <a:schemeClr val="bg1"/>
+            </a:solidFill>
+          </a:ln>
+        </p:spPr>
+        <p:style>
+          <a:lnRef idx="2">
+            <a:schemeClr val="accent1">
+              <a:shade val="50000"/>
+            </a:schemeClr>
+          </a:lnRef>
+          <a:fillRef idx="1">
+            <a:schemeClr val="accent1"/>
+          </a:fillRef>
+          <a:effectRef idx="0">
+            <a:schemeClr val="accent1"/>
+          </a:effectRef>
+          <a:fontRef idx="minor">
+            <a:schemeClr val="lt1"/>
+          </a:fontRef>
+        </p:style>
+        <p:txBody>
+          <a:bodyPr rtlCol="0" anchor="ctr"/>
+          <a:lstStyle/>
+          <a:p>
+            <a:pPr algn="ctr"/>
+            <a:r>
+              <a:rPr lang="en-CA" dirty="0">
+                <a:solidFill>
+                  <a:schemeClr val="accent4">
+                    <a:lumMod val="40000"/>
+                    <a:lumOff val="60000"/>
+                  </a:schemeClr>
+                </a:solidFill>
+                <a:latin typeface="Bodoni MT" panose="02070603080606020203" pitchFamily="18" charset="0"/>
+              </a:rPr>
+              <a:t>Government Mandates</a:t>
+            </a:r>
+          </a:p>
+        </p:txBody>
+      </p:sp>
+      <p:sp>
+        <p:nvSpPr>
+          <p:cNvPr id="14" name="Rectangle 13">
+            <a:extLst>
+              <a:ext uri="{FF2B5EF4-FFF2-40B4-BE49-F238E27FC236}">
+                <a16:creationId xmlns:a16="http://schemas.microsoft.com/office/drawing/2014/main" id="{645773C6-A5CA-4E0A-9E2A-06229E6DE0D4}"/>
+              </a:ext>
+            </a:extLst>
+          </p:cNvPr>
+          <p:cNvSpPr/>
+          <p:nvPr/>
+        </p:nvSpPr>
+        <p:spPr>
+          <a:xfrm>
+            <a:off x="6162869" y="2450896"/>
+            <a:ext cx="2481943" cy="802432"/>
+          </a:xfrm>
+          <a:prstGeom prst="rect">
+            <a:avLst/>
+          </a:prstGeom>
+          <a:noFill/>
+          <a:ln>
+            <a:solidFill>
+              <a:schemeClr val="bg1"/>
+            </a:solidFill>
+          </a:ln>
+        </p:spPr>
+        <p:style>
+          <a:lnRef idx="2">
+            <a:schemeClr val="accent1">
+              <a:shade val="50000"/>
+            </a:schemeClr>
+          </a:lnRef>
+          <a:fillRef idx="1">
+            <a:schemeClr val="accent1"/>
+          </a:fillRef>
+          <a:effectRef idx="0">
+            <a:schemeClr val="accent1"/>
+          </a:effectRef>
+          <a:fontRef idx="minor">
+            <a:schemeClr val="lt1"/>
+          </a:fontRef>
+        </p:style>
+        <p:txBody>
+          <a:bodyPr rtlCol="0" anchor="ctr"/>
+          <a:lstStyle/>
+          <a:p>
+            <a:pPr algn="ctr"/>
+            <a:r>
+              <a:rPr lang="en-CA" dirty="0">
+                <a:solidFill>
+                  <a:schemeClr val="accent4">
+                    <a:lumMod val="40000"/>
+                    <a:lumOff val="60000"/>
+                  </a:schemeClr>
+                </a:solidFill>
+                <a:latin typeface="Bodoni MT" panose="02070603080606020203" pitchFamily="18" charset="0"/>
+              </a:rPr>
+              <a:t>Firm and Institutional Decisions</a:t>
+            </a:r>
+          </a:p>
+        </p:txBody>
+      </p:sp>
+      <p:sp>
+        <p:nvSpPr>
+          <p:cNvPr id="15" name="Rectangle 14">
+            <a:extLst>
+              <a:ext uri="{FF2B5EF4-FFF2-40B4-BE49-F238E27FC236}">
+                <a16:creationId xmlns:a16="http://schemas.microsoft.com/office/drawing/2014/main" id="{44331D0B-31C7-48B7-A293-AC0101CFCAF5}"/>
+              </a:ext>
+            </a:extLst>
+          </p:cNvPr>
+          <p:cNvSpPr/>
+          <p:nvPr/>
+        </p:nvSpPr>
+        <p:spPr>
+          <a:xfrm>
+            <a:off x="9125339" y="2444676"/>
+            <a:ext cx="2481943" cy="802432"/>
+          </a:xfrm>
+          <a:prstGeom prst="rect">
+            <a:avLst/>
+          </a:prstGeom>
+          <a:noFill/>
+          <a:ln>
+            <a:solidFill>
+              <a:schemeClr val="bg1"/>
+            </a:solidFill>
+          </a:ln>
+        </p:spPr>
+        <p:style>
+          <a:lnRef idx="2">
+            <a:schemeClr val="accent1">
+              <a:shade val="50000"/>
+            </a:schemeClr>
+          </a:lnRef>
+          <a:fillRef idx="1">
+            <a:schemeClr val="accent1"/>
+          </a:fillRef>
+          <a:effectRef idx="0">
+            <a:schemeClr val="accent1"/>
+          </a:effectRef>
+          <a:fontRef idx="minor">
+            <a:schemeClr val="lt1"/>
+          </a:fontRef>
+        </p:style>
+        <p:txBody>
+          <a:bodyPr rtlCol="0" anchor="ctr"/>
+          <a:lstStyle/>
+          <a:p>
+            <a:pPr algn="ctr"/>
+            <a:r>
+              <a:rPr lang="en-CA" dirty="0">
+                <a:solidFill>
+                  <a:schemeClr val="accent4">
+                    <a:lumMod val="40000"/>
+                    <a:lumOff val="60000"/>
+                  </a:schemeClr>
+                </a:solidFill>
+                <a:latin typeface="Bodoni MT" panose="02070603080606020203" pitchFamily="18" charset="0"/>
+              </a:rPr>
+              <a:t>Consumer Choices</a:t>
+            </a:r>
           </a:p>
         </p:txBody>
       </p:sp>
       <p:cxnSp>
         <p:nvCxnSpPr>
-          <p:cNvPr id="25" name="Straight Connector 24">
-            <a:extLst>
-              <a:ext uri="{FF2B5EF4-FFF2-40B4-BE49-F238E27FC236}">
-                <a16:creationId xmlns:a16="http://schemas.microsoft.com/office/drawing/2014/main" id="{07A9243D-8FC3-4B36-874B-55906B03F484}"/>
-              </a:ext>
-              <a:ext uri="{C183D7F6-B498-43B3-948B-1728B52AA6E4}">
-                <adec:decorative xmlns:adec="http://schemas.microsoft.com/office/drawing/2017/decorative" val="1"/>
+          <p:cNvPr id="17" name="Straight Arrow Connector 16">
+            <a:extLst>
+              <a:ext uri="{FF2B5EF4-FFF2-40B4-BE49-F238E27FC236}">
+                <a16:creationId xmlns:a16="http://schemas.microsoft.com/office/drawing/2014/main" id="{2FBC5596-E9DE-4D78-B81C-552FDC2E221D}"/>
               </a:ext>
             </a:extLst>
           </p:cNvPr>
           <p:cNvCxnSpPr>
-            <a:cxnSpLocks noGrp="1" noRot="1" noChangeAspect="1" noMove="1" noResize="1" noEditPoints="1" noAdjustHandles="1" noChangeArrowheads="1" noChangeShapeType="1"/>
+            <a:endCxn id="14" idx="0"/>
           </p:cNvCxnSpPr>
-          <p:nvPr>
-            <p:extLst>
-              <p:ext uri="{386F3935-93C4-4BCD-93E2-E3B085C9AB24}">
-                <p16:designElem xmlns:p16="http://schemas.microsoft.com/office/powerpoint/2015/main" val="1"/>
-              </p:ext>
-            </p:extLst>
-          </p:nvPr>
+          <p:nvPr/>
         </p:nvCxnSpPr>
         <p:spPr>
+          <a:xfrm>
+            <a:off x="7399176" y="1690034"/>
+            <a:ext cx="4665" cy="760862"/>
+          </a:xfrm>
+          <a:prstGeom prst="straightConnector1">
+            <a:avLst/>
+          </a:prstGeom>
+          <a:ln>
+            <a:tailEnd type="triangle"/>
+          </a:ln>
+        </p:spPr>
+        <p:style>
+          <a:lnRef idx="3">
+            <a:schemeClr val="accent1"/>
+          </a:lnRef>
+          <a:fillRef idx="0">
+            <a:schemeClr val="accent1"/>
+          </a:fillRef>
+          <a:effectRef idx="2">
+            <a:schemeClr val="accent1"/>
+          </a:effectRef>
+          <a:fontRef idx="minor">
+            <a:schemeClr val="tx1"/>
+          </a:fontRef>
+        </p:style>
+      </p:cxnSp>
+      <p:cxnSp>
+        <p:nvCxnSpPr>
+          <p:cNvPr id="24" name="Straight Connector 23">
+            <a:extLst>
+              <a:ext uri="{FF2B5EF4-FFF2-40B4-BE49-F238E27FC236}">
+                <a16:creationId xmlns:a16="http://schemas.microsoft.com/office/drawing/2014/main" id="{666EC8F8-7C74-45C8-A9C4-C5DF6C219D2B}"/>
+              </a:ext>
+            </a:extLst>
+          </p:cNvPr>
+          <p:cNvCxnSpPr>
+            <a:cxnSpLocks/>
+          </p:cNvCxnSpPr>
+          <p:nvPr/>
+        </p:nvCxnSpPr>
+        <p:spPr>
           <a:xfrm flipH="1">
-            <a:off x="2428875" y="3209925"/>
-            <a:ext cx="9763125" cy="0"/>
+            <a:off x="4497355" y="2015412"/>
+            <a:ext cx="5878286" cy="9331"/>
           </a:xfrm>
           <a:prstGeom prst="line">
             <a:avLst/>
           </a:prstGeom>
-          <a:ln w="12700">
+        </p:spPr>
+        <p:style>
+          <a:lnRef idx="3">
+            <a:schemeClr val="accent1"/>
+          </a:lnRef>
+          <a:fillRef idx="0">
+            <a:schemeClr val="accent1"/>
+          </a:fillRef>
+          <a:effectRef idx="2">
+            <a:schemeClr val="accent1"/>
+          </a:effectRef>
+          <a:fontRef idx="minor">
+            <a:schemeClr val="tx1"/>
+          </a:fontRef>
+        </p:style>
+      </p:cxnSp>
+      <p:cxnSp>
+        <p:nvCxnSpPr>
+          <p:cNvPr id="28" name="Straight Arrow Connector 27">
+            <a:extLst>
+              <a:ext uri="{FF2B5EF4-FFF2-40B4-BE49-F238E27FC236}">
+                <a16:creationId xmlns:a16="http://schemas.microsoft.com/office/drawing/2014/main" id="{3B31C0FB-4B89-4530-BBD6-A658FFDC5A4C}"/>
+              </a:ext>
+            </a:extLst>
+          </p:cNvPr>
+          <p:cNvCxnSpPr/>
+          <p:nvPr/>
+        </p:nvCxnSpPr>
+        <p:spPr>
+          <a:xfrm>
+            <a:off x="4502020" y="2015412"/>
+            <a:ext cx="0" cy="429264"/>
+          </a:xfrm>
+          <a:prstGeom prst="straightConnector1">
+            <a:avLst/>
+          </a:prstGeom>
+          <a:ln>
+            <a:tailEnd type="triangle"/>
+          </a:ln>
+        </p:spPr>
+        <p:style>
+          <a:lnRef idx="3">
+            <a:schemeClr val="accent1"/>
+          </a:lnRef>
+          <a:fillRef idx="0">
+            <a:schemeClr val="accent1"/>
+          </a:fillRef>
+          <a:effectRef idx="2">
+            <a:schemeClr val="accent1"/>
+          </a:effectRef>
+          <a:fontRef idx="minor">
+            <a:schemeClr val="tx1"/>
+          </a:fontRef>
+        </p:style>
+      </p:cxnSp>
+      <p:cxnSp>
+        <p:nvCxnSpPr>
+          <p:cNvPr id="30" name="Straight Arrow Connector 29">
+            <a:extLst>
+              <a:ext uri="{FF2B5EF4-FFF2-40B4-BE49-F238E27FC236}">
+                <a16:creationId xmlns:a16="http://schemas.microsoft.com/office/drawing/2014/main" id="{8623D959-80B2-4320-A32F-7FBCA5AE00C9}"/>
+              </a:ext>
+            </a:extLst>
+          </p:cNvPr>
+          <p:cNvCxnSpPr>
+            <a:endCxn id="15" idx="0"/>
+          </p:cNvCxnSpPr>
+          <p:nvPr/>
+        </p:nvCxnSpPr>
+        <p:spPr>
+          <a:xfrm flipH="1">
+            <a:off x="10366311" y="2015412"/>
+            <a:ext cx="9330" cy="429264"/>
+          </a:xfrm>
+          <a:prstGeom prst="straightConnector1">
+            <a:avLst/>
+          </a:prstGeom>
+          <a:ln>
+            <a:tailEnd type="triangle"/>
+          </a:ln>
+        </p:spPr>
+        <p:style>
+          <a:lnRef idx="3">
+            <a:schemeClr val="accent1"/>
+          </a:lnRef>
+          <a:fillRef idx="0">
+            <a:schemeClr val="accent1"/>
+          </a:fillRef>
+          <a:effectRef idx="2">
+            <a:schemeClr val="accent1"/>
+          </a:effectRef>
+          <a:fontRef idx="minor">
+            <a:schemeClr val="tx1"/>
+          </a:fontRef>
+        </p:style>
+      </p:cxnSp>
+      <p:sp>
+        <p:nvSpPr>
+          <p:cNvPr id="32" name="Rectangle 31">
+            <a:extLst>
+              <a:ext uri="{FF2B5EF4-FFF2-40B4-BE49-F238E27FC236}">
+                <a16:creationId xmlns:a16="http://schemas.microsoft.com/office/drawing/2014/main" id="{B75BCD14-3001-4FBA-9BD4-FC3C01268DAF}"/>
+              </a:ext>
+            </a:extLst>
+          </p:cNvPr>
+          <p:cNvSpPr/>
+          <p:nvPr/>
+        </p:nvSpPr>
+        <p:spPr>
+          <a:xfrm>
+            <a:off x="755779" y="3634274"/>
+            <a:ext cx="1931437" cy="480526"/>
+          </a:xfrm>
+          <a:prstGeom prst="rect">
+            <a:avLst/>
+          </a:prstGeom>
+          <a:noFill/>
+          <a:ln>
             <a:solidFill>
-              <a:schemeClr val="accent2"/>
+              <a:schemeClr val="bg1"/>
             </a:solidFill>
           </a:ln>
         </p:spPr>
         <p:style>
-          <a:lnRef idx="1">
+          <a:lnRef idx="2">
+            <a:schemeClr val="accent1">
+              <a:shade val="50000"/>
+            </a:schemeClr>
+          </a:lnRef>
+          <a:fillRef idx="1">
+            <a:schemeClr val="accent1"/>
+          </a:fillRef>
+          <a:effectRef idx="0">
+            <a:schemeClr val="accent1"/>
+          </a:effectRef>
+          <a:fontRef idx="minor">
+            <a:schemeClr val="lt1"/>
+          </a:fontRef>
+        </p:style>
+        <p:txBody>
+          <a:bodyPr rtlCol="0" anchor="ctr"/>
+          <a:lstStyle/>
+          <a:p>
+            <a:pPr algn="ctr"/>
+            <a:r>
+              <a:rPr lang="en-CA" dirty="0">
+                <a:solidFill>
+                  <a:schemeClr val="accent4">
+                    <a:lumMod val="40000"/>
+                    <a:lumOff val="60000"/>
+                  </a:schemeClr>
+                </a:solidFill>
+                <a:latin typeface="Bodoni MT" panose="02070603080606020203" pitchFamily="18" charset="0"/>
+              </a:rPr>
+              <a:t>Health Sector</a:t>
+            </a:r>
+          </a:p>
+        </p:txBody>
+      </p:sp>
+      <p:sp>
+        <p:nvSpPr>
+          <p:cNvPr id="33" name="Rectangle 32">
+            <a:extLst>
+              <a:ext uri="{FF2B5EF4-FFF2-40B4-BE49-F238E27FC236}">
+                <a16:creationId xmlns:a16="http://schemas.microsoft.com/office/drawing/2014/main" id="{F5BEE8D8-CE70-4A92-8393-B260D03849CA}"/>
+              </a:ext>
+            </a:extLst>
+          </p:cNvPr>
+          <p:cNvSpPr/>
+          <p:nvPr/>
+        </p:nvSpPr>
+        <p:spPr>
+          <a:xfrm>
+            <a:off x="2932923" y="3634274"/>
+            <a:ext cx="1931437" cy="480526"/>
+          </a:xfrm>
+          <a:prstGeom prst="rect">
+            <a:avLst/>
+          </a:prstGeom>
+          <a:noFill/>
+          <a:ln>
+            <a:solidFill>
+              <a:schemeClr val="bg1"/>
+            </a:solidFill>
+          </a:ln>
+        </p:spPr>
+        <p:style>
+          <a:lnRef idx="2">
+            <a:schemeClr val="accent1">
+              <a:shade val="50000"/>
+            </a:schemeClr>
+          </a:lnRef>
+          <a:fillRef idx="1">
+            <a:schemeClr val="accent1"/>
+          </a:fillRef>
+          <a:effectRef idx="0">
+            <a:schemeClr val="accent1"/>
+          </a:effectRef>
+          <a:fontRef idx="minor">
+            <a:schemeClr val="lt1"/>
+          </a:fontRef>
+        </p:style>
+        <p:txBody>
+          <a:bodyPr rtlCol="0" anchor="ctr"/>
+          <a:lstStyle/>
+          <a:p>
+            <a:pPr algn="ctr"/>
+            <a:r>
+              <a:rPr lang="en-CA" dirty="0">
+                <a:solidFill>
+                  <a:schemeClr val="accent4">
+                    <a:lumMod val="40000"/>
+                    <a:lumOff val="60000"/>
+                  </a:schemeClr>
+                </a:solidFill>
+                <a:latin typeface="Bodoni MT" panose="02070603080606020203" pitchFamily="18" charset="0"/>
+              </a:rPr>
+              <a:t>Education</a:t>
+            </a:r>
+          </a:p>
+        </p:txBody>
+      </p:sp>
+      <p:sp>
+        <p:nvSpPr>
+          <p:cNvPr id="34" name="Rectangle 33">
+            <a:extLst>
+              <a:ext uri="{FF2B5EF4-FFF2-40B4-BE49-F238E27FC236}">
+                <a16:creationId xmlns:a16="http://schemas.microsoft.com/office/drawing/2014/main" id="{51FAA558-8D46-40A7-B07E-DC529FCF3929}"/>
+              </a:ext>
+            </a:extLst>
+          </p:cNvPr>
+          <p:cNvSpPr/>
+          <p:nvPr/>
+        </p:nvSpPr>
+        <p:spPr>
+          <a:xfrm>
+            <a:off x="5110067" y="3634274"/>
+            <a:ext cx="1931437" cy="480526"/>
+          </a:xfrm>
+          <a:prstGeom prst="rect">
+            <a:avLst/>
+          </a:prstGeom>
+          <a:noFill/>
+          <a:ln>
+            <a:solidFill>
+              <a:schemeClr val="bg1"/>
+            </a:solidFill>
+          </a:ln>
+        </p:spPr>
+        <p:style>
+          <a:lnRef idx="2">
+            <a:schemeClr val="accent1">
+              <a:shade val="50000"/>
+            </a:schemeClr>
+          </a:lnRef>
+          <a:fillRef idx="1">
+            <a:schemeClr val="accent1"/>
+          </a:fillRef>
+          <a:effectRef idx="0">
+            <a:schemeClr val="accent1"/>
+          </a:effectRef>
+          <a:fontRef idx="minor">
+            <a:schemeClr val="lt1"/>
+          </a:fontRef>
+        </p:style>
+        <p:txBody>
+          <a:bodyPr rtlCol="0" anchor="ctr"/>
+          <a:lstStyle/>
+          <a:p>
+            <a:pPr algn="ctr"/>
+            <a:r>
+              <a:rPr lang="en-CA" dirty="0">
+                <a:solidFill>
+                  <a:schemeClr val="accent4">
+                    <a:lumMod val="40000"/>
+                    <a:lumOff val="60000"/>
+                  </a:schemeClr>
+                </a:solidFill>
+                <a:latin typeface="Bodoni MT" panose="02070603080606020203" pitchFamily="18" charset="0"/>
+              </a:rPr>
+              <a:t>Manufacturing</a:t>
+            </a:r>
+          </a:p>
+        </p:txBody>
+      </p:sp>
+      <p:sp>
+        <p:nvSpPr>
+          <p:cNvPr id="35" name="Rectangle 34">
+            <a:extLst>
+              <a:ext uri="{FF2B5EF4-FFF2-40B4-BE49-F238E27FC236}">
+                <a16:creationId xmlns:a16="http://schemas.microsoft.com/office/drawing/2014/main" id="{9A9834A7-D455-4D60-AAD7-356A692DC69E}"/>
+              </a:ext>
+            </a:extLst>
+          </p:cNvPr>
+          <p:cNvSpPr/>
+          <p:nvPr/>
+        </p:nvSpPr>
+        <p:spPr>
+          <a:xfrm>
+            <a:off x="7399176" y="3643605"/>
+            <a:ext cx="1931437" cy="480526"/>
+          </a:xfrm>
+          <a:prstGeom prst="rect">
+            <a:avLst/>
+          </a:prstGeom>
+          <a:noFill/>
+          <a:ln>
+            <a:solidFill>
+              <a:schemeClr val="bg1"/>
+            </a:solidFill>
+          </a:ln>
+        </p:spPr>
+        <p:style>
+          <a:lnRef idx="2">
+            <a:schemeClr val="accent1">
+              <a:shade val="50000"/>
+            </a:schemeClr>
+          </a:lnRef>
+          <a:fillRef idx="1">
+            <a:schemeClr val="accent1"/>
+          </a:fillRef>
+          <a:effectRef idx="0">
+            <a:schemeClr val="accent1"/>
+          </a:effectRef>
+          <a:fontRef idx="minor">
+            <a:schemeClr val="lt1"/>
+          </a:fontRef>
+        </p:style>
+        <p:txBody>
+          <a:bodyPr rtlCol="0" anchor="ctr"/>
+          <a:lstStyle/>
+          <a:p>
+            <a:pPr algn="ctr"/>
+            <a:r>
+              <a:rPr lang="en-CA" dirty="0">
+                <a:solidFill>
+                  <a:schemeClr val="accent4">
+                    <a:lumMod val="40000"/>
+                    <a:lumOff val="60000"/>
+                  </a:schemeClr>
+                </a:solidFill>
+                <a:latin typeface="Bodoni MT" panose="02070603080606020203" pitchFamily="18" charset="0"/>
+              </a:rPr>
+              <a:t>Retail Services</a:t>
+            </a:r>
+          </a:p>
+        </p:txBody>
+      </p:sp>
+      <p:sp>
+        <p:nvSpPr>
+          <p:cNvPr id="36" name="Rectangle 35">
+            <a:extLst>
+              <a:ext uri="{FF2B5EF4-FFF2-40B4-BE49-F238E27FC236}">
+                <a16:creationId xmlns:a16="http://schemas.microsoft.com/office/drawing/2014/main" id="{E95405CB-A11D-4D87-BA20-E0BAC3E6DB82}"/>
+              </a:ext>
+            </a:extLst>
+          </p:cNvPr>
+          <p:cNvSpPr/>
+          <p:nvPr/>
+        </p:nvSpPr>
+        <p:spPr>
+          <a:xfrm>
+            <a:off x="9688285" y="3634274"/>
+            <a:ext cx="1931437" cy="480526"/>
+          </a:xfrm>
+          <a:prstGeom prst="rect">
+            <a:avLst/>
+          </a:prstGeom>
+          <a:noFill/>
+          <a:ln>
+            <a:solidFill>
+              <a:schemeClr val="bg1"/>
+            </a:solidFill>
+          </a:ln>
+        </p:spPr>
+        <p:style>
+          <a:lnRef idx="2">
+            <a:schemeClr val="accent1">
+              <a:shade val="50000"/>
+            </a:schemeClr>
+          </a:lnRef>
+          <a:fillRef idx="1">
+            <a:schemeClr val="accent1"/>
+          </a:fillRef>
+          <a:effectRef idx="0">
+            <a:schemeClr val="accent1"/>
+          </a:effectRef>
+          <a:fontRef idx="minor">
+            <a:schemeClr val="lt1"/>
+          </a:fontRef>
+        </p:style>
+        <p:txBody>
+          <a:bodyPr rtlCol="0" anchor="ctr"/>
+          <a:lstStyle/>
+          <a:p>
+            <a:pPr algn="ctr"/>
+            <a:r>
+              <a:rPr lang="en-CA" dirty="0">
+                <a:solidFill>
+                  <a:schemeClr val="accent4">
+                    <a:lumMod val="40000"/>
+                    <a:lumOff val="60000"/>
+                  </a:schemeClr>
+                </a:solidFill>
+                <a:latin typeface="Bodoni MT" panose="02070603080606020203" pitchFamily="18" charset="0"/>
+              </a:rPr>
+              <a:t>Trade &amp; Transport</a:t>
+            </a:r>
+          </a:p>
+        </p:txBody>
+      </p:sp>
+      <p:cxnSp>
+        <p:nvCxnSpPr>
+          <p:cNvPr id="37" name="Straight Arrow Connector 36">
+            <a:extLst>
+              <a:ext uri="{FF2B5EF4-FFF2-40B4-BE49-F238E27FC236}">
+                <a16:creationId xmlns:a16="http://schemas.microsoft.com/office/drawing/2014/main" id="{A47C52C3-1F75-4025-968D-54C82489C5B0}"/>
+              </a:ext>
+            </a:extLst>
+          </p:cNvPr>
+          <p:cNvCxnSpPr>
+            <a:cxnSpLocks/>
+          </p:cNvCxnSpPr>
+          <p:nvPr/>
+        </p:nvCxnSpPr>
+        <p:spPr>
+          <a:xfrm>
+            <a:off x="1982755" y="2024743"/>
+            <a:ext cx="0" cy="1618862"/>
+          </a:xfrm>
+          <a:prstGeom prst="straightConnector1">
+            <a:avLst/>
+          </a:prstGeom>
+          <a:ln>
+            <a:tailEnd type="triangle"/>
+          </a:ln>
+        </p:spPr>
+        <p:style>
+          <a:lnRef idx="3">
             <a:schemeClr val="accent1"/>
           </a:lnRef>
           <a:fillRef idx="0">
             <a:schemeClr val="accent1"/>
           </a:fillRef>
+          <a:effectRef idx="2">
+            <a:schemeClr val="accent1"/>
+          </a:effectRef>
+          <a:fontRef idx="minor">
+            <a:schemeClr val="tx1"/>
+          </a:fontRef>
+        </p:style>
+      </p:cxnSp>
+      <p:cxnSp>
+        <p:nvCxnSpPr>
+          <p:cNvPr id="40" name="Straight Arrow Connector 39">
+            <a:extLst>
+              <a:ext uri="{FF2B5EF4-FFF2-40B4-BE49-F238E27FC236}">
+                <a16:creationId xmlns:a16="http://schemas.microsoft.com/office/drawing/2014/main" id="{895B0716-2550-4DA1-B386-B9DFFC5A5372}"/>
+              </a:ext>
+            </a:extLst>
+          </p:cNvPr>
+          <p:cNvCxnSpPr/>
+          <p:nvPr/>
+        </p:nvCxnSpPr>
+        <p:spPr>
+          <a:xfrm>
+            <a:off x="1996751" y="2845892"/>
+            <a:ext cx="1240972" cy="0"/>
+          </a:xfrm>
+          <a:prstGeom prst="straightConnector1">
+            <a:avLst/>
+          </a:prstGeom>
+          <a:ln>
+            <a:tailEnd type="triangle"/>
+          </a:ln>
+        </p:spPr>
+        <p:style>
+          <a:lnRef idx="3">
+            <a:schemeClr val="accent1"/>
+          </a:lnRef>
+          <a:fillRef idx="0">
+            <a:schemeClr val="accent1"/>
+          </a:fillRef>
+          <a:effectRef idx="2">
+            <a:schemeClr val="accent1"/>
+          </a:effectRef>
+          <a:fontRef idx="minor">
+            <a:schemeClr val="tx1"/>
+          </a:fontRef>
+        </p:style>
+      </p:cxnSp>
+      <p:cxnSp>
+        <p:nvCxnSpPr>
+          <p:cNvPr id="44" name="Straight Arrow Connector 43">
+            <a:extLst>
+              <a:ext uri="{FF2B5EF4-FFF2-40B4-BE49-F238E27FC236}">
+                <a16:creationId xmlns:a16="http://schemas.microsoft.com/office/drawing/2014/main" id="{959CEB36-39F2-4E8A-88C0-F6CCA00DFFEB}"/>
+              </a:ext>
+            </a:extLst>
+          </p:cNvPr>
+          <p:cNvCxnSpPr>
+            <a:endCxn id="14" idx="1"/>
+          </p:cNvCxnSpPr>
+          <p:nvPr/>
+        </p:nvCxnSpPr>
+        <p:spPr>
+          <a:xfrm>
+            <a:off x="5728997" y="2834174"/>
+            <a:ext cx="433872" cy="17938"/>
+          </a:xfrm>
+          <a:prstGeom prst="straightConnector1">
+            <a:avLst/>
+          </a:prstGeom>
+          <a:ln>
+            <a:tailEnd type="triangle"/>
+          </a:ln>
+        </p:spPr>
+        <p:style>
+          <a:lnRef idx="1">
+            <a:schemeClr val="accent1"/>
+          </a:lnRef>
+          <a:fillRef idx="0">
+            <a:schemeClr val="accent1"/>
+          </a:fillRef>
           <a:effectRef idx="0">
+            <a:schemeClr val="accent1"/>
+          </a:effectRef>
+          <a:fontRef idx="minor">
+            <a:schemeClr val="tx1"/>
+          </a:fontRef>
+        </p:style>
+      </p:cxnSp>
+      <p:cxnSp>
+        <p:nvCxnSpPr>
+          <p:cNvPr id="46" name="Straight Arrow Connector 45">
+            <a:extLst>
+              <a:ext uri="{FF2B5EF4-FFF2-40B4-BE49-F238E27FC236}">
+                <a16:creationId xmlns:a16="http://schemas.microsoft.com/office/drawing/2014/main" id="{715C3A27-A35E-46FB-8262-89E59E03205F}"/>
+              </a:ext>
+            </a:extLst>
+          </p:cNvPr>
+          <p:cNvCxnSpPr>
+            <a:endCxn id="15" idx="1"/>
+          </p:cNvCxnSpPr>
+          <p:nvPr/>
+        </p:nvCxnSpPr>
+        <p:spPr>
+          <a:xfrm>
+            <a:off x="8668140" y="2834174"/>
+            <a:ext cx="457199" cy="11718"/>
+          </a:xfrm>
+          <a:prstGeom prst="straightConnector1">
+            <a:avLst/>
+          </a:prstGeom>
+          <a:ln>
+            <a:tailEnd type="triangle"/>
+          </a:ln>
+        </p:spPr>
+        <p:style>
+          <a:lnRef idx="1">
+            <a:schemeClr val="accent1"/>
+          </a:lnRef>
+          <a:fillRef idx="0">
+            <a:schemeClr val="accent1"/>
+          </a:fillRef>
+          <a:effectRef idx="0">
+            <a:schemeClr val="accent1"/>
+          </a:effectRef>
+          <a:fontRef idx="minor">
+            <a:schemeClr val="tx1"/>
+          </a:fontRef>
+        </p:style>
+      </p:cxnSp>
+      <p:cxnSp>
+        <p:nvCxnSpPr>
+          <p:cNvPr id="52" name="Straight Arrow Connector 51">
+            <a:extLst>
+              <a:ext uri="{FF2B5EF4-FFF2-40B4-BE49-F238E27FC236}">
+                <a16:creationId xmlns:a16="http://schemas.microsoft.com/office/drawing/2014/main" id="{CEC578D2-E7F0-49E8-B940-F77743D2937D}"/>
+              </a:ext>
+            </a:extLst>
+          </p:cNvPr>
+          <p:cNvCxnSpPr/>
+          <p:nvPr/>
+        </p:nvCxnSpPr>
+        <p:spPr>
+          <a:xfrm>
+            <a:off x="4058816" y="3429000"/>
+            <a:ext cx="0" cy="205274"/>
+          </a:xfrm>
+          <a:prstGeom prst="straightConnector1">
+            <a:avLst/>
+          </a:prstGeom>
+          <a:ln>
+            <a:tailEnd type="triangle"/>
+          </a:ln>
+        </p:spPr>
+        <p:style>
+          <a:lnRef idx="1">
+            <a:schemeClr val="accent1"/>
+          </a:lnRef>
+          <a:fillRef idx="0">
+            <a:schemeClr val="accent1"/>
+          </a:fillRef>
+          <a:effectRef idx="0">
+            <a:schemeClr val="accent1"/>
+          </a:effectRef>
+          <a:fontRef idx="minor">
+            <a:schemeClr val="tx1"/>
+          </a:fontRef>
+        </p:style>
+      </p:cxnSp>
+      <p:cxnSp>
+        <p:nvCxnSpPr>
+          <p:cNvPr id="54" name="Straight Arrow Connector 53">
+            <a:extLst>
+              <a:ext uri="{FF2B5EF4-FFF2-40B4-BE49-F238E27FC236}">
+                <a16:creationId xmlns:a16="http://schemas.microsoft.com/office/drawing/2014/main" id="{63BC41D3-E544-41F3-A2A1-6C93EC79AD62}"/>
+              </a:ext>
+            </a:extLst>
+          </p:cNvPr>
+          <p:cNvCxnSpPr/>
+          <p:nvPr/>
+        </p:nvCxnSpPr>
+        <p:spPr>
+          <a:xfrm>
+            <a:off x="6106885" y="3429000"/>
+            <a:ext cx="0" cy="205274"/>
+          </a:xfrm>
+          <a:prstGeom prst="straightConnector1">
+            <a:avLst/>
+          </a:prstGeom>
+          <a:ln>
+            <a:tailEnd type="triangle"/>
+          </a:ln>
+        </p:spPr>
+        <p:style>
+          <a:lnRef idx="3">
+            <a:schemeClr val="accent1"/>
+          </a:lnRef>
+          <a:fillRef idx="0">
+            <a:schemeClr val="accent1"/>
+          </a:fillRef>
+          <a:effectRef idx="2">
+            <a:schemeClr val="accent1"/>
+          </a:effectRef>
+          <a:fontRef idx="minor">
+            <a:schemeClr val="tx1"/>
+          </a:fontRef>
+        </p:style>
+      </p:cxnSp>
+      <p:cxnSp>
+        <p:nvCxnSpPr>
+          <p:cNvPr id="56" name="Straight Arrow Connector 55">
+            <a:extLst>
+              <a:ext uri="{FF2B5EF4-FFF2-40B4-BE49-F238E27FC236}">
+                <a16:creationId xmlns:a16="http://schemas.microsoft.com/office/drawing/2014/main" id="{CAF24ED9-0571-4D14-90E7-CD764AC984E9}"/>
+              </a:ext>
+            </a:extLst>
+          </p:cNvPr>
+          <p:cNvCxnSpPr/>
+          <p:nvPr/>
+        </p:nvCxnSpPr>
+        <p:spPr>
+          <a:xfrm>
+            <a:off x="8462865" y="3429000"/>
+            <a:ext cx="0" cy="205274"/>
+          </a:xfrm>
+          <a:prstGeom prst="straightConnector1">
+            <a:avLst/>
+          </a:prstGeom>
+          <a:ln>
+            <a:tailEnd type="triangle"/>
+          </a:ln>
+        </p:spPr>
+        <p:style>
+          <a:lnRef idx="3">
+            <a:schemeClr val="accent1"/>
+          </a:lnRef>
+          <a:fillRef idx="0">
+            <a:schemeClr val="accent1"/>
+          </a:fillRef>
+          <a:effectRef idx="2">
+            <a:schemeClr val="accent1"/>
+          </a:effectRef>
+          <a:fontRef idx="minor">
+            <a:schemeClr val="tx1"/>
+          </a:fontRef>
+        </p:style>
+      </p:cxnSp>
+      <p:cxnSp>
+        <p:nvCxnSpPr>
+          <p:cNvPr id="60" name="Straight Arrow Connector 59">
+            <a:extLst>
+              <a:ext uri="{FF2B5EF4-FFF2-40B4-BE49-F238E27FC236}">
+                <a16:creationId xmlns:a16="http://schemas.microsoft.com/office/drawing/2014/main" id="{D982686E-4FDF-4158-8C68-0E6DE0389041}"/>
+              </a:ext>
+            </a:extLst>
+          </p:cNvPr>
+          <p:cNvCxnSpPr/>
+          <p:nvPr/>
+        </p:nvCxnSpPr>
+        <p:spPr>
+          <a:xfrm>
+            <a:off x="10654003" y="3429000"/>
+            <a:ext cx="0" cy="205274"/>
+          </a:xfrm>
+          <a:prstGeom prst="straightConnector1">
+            <a:avLst/>
+          </a:prstGeom>
+          <a:ln>
+            <a:tailEnd type="triangle"/>
+          </a:ln>
+        </p:spPr>
+        <p:style>
+          <a:lnRef idx="3">
+            <a:schemeClr val="accent1"/>
+          </a:lnRef>
+          <a:fillRef idx="0">
+            <a:schemeClr val="accent1"/>
+          </a:fillRef>
+          <a:effectRef idx="2">
+            <a:schemeClr val="accent1"/>
+          </a:effectRef>
+          <a:fontRef idx="minor">
+            <a:schemeClr val="tx1"/>
+          </a:fontRef>
+        </p:style>
+      </p:cxnSp>
+      <p:cxnSp>
+        <p:nvCxnSpPr>
+          <p:cNvPr id="62" name="Straight Connector 61">
+            <a:extLst>
+              <a:ext uri="{FF2B5EF4-FFF2-40B4-BE49-F238E27FC236}">
+                <a16:creationId xmlns:a16="http://schemas.microsoft.com/office/drawing/2014/main" id="{8F9B13CF-28EF-4EF1-827F-3F5182284B03}"/>
+              </a:ext>
+            </a:extLst>
+          </p:cNvPr>
+          <p:cNvCxnSpPr/>
+          <p:nvPr/>
+        </p:nvCxnSpPr>
+        <p:spPr>
+          <a:xfrm>
+            <a:off x="4058816" y="3429000"/>
+            <a:ext cx="6595187" cy="0"/>
+          </a:xfrm>
+          <a:prstGeom prst="line">
+            <a:avLst/>
+          </a:prstGeom>
+        </p:spPr>
+        <p:style>
+          <a:lnRef idx="3">
+            <a:schemeClr val="accent1"/>
+          </a:lnRef>
+          <a:fillRef idx="0">
+            <a:schemeClr val="accent1"/>
+          </a:fillRef>
+          <a:effectRef idx="2">
+            <a:schemeClr val="accent1"/>
+          </a:effectRef>
+          <a:fontRef idx="minor">
+            <a:schemeClr val="tx1"/>
+          </a:fontRef>
+        </p:style>
+      </p:cxnSp>
+      <p:cxnSp>
+        <p:nvCxnSpPr>
+          <p:cNvPr id="64" name="Straight Connector 63">
+            <a:extLst>
+              <a:ext uri="{FF2B5EF4-FFF2-40B4-BE49-F238E27FC236}">
+                <a16:creationId xmlns:a16="http://schemas.microsoft.com/office/drawing/2014/main" id="{6489C186-6357-4643-9D75-8F3B263B2585}"/>
+              </a:ext>
+            </a:extLst>
+          </p:cNvPr>
+          <p:cNvCxnSpPr>
+            <a:stCxn id="13" idx="2"/>
+          </p:cNvCxnSpPr>
+          <p:nvPr/>
+        </p:nvCxnSpPr>
+        <p:spPr>
+          <a:xfrm flipH="1">
+            <a:off x="4488025" y="3247108"/>
+            <a:ext cx="1" cy="181892"/>
+          </a:xfrm>
+          <a:prstGeom prst="line">
+            <a:avLst/>
+          </a:prstGeom>
+        </p:spPr>
+        <p:style>
+          <a:lnRef idx="3">
+            <a:schemeClr val="accent1"/>
+          </a:lnRef>
+          <a:fillRef idx="0">
+            <a:schemeClr val="accent1"/>
+          </a:fillRef>
+          <a:effectRef idx="2">
+            <a:schemeClr val="accent1"/>
+          </a:effectRef>
+          <a:fontRef idx="minor">
+            <a:schemeClr val="tx1"/>
+          </a:fontRef>
+        </p:style>
+      </p:cxnSp>
+      <p:cxnSp>
+        <p:nvCxnSpPr>
+          <p:cNvPr id="66" name="Straight Connector 65">
+            <a:extLst>
+              <a:ext uri="{FF2B5EF4-FFF2-40B4-BE49-F238E27FC236}">
+                <a16:creationId xmlns:a16="http://schemas.microsoft.com/office/drawing/2014/main" id="{57E59D70-C594-4314-9C21-9C2784EF2A80}"/>
+              </a:ext>
+            </a:extLst>
+          </p:cNvPr>
+          <p:cNvCxnSpPr>
+            <a:stCxn id="14" idx="2"/>
+          </p:cNvCxnSpPr>
+          <p:nvPr/>
+        </p:nvCxnSpPr>
+        <p:spPr>
+          <a:xfrm flipH="1">
+            <a:off x="7399176" y="3253328"/>
+            <a:ext cx="4665" cy="175672"/>
+          </a:xfrm>
+          <a:prstGeom prst="line">
+            <a:avLst/>
+          </a:prstGeom>
+        </p:spPr>
+        <p:style>
+          <a:lnRef idx="3">
+            <a:schemeClr val="accent1"/>
+          </a:lnRef>
+          <a:fillRef idx="0">
+            <a:schemeClr val="accent1"/>
+          </a:fillRef>
+          <a:effectRef idx="2">
+            <a:schemeClr val="accent1"/>
+          </a:effectRef>
+          <a:fontRef idx="minor">
+            <a:schemeClr val="tx1"/>
+          </a:fontRef>
+        </p:style>
+      </p:cxnSp>
+      <p:cxnSp>
+        <p:nvCxnSpPr>
+          <p:cNvPr id="68" name="Straight Connector 67">
+            <a:extLst>
+              <a:ext uri="{FF2B5EF4-FFF2-40B4-BE49-F238E27FC236}">
+                <a16:creationId xmlns:a16="http://schemas.microsoft.com/office/drawing/2014/main" id="{2D38467C-177B-4FF9-8D3C-34C57F921AB4}"/>
+              </a:ext>
+            </a:extLst>
+          </p:cNvPr>
+          <p:cNvCxnSpPr>
+            <a:cxnSpLocks/>
+            <a:stCxn id="15" idx="2"/>
+          </p:cNvCxnSpPr>
+          <p:nvPr/>
+        </p:nvCxnSpPr>
+        <p:spPr>
+          <a:xfrm>
+            <a:off x="10366311" y="3247108"/>
+            <a:ext cx="0" cy="181892"/>
+          </a:xfrm>
+          <a:prstGeom prst="line">
+            <a:avLst/>
+          </a:prstGeom>
+        </p:spPr>
+        <p:style>
+          <a:lnRef idx="3">
+            <a:schemeClr val="accent1"/>
+          </a:lnRef>
+          <a:fillRef idx="0">
+            <a:schemeClr val="accent1"/>
+          </a:fillRef>
+          <a:effectRef idx="2">
+            <a:schemeClr val="accent1"/>
+          </a:effectRef>
+          <a:fontRef idx="minor">
+            <a:schemeClr val="tx1"/>
+          </a:fontRef>
+        </p:style>
+      </p:cxnSp>
+      <p:sp>
+        <p:nvSpPr>
+          <p:cNvPr id="70" name="Rectangle 69">
+            <a:extLst>
+              <a:ext uri="{FF2B5EF4-FFF2-40B4-BE49-F238E27FC236}">
+                <a16:creationId xmlns:a16="http://schemas.microsoft.com/office/drawing/2014/main" id="{5A9CC11D-B3C9-41C9-BCDF-85BE501CE32D}"/>
+              </a:ext>
+            </a:extLst>
+          </p:cNvPr>
+          <p:cNvSpPr/>
+          <p:nvPr/>
+        </p:nvSpPr>
+        <p:spPr>
+          <a:xfrm>
+            <a:off x="755779" y="5075853"/>
+            <a:ext cx="3732246" cy="1404295"/>
+          </a:xfrm>
+          <a:prstGeom prst="rect">
+            <a:avLst/>
+          </a:prstGeom>
+        </p:spPr>
+        <p:style>
+          <a:lnRef idx="2">
+            <a:schemeClr val="accent1">
+              <a:shade val="50000"/>
+            </a:schemeClr>
+          </a:lnRef>
+          <a:fillRef idx="1">
+            <a:schemeClr val="accent1"/>
+          </a:fillRef>
+          <a:effectRef idx="0">
+            <a:schemeClr val="accent1"/>
+          </a:effectRef>
+          <a:fontRef idx="minor">
+            <a:schemeClr val="lt1"/>
+          </a:fontRef>
+        </p:style>
+        <p:txBody>
+          <a:bodyPr rtlCol="0" anchor="ctr"/>
+          <a:lstStyle/>
+          <a:p>
+            <a:pPr algn="ctr"/>
+            <a:endParaRPr lang="en-CA" dirty="0">
+              <a:solidFill>
+                <a:schemeClr val="accent4">
+                  <a:lumMod val="40000"/>
+                  <a:lumOff val="60000"/>
+                </a:schemeClr>
+              </a:solidFill>
+              <a:latin typeface="Bodoni MT" panose="02070603080606020203" pitchFamily="18" charset="0"/>
+            </a:endParaRPr>
+          </a:p>
+          <a:p>
+            <a:pPr algn="ctr"/>
+            <a:endParaRPr lang="en-CA" dirty="0">
+              <a:solidFill>
+                <a:schemeClr val="accent4">
+                  <a:lumMod val="40000"/>
+                  <a:lumOff val="60000"/>
+                </a:schemeClr>
+              </a:solidFill>
+              <a:latin typeface="Bodoni MT" panose="02070603080606020203" pitchFamily="18" charset="0"/>
+            </a:endParaRPr>
+          </a:p>
+          <a:p>
+            <a:pPr algn="ctr"/>
+            <a:endParaRPr lang="en-CA" dirty="0">
+              <a:solidFill>
+                <a:schemeClr val="accent4">
+                  <a:lumMod val="40000"/>
+                  <a:lumOff val="60000"/>
+                </a:schemeClr>
+              </a:solidFill>
+              <a:latin typeface="Bodoni MT" panose="02070603080606020203" pitchFamily="18" charset="0"/>
+            </a:endParaRPr>
+          </a:p>
+          <a:p>
+            <a:pPr algn="ctr"/>
+            <a:r>
+              <a:rPr lang="en-CA" dirty="0">
+                <a:solidFill>
+                  <a:schemeClr val="accent4">
+                    <a:lumMod val="40000"/>
+                    <a:lumOff val="60000"/>
+                  </a:schemeClr>
+                </a:solidFill>
+                <a:latin typeface="Bodoni MT" panose="02070603080606020203" pitchFamily="18" charset="0"/>
+              </a:rPr>
+              <a:t>Short-Run Effect</a:t>
+            </a:r>
+          </a:p>
+        </p:txBody>
+      </p:sp>
+      <p:sp>
+        <p:nvSpPr>
+          <p:cNvPr id="72" name="Rectangle 71">
+            <a:extLst>
+              <a:ext uri="{FF2B5EF4-FFF2-40B4-BE49-F238E27FC236}">
+                <a16:creationId xmlns:a16="http://schemas.microsoft.com/office/drawing/2014/main" id="{B2D59781-3669-4EC8-B68E-B1A440ABE21A}"/>
+              </a:ext>
+            </a:extLst>
+          </p:cNvPr>
+          <p:cNvSpPr/>
+          <p:nvPr/>
+        </p:nvSpPr>
+        <p:spPr>
+          <a:xfrm>
+            <a:off x="905069" y="5211091"/>
+            <a:ext cx="1595535" cy="662474"/>
+          </a:xfrm>
+          <a:prstGeom prst="rect">
+            <a:avLst/>
+          </a:prstGeom>
+        </p:spPr>
+        <p:style>
+          <a:lnRef idx="2">
+            <a:schemeClr val="accent1">
+              <a:shade val="50000"/>
+            </a:schemeClr>
+          </a:lnRef>
+          <a:fillRef idx="1">
+            <a:schemeClr val="accent1"/>
+          </a:fillRef>
+          <a:effectRef idx="0">
+            <a:schemeClr val="accent1"/>
+          </a:effectRef>
+          <a:fontRef idx="minor">
+            <a:schemeClr val="lt1"/>
+          </a:fontRef>
+        </p:style>
+        <p:txBody>
+          <a:bodyPr rtlCol="0" anchor="ctr"/>
+          <a:lstStyle/>
+          <a:p>
+            <a:pPr algn="ctr"/>
+            <a:r>
+              <a:rPr lang="en-CA" dirty="0">
+                <a:solidFill>
+                  <a:schemeClr val="accent4">
+                    <a:lumMod val="40000"/>
+                    <a:lumOff val="60000"/>
+                  </a:schemeClr>
+                </a:solidFill>
+                <a:latin typeface="Bodoni MT" panose="02070603080606020203" pitchFamily="18" charset="0"/>
+              </a:rPr>
+              <a:t>Wages &amp; Income falls</a:t>
+            </a:r>
+          </a:p>
+        </p:txBody>
+      </p:sp>
+      <p:sp>
+        <p:nvSpPr>
+          <p:cNvPr id="73" name="Rectangle 72">
+            <a:extLst>
+              <a:ext uri="{FF2B5EF4-FFF2-40B4-BE49-F238E27FC236}">
+                <a16:creationId xmlns:a16="http://schemas.microsoft.com/office/drawing/2014/main" id="{97CF9814-5CB6-43DC-B81A-81BADEE8AC70}"/>
+              </a:ext>
+            </a:extLst>
+          </p:cNvPr>
+          <p:cNvSpPr/>
+          <p:nvPr/>
+        </p:nvSpPr>
+        <p:spPr>
+          <a:xfrm>
+            <a:off x="2932923" y="5211091"/>
+            <a:ext cx="1377820" cy="653143"/>
+          </a:xfrm>
+          <a:prstGeom prst="rect">
+            <a:avLst/>
+          </a:prstGeom>
+        </p:spPr>
+        <p:style>
+          <a:lnRef idx="2">
+            <a:schemeClr val="accent1">
+              <a:shade val="50000"/>
+            </a:schemeClr>
+          </a:lnRef>
+          <a:fillRef idx="1">
+            <a:schemeClr val="accent1"/>
+          </a:fillRef>
+          <a:effectRef idx="0">
+            <a:schemeClr val="accent1"/>
+          </a:effectRef>
+          <a:fontRef idx="minor">
+            <a:schemeClr val="lt1"/>
+          </a:fontRef>
+        </p:style>
+        <p:txBody>
+          <a:bodyPr rtlCol="0" anchor="ctr"/>
+          <a:lstStyle/>
+          <a:p>
+            <a:pPr algn="ctr"/>
+            <a:r>
+              <a:rPr lang="en-CA" dirty="0">
+                <a:solidFill>
+                  <a:schemeClr val="accent4">
+                    <a:lumMod val="40000"/>
+                    <a:lumOff val="60000"/>
+                  </a:schemeClr>
+                </a:solidFill>
+                <a:latin typeface="Bodoni MT" panose="02070603080606020203" pitchFamily="18" charset="0"/>
+              </a:rPr>
+              <a:t>Poverty hikes</a:t>
+            </a:r>
+          </a:p>
+        </p:txBody>
+      </p:sp>
+      <p:sp>
+        <p:nvSpPr>
+          <p:cNvPr id="76" name="Rectangle 75">
+            <a:extLst>
+              <a:ext uri="{FF2B5EF4-FFF2-40B4-BE49-F238E27FC236}">
+                <a16:creationId xmlns:a16="http://schemas.microsoft.com/office/drawing/2014/main" id="{36A21489-DE40-4E18-A6FA-0E37DD25CA73}"/>
+              </a:ext>
+            </a:extLst>
+          </p:cNvPr>
+          <p:cNvSpPr/>
+          <p:nvPr/>
+        </p:nvSpPr>
+        <p:spPr>
+          <a:xfrm>
+            <a:off x="7399176" y="5075852"/>
+            <a:ext cx="4124130" cy="1404295"/>
+          </a:xfrm>
+          <a:prstGeom prst="rect">
+            <a:avLst/>
+          </a:prstGeom>
+        </p:spPr>
+        <p:style>
+          <a:lnRef idx="2">
+            <a:schemeClr val="accent1">
+              <a:shade val="50000"/>
+            </a:schemeClr>
+          </a:lnRef>
+          <a:fillRef idx="1">
+            <a:schemeClr val="accent1"/>
+          </a:fillRef>
+          <a:effectRef idx="0">
+            <a:schemeClr val="accent1"/>
+          </a:effectRef>
+          <a:fontRef idx="minor">
+            <a:schemeClr val="lt1"/>
+          </a:fontRef>
+        </p:style>
+        <p:txBody>
+          <a:bodyPr rtlCol="0" anchor="ctr"/>
+          <a:lstStyle/>
+          <a:p>
+            <a:pPr algn="ctr"/>
+            <a:endParaRPr lang="en-CA" dirty="0">
+              <a:solidFill>
+                <a:schemeClr val="accent4">
+                  <a:lumMod val="40000"/>
+                  <a:lumOff val="60000"/>
+                </a:schemeClr>
+              </a:solidFill>
+              <a:latin typeface="Bodoni MT" panose="02070603080606020203" pitchFamily="18" charset="0"/>
+            </a:endParaRPr>
+          </a:p>
+          <a:p>
+            <a:pPr algn="ctr"/>
+            <a:endParaRPr lang="en-CA" dirty="0">
+              <a:solidFill>
+                <a:schemeClr val="accent4">
+                  <a:lumMod val="40000"/>
+                  <a:lumOff val="60000"/>
+                </a:schemeClr>
+              </a:solidFill>
+              <a:latin typeface="Bodoni MT" panose="02070603080606020203" pitchFamily="18" charset="0"/>
+            </a:endParaRPr>
+          </a:p>
+          <a:p>
+            <a:pPr algn="ctr"/>
+            <a:endParaRPr lang="en-CA" dirty="0">
+              <a:solidFill>
+                <a:schemeClr val="accent4">
+                  <a:lumMod val="40000"/>
+                  <a:lumOff val="60000"/>
+                </a:schemeClr>
+              </a:solidFill>
+              <a:latin typeface="Bodoni MT" panose="02070603080606020203" pitchFamily="18" charset="0"/>
+            </a:endParaRPr>
+          </a:p>
+          <a:p>
+            <a:pPr algn="ctr"/>
+            <a:r>
+              <a:rPr lang="en-CA" dirty="0">
+                <a:solidFill>
+                  <a:schemeClr val="accent4">
+                    <a:lumMod val="40000"/>
+                    <a:lumOff val="60000"/>
+                  </a:schemeClr>
+                </a:solidFill>
+                <a:latin typeface="Bodoni MT" panose="02070603080606020203" pitchFamily="18" charset="0"/>
+              </a:rPr>
+              <a:t>Long-Run Effects</a:t>
+            </a:r>
+          </a:p>
+        </p:txBody>
+      </p:sp>
+      <p:sp>
+        <p:nvSpPr>
+          <p:cNvPr id="77" name="Rectangle 76">
+            <a:extLst>
+              <a:ext uri="{FF2B5EF4-FFF2-40B4-BE49-F238E27FC236}">
+                <a16:creationId xmlns:a16="http://schemas.microsoft.com/office/drawing/2014/main" id="{7814646F-67B3-422F-A01F-037829FD78A0}"/>
+              </a:ext>
+            </a:extLst>
+          </p:cNvPr>
+          <p:cNvSpPr/>
+          <p:nvPr/>
+        </p:nvSpPr>
+        <p:spPr>
+          <a:xfrm>
+            <a:off x="7613780" y="5211090"/>
+            <a:ext cx="1838130" cy="653143"/>
+          </a:xfrm>
+          <a:prstGeom prst="rect">
+            <a:avLst/>
+          </a:prstGeom>
+        </p:spPr>
+        <p:style>
+          <a:lnRef idx="2">
+            <a:schemeClr val="accent1">
+              <a:shade val="50000"/>
+            </a:schemeClr>
+          </a:lnRef>
+          <a:fillRef idx="1">
+            <a:schemeClr val="accent1"/>
+          </a:fillRef>
+          <a:effectRef idx="0">
+            <a:schemeClr val="accent1"/>
+          </a:effectRef>
+          <a:fontRef idx="minor">
+            <a:schemeClr val="lt1"/>
+          </a:fontRef>
+        </p:style>
+        <p:txBody>
+          <a:bodyPr rtlCol="0" anchor="ctr"/>
+          <a:lstStyle/>
+          <a:p>
+            <a:pPr algn="ctr"/>
+            <a:r>
+              <a:rPr lang="en-CA" dirty="0">
+                <a:solidFill>
+                  <a:schemeClr val="accent4">
+                    <a:lumMod val="40000"/>
+                    <a:lumOff val="60000"/>
+                  </a:schemeClr>
+                </a:solidFill>
+                <a:latin typeface="Bodoni MT" panose="02070603080606020203" pitchFamily="18" charset="0"/>
+              </a:rPr>
+              <a:t>Loss of Human Capital</a:t>
+            </a:r>
+          </a:p>
+        </p:txBody>
+      </p:sp>
+      <p:sp>
+        <p:nvSpPr>
+          <p:cNvPr id="78" name="Rectangle 77">
+            <a:extLst>
+              <a:ext uri="{FF2B5EF4-FFF2-40B4-BE49-F238E27FC236}">
+                <a16:creationId xmlns:a16="http://schemas.microsoft.com/office/drawing/2014/main" id="{17D2102C-6574-47A6-A164-21955A61B063}"/>
+              </a:ext>
+            </a:extLst>
+          </p:cNvPr>
+          <p:cNvSpPr/>
+          <p:nvPr/>
+        </p:nvSpPr>
+        <p:spPr>
+          <a:xfrm>
+            <a:off x="9713167" y="5211091"/>
+            <a:ext cx="1723054" cy="653144"/>
+          </a:xfrm>
+          <a:prstGeom prst="rect">
+            <a:avLst/>
+          </a:prstGeom>
+        </p:spPr>
+        <p:style>
+          <a:lnRef idx="2">
+            <a:schemeClr val="accent1">
+              <a:shade val="50000"/>
+            </a:schemeClr>
+          </a:lnRef>
+          <a:fillRef idx="1">
+            <a:schemeClr val="accent1"/>
+          </a:fillRef>
+          <a:effectRef idx="0">
+            <a:schemeClr val="accent1"/>
+          </a:effectRef>
+          <a:fontRef idx="minor">
+            <a:schemeClr val="lt1"/>
+          </a:fontRef>
+        </p:style>
+        <p:txBody>
+          <a:bodyPr rtlCol="0" anchor="ctr"/>
+          <a:lstStyle/>
+          <a:p>
+            <a:pPr algn="ctr"/>
+            <a:r>
+              <a:rPr lang="en-CA" dirty="0">
+                <a:solidFill>
+                  <a:schemeClr val="accent4">
+                    <a:lumMod val="40000"/>
+                    <a:lumOff val="60000"/>
+                  </a:schemeClr>
+                </a:solidFill>
+                <a:latin typeface="Bodoni MT" panose="02070603080606020203" pitchFamily="18" charset="0"/>
+              </a:rPr>
+              <a:t>Infrastructure Deterioration</a:t>
+            </a:r>
+          </a:p>
+        </p:txBody>
+      </p:sp>
+      <p:cxnSp>
+        <p:nvCxnSpPr>
+          <p:cNvPr id="80" name="Straight Connector 79">
+            <a:extLst>
+              <a:ext uri="{FF2B5EF4-FFF2-40B4-BE49-F238E27FC236}">
+                <a16:creationId xmlns:a16="http://schemas.microsoft.com/office/drawing/2014/main" id="{C901B348-435D-4444-8BB3-D2818CF47854}"/>
+              </a:ext>
+            </a:extLst>
+          </p:cNvPr>
+          <p:cNvCxnSpPr/>
+          <p:nvPr/>
+        </p:nvCxnSpPr>
+        <p:spPr>
+          <a:xfrm>
+            <a:off x="2687216" y="4627984"/>
+            <a:ext cx="7001069" cy="0"/>
+          </a:xfrm>
+          <a:prstGeom prst="line">
+            <a:avLst/>
+          </a:prstGeom>
+        </p:spPr>
+        <p:style>
+          <a:lnRef idx="3">
+            <a:schemeClr val="accent1"/>
+          </a:lnRef>
+          <a:fillRef idx="0">
+            <a:schemeClr val="accent1"/>
+          </a:fillRef>
+          <a:effectRef idx="2">
+            <a:schemeClr val="accent1"/>
+          </a:effectRef>
+          <a:fontRef idx="minor">
+            <a:schemeClr val="tx1"/>
+          </a:fontRef>
+        </p:style>
+      </p:cxnSp>
+      <p:cxnSp>
+        <p:nvCxnSpPr>
+          <p:cNvPr id="82" name="Straight Arrow Connector 81">
+            <a:extLst>
+              <a:ext uri="{FF2B5EF4-FFF2-40B4-BE49-F238E27FC236}">
+                <a16:creationId xmlns:a16="http://schemas.microsoft.com/office/drawing/2014/main" id="{67018AC1-7D52-4926-86ED-A5C032B87C9F}"/>
+              </a:ext>
+            </a:extLst>
+          </p:cNvPr>
+          <p:cNvCxnSpPr/>
+          <p:nvPr/>
+        </p:nvCxnSpPr>
+        <p:spPr>
+          <a:xfrm>
+            <a:off x="2687216" y="4618653"/>
+            <a:ext cx="0" cy="457199"/>
+          </a:xfrm>
+          <a:prstGeom prst="straightConnector1">
+            <a:avLst/>
+          </a:prstGeom>
+          <a:ln>
+            <a:tailEnd type="triangle"/>
+          </a:ln>
+        </p:spPr>
+        <p:style>
+          <a:lnRef idx="3">
+            <a:schemeClr val="accent1"/>
+          </a:lnRef>
+          <a:fillRef idx="0">
+            <a:schemeClr val="accent1"/>
+          </a:fillRef>
+          <a:effectRef idx="2">
+            <a:schemeClr val="accent1"/>
+          </a:effectRef>
+          <a:fontRef idx="minor">
+            <a:schemeClr val="tx1"/>
+          </a:fontRef>
+        </p:style>
+      </p:cxnSp>
+      <p:cxnSp>
+        <p:nvCxnSpPr>
+          <p:cNvPr id="84" name="Straight Arrow Connector 83">
+            <a:extLst>
+              <a:ext uri="{FF2B5EF4-FFF2-40B4-BE49-F238E27FC236}">
+                <a16:creationId xmlns:a16="http://schemas.microsoft.com/office/drawing/2014/main" id="{8B763308-2526-4C6E-8706-7DD23B2A65BD}"/>
+              </a:ext>
+            </a:extLst>
+          </p:cNvPr>
+          <p:cNvCxnSpPr/>
+          <p:nvPr/>
+        </p:nvCxnSpPr>
+        <p:spPr>
+          <a:xfrm>
+            <a:off x="9688285" y="4627984"/>
+            <a:ext cx="24882" cy="447868"/>
+          </a:xfrm>
+          <a:prstGeom prst="straightConnector1">
+            <a:avLst/>
+          </a:prstGeom>
+          <a:ln>
+            <a:tailEnd type="triangle"/>
+          </a:ln>
+        </p:spPr>
+        <p:style>
+          <a:lnRef idx="3">
+            <a:schemeClr val="accent1"/>
+          </a:lnRef>
+          <a:fillRef idx="0">
+            <a:schemeClr val="accent1"/>
+          </a:fillRef>
+          <a:effectRef idx="2">
+            <a:schemeClr val="accent1"/>
+          </a:effectRef>
+          <a:fontRef idx="minor">
+            <a:schemeClr val="tx1"/>
+          </a:fontRef>
+        </p:style>
+      </p:cxnSp>
+      <p:cxnSp>
+        <p:nvCxnSpPr>
+          <p:cNvPr id="86" name="Straight Connector 85">
+            <a:extLst>
+              <a:ext uri="{FF2B5EF4-FFF2-40B4-BE49-F238E27FC236}">
+                <a16:creationId xmlns:a16="http://schemas.microsoft.com/office/drawing/2014/main" id="{F7113D33-965A-4B8F-BC01-FB8BA603D80C}"/>
+              </a:ext>
+            </a:extLst>
+          </p:cNvPr>
+          <p:cNvCxnSpPr/>
+          <p:nvPr/>
+        </p:nvCxnSpPr>
+        <p:spPr>
+          <a:xfrm>
+            <a:off x="1982755" y="4124131"/>
+            <a:ext cx="0" cy="494522"/>
+          </a:xfrm>
+          <a:prstGeom prst="line">
+            <a:avLst/>
+          </a:prstGeom>
+        </p:spPr>
+        <p:style>
+          <a:lnRef idx="3">
+            <a:schemeClr val="accent1"/>
+          </a:lnRef>
+          <a:fillRef idx="0">
+            <a:schemeClr val="accent1"/>
+          </a:fillRef>
+          <a:effectRef idx="2">
+            <a:schemeClr val="accent1"/>
+          </a:effectRef>
+          <a:fontRef idx="minor">
+            <a:schemeClr val="tx1"/>
+          </a:fontRef>
+        </p:style>
+      </p:cxnSp>
+      <p:cxnSp>
+        <p:nvCxnSpPr>
+          <p:cNvPr id="88" name="Straight Connector 87">
+            <a:extLst>
+              <a:ext uri="{FF2B5EF4-FFF2-40B4-BE49-F238E27FC236}">
+                <a16:creationId xmlns:a16="http://schemas.microsoft.com/office/drawing/2014/main" id="{B1D4DE97-9D24-4C92-9B92-C2B587373257}"/>
+              </a:ext>
+            </a:extLst>
+          </p:cNvPr>
+          <p:cNvCxnSpPr/>
+          <p:nvPr/>
+        </p:nvCxnSpPr>
+        <p:spPr>
+          <a:xfrm flipV="1">
+            <a:off x="1982755" y="4618653"/>
+            <a:ext cx="704461" cy="9331"/>
+          </a:xfrm>
+          <a:prstGeom prst="line">
+            <a:avLst/>
+          </a:prstGeom>
+        </p:spPr>
+        <p:style>
+          <a:lnRef idx="3">
+            <a:schemeClr val="accent1"/>
+          </a:lnRef>
+          <a:fillRef idx="0">
+            <a:schemeClr val="accent1"/>
+          </a:fillRef>
+          <a:effectRef idx="2">
+            <a:schemeClr val="accent1"/>
+          </a:effectRef>
+          <a:fontRef idx="minor">
+            <a:schemeClr val="tx1"/>
+          </a:fontRef>
+        </p:style>
+      </p:cxnSp>
+      <p:cxnSp>
+        <p:nvCxnSpPr>
+          <p:cNvPr id="90" name="Straight Arrow Connector 89">
+            <a:extLst>
+              <a:ext uri="{FF2B5EF4-FFF2-40B4-BE49-F238E27FC236}">
+                <a16:creationId xmlns:a16="http://schemas.microsoft.com/office/drawing/2014/main" id="{FBF5E803-A24D-4F9A-950E-A2E3CD72EA94}"/>
+              </a:ext>
+            </a:extLst>
+          </p:cNvPr>
+          <p:cNvCxnSpPr/>
+          <p:nvPr/>
+        </p:nvCxnSpPr>
+        <p:spPr>
+          <a:xfrm>
+            <a:off x="4058816" y="4124131"/>
+            <a:ext cx="0" cy="503853"/>
+          </a:xfrm>
+          <a:prstGeom prst="straightConnector1">
+            <a:avLst/>
+          </a:prstGeom>
+          <a:ln>
+            <a:tailEnd type="triangle"/>
+          </a:ln>
+        </p:spPr>
+        <p:style>
+          <a:lnRef idx="3">
+            <a:schemeClr val="accent1"/>
+          </a:lnRef>
+          <a:fillRef idx="0">
+            <a:schemeClr val="accent1"/>
+          </a:fillRef>
+          <a:effectRef idx="2">
+            <a:schemeClr val="accent1"/>
+          </a:effectRef>
+          <a:fontRef idx="minor">
+            <a:schemeClr val="tx1"/>
+          </a:fontRef>
+        </p:style>
+      </p:cxnSp>
+      <p:cxnSp>
+        <p:nvCxnSpPr>
+          <p:cNvPr id="92" name="Straight Arrow Connector 91">
+            <a:extLst>
+              <a:ext uri="{FF2B5EF4-FFF2-40B4-BE49-F238E27FC236}">
+                <a16:creationId xmlns:a16="http://schemas.microsoft.com/office/drawing/2014/main" id="{DF0639D1-1A93-425C-B5F3-B15DFE82C316}"/>
+              </a:ext>
+            </a:extLst>
+          </p:cNvPr>
+          <p:cNvCxnSpPr/>
+          <p:nvPr/>
+        </p:nvCxnSpPr>
+        <p:spPr>
+          <a:xfrm>
+            <a:off x="6027576" y="4124131"/>
+            <a:ext cx="0" cy="503853"/>
+          </a:xfrm>
+          <a:prstGeom prst="straightConnector1">
+            <a:avLst/>
+          </a:prstGeom>
+          <a:ln>
+            <a:tailEnd type="triangle"/>
+          </a:ln>
+        </p:spPr>
+        <p:style>
+          <a:lnRef idx="3">
+            <a:schemeClr val="accent1"/>
+          </a:lnRef>
+          <a:fillRef idx="0">
+            <a:schemeClr val="accent1"/>
+          </a:fillRef>
+          <a:effectRef idx="2">
+            <a:schemeClr val="accent1"/>
+          </a:effectRef>
+          <a:fontRef idx="minor">
+            <a:schemeClr val="tx1"/>
+          </a:fontRef>
+        </p:style>
+      </p:cxnSp>
+      <p:cxnSp>
+        <p:nvCxnSpPr>
+          <p:cNvPr id="94" name="Straight Arrow Connector 93">
+            <a:extLst>
+              <a:ext uri="{FF2B5EF4-FFF2-40B4-BE49-F238E27FC236}">
+                <a16:creationId xmlns:a16="http://schemas.microsoft.com/office/drawing/2014/main" id="{77289E87-6D0C-4E6C-A861-F37D8C20DC81}"/>
+              </a:ext>
+            </a:extLst>
+          </p:cNvPr>
+          <p:cNvCxnSpPr/>
+          <p:nvPr/>
+        </p:nvCxnSpPr>
+        <p:spPr>
+          <a:xfrm>
+            <a:off x="8462865" y="4124131"/>
+            <a:ext cx="0" cy="503853"/>
+          </a:xfrm>
+          <a:prstGeom prst="straightConnector1">
+            <a:avLst/>
+          </a:prstGeom>
+          <a:ln>
+            <a:tailEnd type="triangle"/>
+          </a:ln>
+        </p:spPr>
+        <p:style>
+          <a:lnRef idx="3">
+            <a:schemeClr val="accent1"/>
+          </a:lnRef>
+          <a:fillRef idx="0">
+            <a:schemeClr val="accent1"/>
+          </a:fillRef>
+          <a:effectRef idx="2">
+            <a:schemeClr val="accent1"/>
+          </a:effectRef>
+          <a:fontRef idx="minor">
+            <a:schemeClr val="tx1"/>
+          </a:fontRef>
+        </p:style>
+      </p:cxnSp>
+      <p:cxnSp>
+        <p:nvCxnSpPr>
+          <p:cNvPr id="96" name="Straight Connector 95">
+            <a:extLst>
+              <a:ext uri="{FF2B5EF4-FFF2-40B4-BE49-F238E27FC236}">
+                <a16:creationId xmlns:a16="http://schemas.microsoft.com/office/drawing/2014/main" id="{D27C2587-6568-4714-91F3-01A46F4FF0A8}"/>
+              </a:ext>
+            </a:extLst>
+          </p:cNvPr>
+          <p:cNvCxnSpPr/>
+          <p:nvPr/>
+        </p:nvCxnSpPr>
+        <p:spPr>
+          <a:xfrm>
+            <a:off x="10654003" y="4124131"/>
+            <a:ext cx="0" cy="494522"/>
+          </a:xfrm>
+          <a:prstGeom prst="line">
+            <a:avLst/>
+          </a:prstGeom>
+        </p:spPr>
+        <p:style>
+          <a:lnRef idx="3">
+            <a:schemeClr val="accent1"/>
+          </a:lnRef>
+          <a:fillRef idx="0">
+            <a:schemeClr val="accent1"/>
+          </a:fillRef>
+          <a:effectRef idx="2">
+            <a:schemeClr val="accent1"/>
+          </a:effectRef>
+          <a:fontRef idx="minor">
+            <a:schemeClr val="tx1"/>
+          </a:fontRef>
+        </p:style>
+      </p:cxnSp>
+      <p:cxnSp>
+        <p:nvCxnSpPr>
+          <p:cNvPr id="98" name="Straight Connector 97">
+            <a:extLst>
+              <a:ext uri="{FF2B5EF4-FFF2-40B4-BE49-F238E27FC236}">
+                <a16:creationId xmlns:a16="http://schemas.microsoft.com/office/drawing/2014/main" id="{C45E34F6-B6E5-4C4A-B58B-4805128803D5}"/>
+              </a:ext>
+            </a:extLst>
+          </p:cNvPr>
+          <p:cNvCxnSpPr/>
+          <p:nvPr/>
+        </p:nvCxnSpPr>
+        <p:spPr>
+          <a:xfrm flipV="1">
+            <a:off x="9713167" y="4618653"/>
+            <a:ext cx="940836" cy="9331"/>
+          </a:xfrm>
+          <a:prstGeom prst="line">
+            <a:avLst/>
+          </a:prstGeom>
+        </p:spPr>
+        <p:style>
+          <a:lnRef idx="3">
+            <a:schemeClr val="accent1"/>
+          </a:lnRef>
+          <a:fillRef idx="0">
+            <a:schemeClr val="accent1"/>
+          </a:fillRef>
+          <a:effectRef idx="2">
             <a:schemeClr val="accent1"/>
           </a:effectRef>
           <a:fontRef idx="minor">
@@ -6063,7 +6336,7 @@
     </p:spTree>
     <p:extLst>
       <p:ext uri="{BB962C8B-B14F-4D97-AF65-F5344CB8AC3E}">
-        <p14:creationId xmlns:p14="http://schemas.microsoft.com/office/powerpoint/2010/main" val="2971059695"/>
+        <p14:creationId xmlns:p14="http://schemas.microsoft.com/office/powerpoint/2010/main" val="379889885"/>
       </p:ext>
     </p:extLst>
   </p:cSld>
@@ -6310,36 +6583,106 @@
               </a:lnSpc>
             </a:pPr>
             <a:r>
-              <a:rPr lang="en-US" sz="3700" dirty="0"/>
+              <a:rPr lang="en-US" sz="3000" dirty="0">
+                <a:solidFill>
+                  <a:schemeClr val="accent4">
+                    <a:lumMod val="40000"/>
+                    <a:lumOff val="60000"/>
+                  </a:schemeClr>
+                </a:solidFill>
+                <a:latin typeface="Bodoni MT" panose="02070603080606020203" pitchFamily="18" charset="0"/>
+              </a:rPr>
               <a:t>1) Travelers are cancelling flights</a:t>
             </a:r>
             <a:br>
-              <a:rPr lang="en-US" sz="3700" dirty="0"/>
+              <a:rPr lang="en-US" sz="3000" dirty="0">
+                <a:solidFill>
+                  <a:schemeClr val="accent4">
+                    <a:lumMod val="40000"/>
+                    <a:lumOff val="60000"/>
+                  </a:schemeClr>
+                </a:solidFill>
+                <a:latin typeface="Bodoni MT" panose="02070603080606020203" pitchFamily="18" charset="0"/>
+              </a:rPr>
             </a:br>
             <a:r>
-              <a:rPr lang="en-US" sz="3700" dirty="0"/>
+              <a:rPr lang="en-US" sz="3000" dirty="0">
+                <a:solidFill>
+                  <a:schemeClr val="accent4">
+                    <a:lumMod val="40000"/>
+                    <a:lumOff val="60000"/>
+                  </a:schemeClr>
+                </a:solidFill>
+                <a:latin typeface="Bodoni MT" panose="02070603080606020203" pitchFamily="18" charset="0"/>
+              </a:rPr>
               <a:t>2) Business ask workers to stay home</a:t>
             </a:r>
             <a:br>
-              <a:rPr lang="en-US" sz="3700" dirty="0"/>
+              <a:rPr lang="en-US" sz="3000" dirty="0">
+                <a:solidFill>
+                  <a:schemeClr val="accent4">
+                    <a:lumMod val="40000"/>
+                    <a:lumOff val="60000"/>
+                  </a:schemeClr>
+                </a:solidFill>
+                <a:latin typeface="Bodoni MT" panose="02070603080606020203" pitchFamily="18" charset="0"/>
+              </a:rPr>
             </a:br>
             <a:r>
-              <a:rPr lang="en-US" sz="3700" dirty="0"/>
+              <a:rPr lang="en-US" sz="3000" dirty="0">
+                <a:solidFill>
+                  <a:schemeClr val="accent4">
+                    <a:lumMod val="40000"/>
+                    <a:lumOff val="60000"/>
+                  </a:schemeClr>
+                </a:solidFill>
+                <a:latin typeface="Bodoni MT" panose="02070603080606020203" pitchFamily="18" charset="0"/>
+              </a:rPr>
               <a:t>3) Global Economy indexes are falling</a:t>
             </a:r>
             <a:br>
-              <a:rPr lang="en-US" sz="3700" dirty="0"/>
+              <a:rPr lang="en-US" sz="3000" dirty="0">
+                <a:solidFill>
+                  <a:schemeClr val="accent4">
+                    <a:lumMod val="40000"/>
+                    <a:lumOff val="60000"/>
+                  </a:schemeClr>
+                </a:solidFill>
+                <a:latin typeface="Bodoni MT" panose="02070603080606020203" pitchFamily="18" charset="0"/>
+              </a:rPr>
             </a:br>
             <a:r>
-              <a:rPr lang="en-US" sz="3700" dirty="0"/>
+              <a:rPr lang="en-US" sz="3000" dirty="0">
+                <a:solidFill>
+                  <a:schemeClr val="accent4">
+                    <a:lumMod val="40000"/>
+                    <a:lumOff val="60000"/>
+                  </a:schemeClr>
+                </a:solidFill>
+                <a:latin typeface="Bodoni MT" panose="02070603080606020203" pitchFamily="18" charset="0"/>
+              </a:rPr>
               <a:t>4) More than 23,000 people have died worldwide, and &gt;500,000 people are infected</a:t>
             </a:r>
             <a:br>
-              <a:rPr lang="en-US" sz="3700" dirty="0"/>
+              <a:rPr lang="en-US" sz="3700" dirty="0">
+                <a:solidFill>
+                  <a:schemeClr val="accent4">
+                    <a:lumMod val="40000"/>
+                    <a:lumOff val="60000"/>
+                  </a:schemeClr>
+                </a:solidFill>
+              </a:rPr>
             </a:br>
             <a:r>
-              <a:rPr lang="en-US" sz="3700" dirty="0"/>
-              <a:t> </a:t>
+              <a:rPr lang="en-US" sz="3700" dirty="0">
+                <a:solidFill>
+                  <a:schemeClr val="accent4">
+                    <a:lumMod val="40000"/>
+                    <a:lumOff val="60000"/>
+                  </a:schemeClr>
+                </a:solidFill>
+              </a:rPr>
+              <a:t>….</a:t>
             </a:r>
           </a:p>
         </p:txBody>
@@ -6750,7 +7093,15 @@
           <a:lstStyle/>
           <a:p>
             <a:r>
-              <a:rPr lang="en-US" sz="4800" b="1" dirty="0"/>
+              <a:rPr lang="en-US" sz="4800" b="1" dirty="0">
+                <a:solidFill>
+                  <a:schemeClr val="accent5">
+                    <a:lumMod val="60000"/>
+                    <a:lumOff val="40000"/>
+                  </a:schemeClr>
+                </a:solidFill>
+                <a:latin typeface="Broadway" panose="04040905080B02020502" pitchFamily="82" charset="0"/>
+              </a:rPr>
               <a:t>COVID-19 effects on Canadian economy</a:t>
             </a:r>
           </a:p>
@@ -6950,7 +7301,15 @@
               <a:buChar char="•"/>
             </a:pPr>
             <a:r>
-              <a:rPr lang="en-CA" sz="2400" dirty="0"/>
+              <a:rPr lang="en-CA" sz="2400" dirty="0">
+                <a:solidFill>
+                  <a:schemeClr val="accent4">
+                    <a:lumMod val="40000"/>
+                    <a:lumOff val="60000"/>
+                  </a:schemeClr>
+                </a:solidFill>
+                <a:latin typeface="Bodoni MT" panose="02070603080606020203" pitchFamily="18" charset="0"/>
+              </a:rPr>
               <a:t>Conference Board of Canada predicts that the COVID-19 will impact the country’s economy for years to come.</a:t>
             </a:r>
           </a:p>
@@ -6960,7 +7319,15 @@
               <a:buChar char="•"/>
             </a:pPr>
             <a:r>
-              <a:rPr lang="en-US" sz="2400" dirty="0"/>
+              <a:rPr lang="en-US" sz="2400" dirty="0">
+                <a:solidFill>
+                  <a:schemeClr val="accent4">
+                    <a:lumMod val="40000"/>
+                    <a:lumOff val="60000"/>
+                  </a:schemeClr>
+                </a:solidFill>
+                <a:latin typeface="Bodoni MT" panose="02070603080606020203" pitchFamily="18" charset="0"/>
+              </a:rPr>
               <a:t>In comparison with our baseline scenario, the bigger negative impact on the Canadian economy is the result of lower energy and resource investment, weaker exports, and a drastic decline in household spending.</a:t>
             </a:r>
           </a:p>
@@ -6975,6 +7342,1014 @@
   </p:cSld>
   <p:clrMapOvr>
     <a:overrideClrMapping bg1="dk1" tx1="lt1" bg2="dk2" tx2="lt2" accent1="accent1" accent2="accent2" accent3="accent3" accent4="accent4" accent5="accent5" accent6="accent6" hlink="hlink" folHlink="folHlink"/>
+  </p:clrMapOvr>
+</p:sld>
+</file>
+
+<file path=ppt/slides/slide6.xml><?xml version="1.0" encoding="utf-8"?>
+<p:sld xmlns:a="http://schemas.openxmlformats.org/drawingml/2006/main" xmlns:r="http://schemas.openxmlformats.org/officeDocument/2006/relationships" xmlns:p="http://schemas.openxmlformats.org/presentationml/2006/main">
+  <p:cSld>
+    <p:bg>
+      <p:bgPr>
+        <a:solidFill>
+          <a:schemeClr val="bg1"/>
+        </a:solidFill>
+        <a:effectLst/>
+      </p:bgPr>
+    </p:bg>
+    <p:spTree>
+      <p:nvGrpSpPr>
+        <p:cNvPr id="1" name=""/>
+        <p:cNvGrpSpPr/>
+        <p:nvPr/>
+      </p:nvGrpSpPr>
+      <p:grpSpPr>
+        <a:xfrm>
+          <a:off x="0" y="0"/>
+          <a:ext cx="0" cy="0"/>
+          <a:chOff x="0" y="0"/>
+          <a:chExt cx="0" cy="0"/>
+        </a:xfrm>
+      </p:grpSpPr>
+      <p:sp>
+        <p:nvSpPr>
+          <p:cNvPr id="21" name="Rectangle 20">
+            <a:extLst>
+              <a:ext uri="{FF2B5EF4-FFF2-40B4-BE49-F238E27FC236}">
+                <a16:creationId xmlns:a16="http://schemas.microsoft.com/office/drawing/2014/main" id="{5F18414D-1626-4996-AACB-23D3DE45B03B}"/>
+              </a:ext>
+              <a:ext uri="{C183D7F6-B498-43B3-948B-1728B52AA6E4}">
+                <adec:decorative xmlns:adec="http://schemas.microsoft.com/office/drawing/2017/decorative" val="1"/>
+              </a:ext>
+            </a:extLst>
+          </p:cNvPr>
+          <p:cNvSpPr>
+            <a:spLocks noGrp="1" noRot="1" noChangeAspect="1" noMove="1" noResize="1" noEditPoints="1" noAdjustHandles="1" noChangeArrowheads="1" noChangeShapeType="1" noTextEdit="1"/>
+          </p:cNvSpPr>
+          <p:nvPr>
+            <p:extLst>
+              <p:ext uri="{386F3935-93C4-4BCD-93E2-E3B085C9AB24}">
+                <p16:designElem xmlns:p16="http://schemas.microsoft.com/office/powerpoint/2015/main" val="1"/>
+              </p:ext>
+            </p:extLst>
+          </p:nvPr>
+        </p:nvSpPr>
+        <p:spPr>
+          <a:xfrm>
+            <a:off x="0" y="0"/>
+            <a:ext cx="12192000" cy="6858000"/>
+          </a:xfrm>
+          <a:prstGeom prst="rect">
+            <a:avLst/>
+          </a:prstGeom>
+          <a:solidFill>
+            <a:schemeClr val="tx1">
+              <a:lumMod val="95000"/>
+              <a:lumOff val="5000"/>
+            </a:schemeClr>
+          </a:solidFill>
+          <a:ln>
+            <a:noFill/>
+          </a:ln>
+        </p:spPr>
+        <p:style>
+          <a:lnRef idx="2">
+            <a:schemeClr val="accent1">
+              <a:shade val="50000"/>
+            </a:schemeClr>
+          </a:lnRef>
+          <a:fillRef idx="1">
+            <a:schemeClr val="accent1"/>
+          </a:fillRef>
+          <a:effectRef idx="0">
+            <a:schemeClr val="accent1"/>
+          </a:effectRef>
+          <a:fontRef idx="minor">
+            <a:schemeClr val="lt1"/>
+          </a:fontRef>
+        </p:style>
+        <p:txBody>
+          <a:bodyPr rtlCol="0" anchor="ctr"/>
+          <a:lstStyle/>
+          <a:p>
+            <a:pPr algn="ctr"/>
+            <a:endParaRPr lang="en-US">
+              <a:solidFill>
+                <a:schemeClr val="tx1"/>
+              </a:solidFill>
+            </a:endParaRPr>
+          </a:p>
+        </p:txBody>
+      </p:sp>
+      <p:sp>
+        <p:nvSpPr>
+          <p:cNvPr id="5" name="TextBox 4">
+            <a:extLst>
+              <a:ext uri="{FF2B5EF4-FFF2-40B4-BE49-F238E27FC236}">
+                <a16:creationId xmlns:a16="http://schemas.microsoft.com/office/drawing/2014/main" id="{A01C9D4E-BCFF-4C72-947D-F16965F66C45}"/>
+              </a:ext>
+            </a:extLst>
+          </p:cNvPr>
+          <p:cNvSpPr txBox="1"/>
+          <p:nvPr/>
+        </p:nvSpPr>
+        <p:spPr>
+          <a:xfrm>
+            <a:off x="2428875" y="707132"/>
+            <a:ext cx="3062287" cy="2387600"/>
+          </a:xfrm>
+          <a:prstGeom prst="rect">
+            <a:avLst/>
+          </a:prstGeom>
+        </p:spPr>
+        <p:txBody>
+          <a:bodyPr vert="horz" lIns="91440" tIns="45720" rIns="91440" bIns="45720" rtlCol="0" anchor="b">
+            <a:normAutofit/>
+          </a:bodyPr>
+          <a:lstStyle/>
+          <a:p>
+            <a:pPr>
+              <a:lnSpc>
+                <a:spcPct val="90000"/>
+              </a:lnSpc>
+              <a:spcBef>
+                <a:spcPct val="0"/>
+              </a:spcBef>
+              <a:spcAft>
+                <a:spcPts val="600"/>
+              </a:spcAft>
+            </a:pPr>
+            <a:r>
+              <a:rPr lang="en-US" sz="3500" kern="1200">
+                <a:solidFill>
+                  <a:schemeClr val="bg1"/>
+                </a:solidFill>
+                <a:latin typeface="+mj-lt"/>
+                <a:ea typeface="+mj-ea"/>
+                <a:cs typeface="+mj-cs"/>
+              </a:rPr>
+              <a:t>Assessing the economic impact of COVID-19</a:t>
+            </a:r>
+          </a:p>
+        </p:txBody>
+      </p:sp>
+      <p:pic>
+        <p:nvPicPr>
+          <p:cNvPr id="7" name="Picture 6" descr="A close up of a map&#10;&#10;Description automatically generated">
+            <a:extLst>
+              <a:ext uri="{FF2B5EF4-FFF2-40B4-BE49-F238E27FC236}">
+                <a16:creationId xmlns:a16="http://schemas.microsoft.com/office/drawing/2014/main" id="{E10BFE13-0381-49EF-9302-D6C6FC088E00}"/>
+              </a:ext>
+            </a:extLst>
+          </p:cNvPr>
+          <p:cNvPicPr>
+            <a:picLocks noChangeAspect="1"/>
+          </p:cNvPicPr>
+          <p:nvPr/>
+        </p:nvPicPr>
+        <p:blipFill rotWithShape="1">
+          <a:blip r:embed="rId2">
+            <a:extLst>
+              <a:ext uri="{28A0092B-C50C-407E-A947-70E740481C1C}">
+                <a14:useLocalDpi xmlns:a14="http://schemas.microsoft.com/office/drawing/2010/main" val="0"/>
+              </a:ext>
+            </a:extLst>
+          </a:blip>
+          <a:srcRect t="2774" r="-1" b="3675"/>
+          <a:stretch/>
+        </p:blipFill>
+        <p:spPr>
+          <a:xfrm>
+            <a:off x="5748338" y="1"/>
+            <a:ext cx="6443662" cy="3209924"/>
+          </a:xfrm>
+          <a:prstGeom prst="rect">
+            <a:avLst/>
+          </a:prstGeom>
+        </p:spPr>
+      </p:pic>
+      <p:pic>
+        <p:nvPicPr>
+          <p:cNvPr id="4" name="Picture 3" descr="A picture containing fruit&#10;&#10;Description automatically generated">
+            <a:extLst>
+              <a:ext uri="{FF2B5EF4-FFF2-40B4-BE49-F238E27FC236}">
+                <a16:creationId xmlns:a16="http://schemas.microsoft.com/office/drawing/2014/main" id="{EC1E4827-69F1-40E6-911D-5449C9F62DD1}"/>
+              </a:ext>
+            </a:extLst>
+          </p:cNvPr>
+          <p:cNvPicPr>
+            <a:picLocks noChangeAspect="1"/>
+          </p:cNvPicPr>
+          <p:nvPr/>
+        </p:nvPicPr>
+        <p:blipFill rotWithShape="1">
+          <a:blip r:embed="rId3">
+            <a:extLst>
+              <a:ext uri="{28A0092B-C50C-407E-A947-70E740481C1C}">
+                <a14:useLocalDpi xmlns:a14="http://schemas.microsoft.com/office/drawing/2010/main" val="0"/>
+              </a:ext>
+            </a:extLst>
+          </a:blip>
+          <a:srcRect r="7269" b="1"/>
+          <a:stretch/>
+        </p:blipFill>
+        <p:spPr>
+          <a:xfrm>
+            <a:off x="5748338" y="3209924"/>
+            <a:ext cx="6443662" cy="3648076"/>
+          </a:xfrm>
+          <a:prstGeom prst="rect">
+            <a:avLst/>
+          </a:prstGeom>
+        </p:spPr>
+      </p:pic>
+      <p:sp>
+        <p:nvSpPr>
+          <p:cNvPr id="23" name="Rectangle 22">
+            <a:extLst>
+              <a:ext uri="{FF2B5EF4-FFF2-40B4-BE49-F238E27FC236}">
+                <a16:creationId xmlns:a16="http://schemas.microsoft.com/office/drawing/2014/main" id="{D84C2E9E-0B5D-4B5F-9A1F-70EBDCE39034}"/>
+              </a:ext>
+              <a:ext uri="{C183D7F6-B498-43B3-948B-1728B52AA6E4}">
+                <adec:decorative xmlns:adec="http://schemas.microsoft.com/office/drawing/2017/decorative" val="1"/>
+              </a:ext>
+            </a:extLst>
+          </p:cNvPr>
+          <p:cNvSpPr>
+            <a:spLocks noGrp="1" noRot="1" noChangeAspect="1" noMove="1" noResize="1" noEditPoints="1" noAdjustHandles="1" noChangeArrowheads="1" noChangeShapeType="1" noTextEdit="1"/>
+          </p:cNvSpPr>
+          <p:nvPr>
+            <p:extLst>
+              <p:ext uri="{386F3935-93C4-4BCD-93E2-E3B085C9AB24}">
+                <p16:designElem xmlns:p16="http://schemas.microsoft.com/office/powerpoint/2015/main" val="1"/>
+              </p:ext>
+            </p:extLst>
+          </p:nvPr>
+        </p:nvSpPr>
+        <p:spPr>
+          <a:xfrm>
+            <a:off x="126206" y="115193"/>
+            <a:ext cx="11939588" cy="6627614"/>
+          </a:xfrm>
+          <a:prstGeom prst="rect">
+            <a:avLst/>
+          </a:prstGeom>
+          <a:noFill/>
+          <a:ln w="12700">
+            <a:solidFill>
+              <a:schemeClr val="accent2"/>
+            </a:solidFill>
+          </a:ln>
+        </p:spPr>
+        <p:style>
+          <a:lnRef idx="2">
+            <a:schemeClr val="accent1">
+              <a:shade val="50000"/>
+            </a:schemeClr>
+          </a:lnRef>
+          <a:fillRef idx="1">
+            <a:schemeClr val="accent1"/>
+          </a:fillRef>
+          <a:effectRef idx="0">
+            <a:schemeClr val="accent1"/>
+          </a:effectRef>
+          <a:fontRef idx="minor">
+            <a:schemeClr val="lt1"/>
+          </a:fontRef>
+        </p:style>
+        <p:txBody>
+          <a:bodyPr rtlCol="0" anchor="ctr"/>
+          <a:lstStyle/>
+          <a:p>
+            <a:pPr algn="ctr"/>
+            <a:endParaRPr lang="en-US"/>
+          </a:p>
+        </p:txBody>
+      </p:sp>
+      <p:cxnSp>
+        <p:nvCxnSpPr>
+          <p:cNvPr id="25" name="Straight Connector 24">
+            <a:extLst>
+              <a:ext uri="{FF2B5EF4-FFF2-40B4-BE49-F238E27FC236}">
+                <a16:creationId xmlns:a16="http://schemas.microsoft.com/office/drawing/2014/main" id="{07A9243D-8FC3-4B36-874B-55906B03F484}"/>
+              </a:ext>
+              <a:ext uri="{C183D7F6-B498-43B3-948B-1728B52AA6E4}">
+                <adec:decorative xmlns:adec="http://schemas.microsoft.com/office/drawing/2017/decorative" val="1"/>
+              </a:ext>
+            </a:extLst>
+          </p:cNvPr>
+          <p:cNvCxnSpPr>
+            <a:cxnSpLocks noGrp="1" noRot="1" noChangeAspect="1" noMove="1" noResize="1" noEditPoints="1" noAdjustHandles="1" noChangeArrowheads="1" noChangeShapeType="1"/>
+          </p:cNvCxnSpPr>
+          <p:nvPr>
+            <p:extLst>
+              <p:ext uri="{386F3935-93C4-4BCD-93E2-E3B085C9AB24}">
+                <p16:designElem xmlns:p16="http://schemas.microsoft.com/office/powerpoint/2015/main" val="1"/>
+              </p:ext>
+            </p:extLst>
+          </p:nvPr>
+        </p:nvCxnSpPr>
+        <p:spPr>
+          <a:xfrm flipH="1">
+            <a:off x="2428875" y="3209925"/>
+            <a:ext cx="9763125" cy="0"/>
+          </a:xfrm>
+          <a:prstGeom prst="line">
+            <a:avLst/>
+          </a:prstGeom>
+          <a:ln w="12700">
+            <a:solidFill>
+              <a:schemeClr val="accent2"/>
+            </a:solidFill>
+          </a:ln>
+        </p:spPr>
+        <p:style>
+          <a:lnRef idx="1">
+            <a:schemeClr val="accent1"/>
+          </a:lnRef>
+          <a:fillRef idx="0">
+            <a:schemeClr val="accent1"/>
+          </a:fillRef>
+          <a:effectRef idx="0">
+            <a:schemeClr val="accent1"/>
+          </a:effectRef>
+          <a:fontRef idx="minor">
+            <a:schemeClr val="tx1"/>
+          </a:fontRef>
+        </p:style>
+      </p:cxnSp>
+    </p:spTree>
+    <p:extLst>
+      <p:ext uri="{BB962C8B-B14F-4D97-AF65-F5344CB8AC3E}">
+        <p14:creationId xmlns:p14="http://schemas.microsoft.com/office/powerpoint/2010/main" val="2971059695"/>
+      </p:ext>
+    </p:extLst>
+  </p:cSld>
+  <p:clrMapOvr>
+    <a:masterClrMapping/>
+  </p:clrMapOvr>
+</p:sld>
+</file>
+
+<file path=ppt/slides/slide7.xml><?xml version="1.0" encoding="utf-8"?>
+<p:sld xmlns:a="http://schemas.openxmlformats.org/drawingml/2006/main" xmlns:r="http://schemas.openxmlformats.org/officeDocument/2006/relationships" xmlns:p="http://schemas.openxmlformats.org/presentationml/2006/main">
+  <p:cSld>
+    <p:bg>
+      <p:bgPr>
+        <a:blipFill dpi="0" rotWithShape="1">
+          <a:blip r:embed="rId2">
+            <a:lum/>
+          </a:blip>
+          <a:srcRect/>
+          <a:stretch>
+            <a:fillRect l="-4000" r="-4000"/>
+          </a:stretch>
+        </a:blipFill>
+        <a:effectLst/>
+      </p:bgPr>
+    </p:bg>
+    <p:spTree>
+      <p:nvGrpSpPr>
+        <p:cNvPr id="1" name=""/>
+        <p:cNvGrpSpPr/>
+        <p:nvPr/>
+      </p:nvGrpSpPr>
+      <p:grpSpPr>
+        <a:xfrm>
+          <a:off x="0" y="0"/>
+          <a:ext cx="0" cy="0"/>
+          <a:chOff x="0" y="0"/>
+          <a:chExt cx="0" cy="0"/>
+        </a:xfrm>
+      </p:grpSpPr>
+      <p:sp>
+        <p:nvSpPr>
+          <p:cNvPr id="6" name="Title 5">
+            <a:extLst>
+              <a:ext uri="{FF2B5EF4-FFF2-40B4-BE49-F238E27FC236}">
+                <a16:creationId xmlns:a16="http://schemas.microsoft.com/office/drawing/2014/main" id="{A306455A-D571-4BE8-A623-E12F47BE718C}"/>
+              </a:ext>
+            </a:extLst>
+          </p:cNvPr>
+          <p:cNvSpPr>
+            <a:spLocks noGrp="1"/>
+          </p:cNvSpPr>
+          <p:nvPr>
+            <p:ph type="title"/>
+          </p:nvPr>
+        </p:nvSpPr>
+        <p:spPr/>
+        <p:txBody>
+          <a:bodyPr/>
+          <a:lstStyle/>
+          <a:p>
+            <a:r>
+              <a:rPr lang="en-US" b="1" dirty="0">
+                <a:solidFill>
+                  <a:schemeClr val="accent1">
+                    <a:lumMod val="40000"/>
+                    <a:lumOff val="60000"/>
+                  </a:schemeClr>
+                </a:solidFill>
+                <a:latin typeface="Broadway" panose="04040905080B02020502" pitchFamily="82" charset="0"/>
+              </a:rPr>
+              <a:t>Data Sources</a:t>
+            </a:r>
+            <a:endParaRPr lang="en-CA" b="1" dirty="0">
+              <a:solidFill>
+                <a:schemeClr val="accent1">
+                  <a:lumMod val="40000"/>
+                  <a:lumOff val="60000"/>
+                </a:schemeClr>
+              </a:solidFill>
+              <a:latin typeface="Broadway" panose="04040905080B02020502" pitchFamily="82" charset="0"/>
+            </a:endParaRPr>
+          </a:p>
+        </p:txBody>
+      </p:sp>
+      <p:sp>
+        <p:nvSpPr>
+          <p:cNvPr id="7" name="Content Placeholder 6">
+            <a:extLst>
+              <a:ext uri="{FF2B5EF4-FFF2-40B4-BE49-F238E27FC236}">
+                <a16:creationId xmlns:a16="http://schemas.microsoft.com/office/drawing/2014/main" id="{E1A9E09F-7532-4316-9EC9-3134F35C403B}"/>
+              </a:ext>
+            </a:extLst>
+          </p:cNvPr>
+          <p:cNvSpPr>
+            <a:spLocks noGrp="1"/>
+          </p:cNvSpPr>
+          <p:nvPr>
+            <p:ph idx="1"/>
+          </p:nvPr>
+        </p:nvSpPr>
+        <p:spPr/>
+        <p:txBody>
+          <a:bodyPr/>
+          <a:lstStyle/>
+          <a:p>
+            <a:r>
+              <a:rPr lang="en-CA" dirty="0">
+                <a:solidFill>
+                  <a:schemeClr val="accent4">
+                    <a:lumMod val="40000"/>
+                    <a:lumOff val="60000"/>
+                  </a:schemeClr>
+                </a:solidFill>
+                <a:latin typeface="Bodoni MT" panose="02070603080606020203" pitchFamily="18" charset="0"/>
+                <a:hlinkClick r:id="rId3">
+                  <a:extLst>
+                    <a:ext uri="{A12FA001-AC4F-418D-AE19-62706E023703}">
+                      <ahyp:hlinkClr xmlns:ahyp="http://schemas.microsoft.com/office/drawing/2018/hyperlinkcolor" val="tx"/>
+                    </a:ext>
+                  </a:extLst>
+                </a:hlinkClick>
+              </a:rPr>
+              <a:t>https://ourworldindata.org/coronavirus</a:t>
+            </a:r>
+            <a:endParaRPr lang="en-CA" dirty="0">
+              <a:solidFill>
+                <a:schemeClr val="accent4">
+                  <a:lumMod val="40000"/>
+                  <a:lumOff val="60000"/>
+                </a:schemeClr>
+              </a:solidFill>
+              <a:latin typeface="Bodoni MT" panose="02070603080606020203" pitchFamily="18" charset="0"/>
+            </a:endParaRPr>
+          </a:p>
+          <a:p>
+            <a:r>
+              <a:rPr lang="en-US" dirty="0">
+                <a:solidFill>
+                  <a:schemeClr val="accent4">
+                    <a:lumMod val="40000"/>
+                    <a:lumOff val="60000"/>
+                  </a:schemeClr>
+                </a:solidFill>
+                <a:latin typeface="Bodoni MT" panose="02070603080606020203" pitchFamily="18" charset="0"/>
+                <a:hlinkClick r:id="rId4">
+                  <a:extLst>
+                    <a:ext uri="{A12FA001-AC4F-418D-AE19-62706E023703}">
+                      <ahyp:hlinkClr xmlns:ahyp="http://schemas.microsoft.com/office/drawing/2018/hyperlinkcolor" val="tx"/>
+                    </a:ext>
+                  </a:extLst>
+                </a:hlinkClick>
+              </a:rPr>
+              <a:t>https://covid.ourworldindata.org/data/ecdc/total_cases.csv</a:t>
+            </a:r>
+            <a:endParaRPr lang="en-US" dirty="0">
+              <a:solidFill>
+                <a:schemeClr val="accent4">
+                  <a:lumMod val="40000"/>
+                  <a:lumOff val="60000"/>
+                </a:schemeClr>
+              </a:solidFill>
+              <a:latin typeface="Bodoni MT" panose="02070603080606020203" pitchFamily="18" charset="0"/>
+            </a:endParaRPr>
+          </a:p>
+          <a:p>
+            <a:r>
+              <a:rPr lang="en-US" dirty="0">
+                <a:solidFill>
+                  <a:schemeClr val="accent4">
+                    <a:lumMod val="40000"/>
+                    <a:lumOff val="60000"/>
+                  </a:schemeClr>
+                </a:solidFill>
+                <a:latin typeface="Bodoni MT" panose="02070603080606020203" pitchFamily="18" charset="0"/>
+                <a:hlinkClick r:id="rId5">
+                  <a:extLst>
+                    <a:ext uri="{A12FA001-AC4F-418D-AE19-62706E023703}">
+                      <ahyp:hlinkClr xmlns:ahyp="http://schemas.microsoft.com/office/drawing/2018/hyperlinkcolor" val="tx"/>
+                    </a:ext>
+                  </a:extLst>
+                </a:hlinkClick>
+              </a:rPr>
+              <a:t>https://covid.ourworldindata.org/data/ecdc/total_deaths.csv</a:t>
+            </a:r>
+            <a:endParaRPr lang="en-US" dirty="0">
+              <a:solidFill>
+                <a:schemeClr val="accent4">
+                  <a:lumMod val="40000"/>
+                  <a:lumOff val="60000"/>
+                </a:schemeClr>
+              </a:solidFill>
+              <a:latin typeface="Bodoni MT" panose="02070603080606020203" pitchFamily="18" charset="0"/>
+            </a:endParaRPr>
+          </a:p>
+          <a:p>
+            <a:r>
+              <a:rPr lang="en-US" dirty="0">
+                <a:solidFill>
+                  <a:schemeClr val="accent4">
+                    <a:lumMod val="40000"/>
+                    <a:lumOff val="60000"/>
+                  </a:schemeClr>
+                </a:solidFill>
+                <a:latin typeface="Bodoni MT" panose="02070603080606020203" pitchFamily="18" charset="0"/>
+                <a:hlinkClick r:id="rId6">
+                  <a:extLst>
+                    <a:ext uri="{A12FA001-AC4F-418D-AE19-62706E023703}">
+                      <ahyp:hlinkClr xmlns:ahyp="http://schemas.microsoft.com/office/drawing/2018/hyperlinkcolor" val="tx"/>
+                    </a:ext>
+                  </a:extLst>
+                </a:hlinkClick>
+              </a:rPr>
+              <a:t>https://covid.ourworldindata.org/data/ecdc/new_cases.csv</a:t>
+            </a:r>
+            <a:endParaRPr lang="en-US" dirty="0">
+              <a:solidFill>
+                <a:schemeClr val="accent4">
+                  <a:lumMod val="40000"/>
+                  <a:lumOff val="60000"/>
+                </a:schemeClr>
+              </a:solidFill>
+              <a:latin typeface="Bodoni MT" panose="02070603080606020203" pitchFamily="18" charset="0"/>
+            </a:endParaRPr>
+          </a:p>
+          <a:p>
+            <a:r>
+              <a:rPr lang="en-US" dirty="0">
+                <a:solidFill>
+                  <a:schemeClr val="accent4">
+                    <a:lumMod val="40000"/>
+                    <a:lumOff val="60000"/>
+                  </a:schemeClr>
+                </a:solidFill>
+                <a:latin typeface="Bodoni MT" panose="02070603080606020203" pitchFamily="18" charset="0"/>
+                <a:hlinkClick r:id="rId7">
+                  <a:extLst>
+                    <a:ext uri="{A12FA001-AC4F-418D-AE19-62706E023703}">
+                      <ahyp:hlinkClr xmlns:ahyp="http://schemas.microsoft.com/office/drawing/2018/hyperlinkcolor" val="tx"/>
+                    </a:ext>
+                  </a:extLst>
+                </a:hlinkClick>
+              </a:rPr>
+              <a:t>https://covid.ourworldindata.org/data/ecdc/new_deaths.csv</a:t>
+            </a:r>
+            <a:endParaRPr lang="en-US" dirty="0">
+              <a:solidFill>
+                <a:schemeClr val="accent4">
+                  <a:lumMod val="40000"/>
+                  <a:lumOff val="60000"/>
+                </a:schemeClr>
+              </a:solidFill>
+              <a:latin typeface="Bodoni MT" panose="02070603080606020203" pitchFamily="18" charset="0"/>
+            </a:endParaRPr>
+          </a:p>
+          <a:p>
+            <a:r>
+              <a:rPr lang="en-US" dirty="0">
+                <a:solidFill>
+                  <a:schemeClr val="accent4">
+                    <a:lumMod val="40000"/>
+                    <a:lumOff val="60000"/>
+                  </a:schemeClr>
+                </a:solidFill>
+                <a:latin typeface="Bodoni MT" panose="02070603080606020203" pitchFamily="18" charset="0"/>
+                <a:hlinkClick r:id="rId8">
+                  <a:extLst>
+                    <a:ext uri="{A12FA001-AC4F-418D-AE19-62706E023703}">
+                      <ahyp:hlinkClr xmlns:ahyp="http://schemas.microsoft.com/office/drawing/2018/hyperlinkcolor" val="tx"/>
+                    </a:ext>
+                  </a:extLst>
+                </a:hlinkClick>
+              </a:rPr>
+              <a:t>https://www.ecdc.europa.eu/sites/default/files/documents/COVID-19-geographic-disbtribution-worldwide</a:t>
+            </a:r>
+            <a:endParaRPr lang="en-US" dirty="0">
+              <a:solidFill>
+                <a:schemeClr val="accent4">
+                  <a:lumMod val="40000"/>
+                  <a:lumOff val="60000"/>
+                </a:schemeClr>
+              </a:solidFill>
+              <a:latin typeface="Bodoni MT" panose="02070603080606020203" pitchFamily="18" charset="0"/>
+            </a:endParaRPr>
+          </a:p>
+          <a:p>
+            <a:r>
+              <a:rPr lang="en-US" dirty="0">
+                <a:solidFill>
+                  <a:schemeClr val="accent4">
+                    <a:lumMod val="40000"/>
+                    <a:lumOff val="60000"/>
+                  </a:schemeClr>
+                </a:solidFill>
+                <a:latin typeface="Bodoni MT" panose="02070603080606020203" pitchFamily="18" charset="0"/>
+              </a:rPr>
+              <a:t>Economic data for DJI and TSX from </a:t>
+            </a:r>
+            <a:r>
+              <a:rPr lang="en-CA" dirty="0">
+                <a:solidFill>
+                  <a:schemeClr val="accent4">
+                    <a:lumMod val="40000"/>
+                    <a:lumOff val="60000"/>
+                  </a:schemeClr>
+                </a:solidFill>
+                <a:latin typeface="Bodoni MT" panose="02070603080606020203" pitchFamily="18" charset="0"/>
+                <a:hlinkClick r:id="rId9">
+                  <a:extLst>
+                    <a:ext uri="{A12FA001-AC4F-418D-AE19-62706E023703}">
+                      <ahyp:hlinkClr xmlns:ahyp="http://schemas.microsoft.com/office/drawing/2018/hyperlinkcolor" val="tx"/>
+                    </a:ext>
+                  </a:extLst>
+                </a:hlinkClick>
+              </a:rPr>
+              <a:t>https://ca.finance.yahoo.com/</a:t>
+            </a:r>
+            <a:endParaRPr lang="en-US" dirty="0">
+              <a:solidFill>
+                <a:schemeClr val="accent4">
+                  <a:lumMod val="40000"/>
+                  <a:lumOff val="60000"/>
+                </a:schemeClr>
+              </a:solidFill>
+              <a:latin typeface="Bodoni MT" panose="02070603080606020203" pitchFamily="18" charset="0"/>
+            </a:endParaRPr>
+          </a:p>
+        </p:txBody>
+      </p:sp>
+    </p:spTree>
+    <p:extLst>
+      <p:ext uri="{BB962C8B-B14F-4D97-AF65-F5344CB8AC3E}">
+        <p14:creationId xmlns:p14="http://schemas.microsoft.com/office/powerpoint/2010/main" val="550501912"/>
+      </p:ext>
+    </p:extLst>
+  </p:cSld>
+  <p:clrMapOvr>
+    <a:masterClrMapping/>
+  </p:clrMapOvr>
+</p:sld>
+</file>
+
+<file path=ppt/slides/slide8.xml><?xml version="1.0" encoding="utf-8"?>
+<p:sld xmlns:a="http://schemas.openxmlformats.org/drawingml/2006/main" xmlns:r="http://schemas.openxmlformats.org/officeDocument/2006/relationships" xmlns:p="http://schemas.openxmlformats.org/presentationml/2006/main">
+  <p:cSld>
+    <p:bg>
+      <p:bgPr>
+        <a:blipFill dpi="0" rotWithShape="1">
+          <a:blip r:embed="rId2">
+            <a:lum/>
+          </a:blip>
+          <a:srcRect/>
+          <a:stretch>
+            <a:fillRect l="-4000" r="-4000"/>
+          </a:stretch>
+        </a:blipFill>
+        <a:effectLst/>
+      </p:bgPr>
+    </p:bg>
+    <p:spTree>
+      <p:nvGrpSpPr>
+        <p:cNvPr id="1" name=""/>
+        <p:cNvGrpSpPr/>
+        <p:nvPr/>
+      </p:nvGrpSpPr>
+      <p:grpSpPr>
+        <a:xfrm>
+          <a:off x="0" y="0"/>
+          <a:ext cx="0" cy="0"/>
+          <a:chOff x="0" y="0"/>
+          <a:chExt cx="0" cy="0"/>
+        </a:xfrm>
+      </p:grpSpPr>
+      <p:sp>
+        <p:nvSpPr>
+          <p:cNvPr id="6" name="Title 5">
+            <a:extLst>
+              <a:ext uri="{FF2B5EF4-FFF2-40B4-BE49-F238E27FC236}">
+                <a16:creationId xmlns:a16="http://schemas.microsoft.com/office/drawing/2014/main" id="{A306455A-D571-4BE8-A623-E12F47BE718C}"/>
+              </a:ext>
+            </a:extLst>
+          </p:cNvPr>
+          <p:cNvSpPr>
+            <a:spLocks noGrp="1"/>
+          </p:cNvSpPr>
+          <p:nvPr>
+            <p:ph type="title"/>
+          </p:nvPr>
+        </p:nvSpPr>
+        <p:spPr/>
+        <p:txBody>
+          <a:bodyPr/>
+          <a:lstStyle/>
+          <a:p>
+            <a:r>
+              <a:rPr lang="en-US" b="1" dirty="0">
+                <a:solidFill>
+                  <a:schemeClr val="accent1">
+                    <a:lumMod val="40000"/>
+                    <a:lumOff val="60000"/>
+                  </a:schemeClr>
+                </a:solidFill>
+                <a:latin typeface="Broadway" panose="04040905080B02020502" pitchFamily="82" charset="0"/>
+              </a:rPr>
+              <a:t>Technologies</a:t>
+            </a:r>
+            <a:endParaRPr lang="en-CA" b="1" dirty="0">
+              <a:solidFill>
+                <a:schemeClr val="accent1">
+                  <a:lumMod val="40000"/>
+                  <a:lumOff val="60000"/>
+                </a:schemeClr>
+              </a:solidFill>
+              <a:latin typeface="Broadway" panose="04040905080B02020502" pitchFamily="82" charset="0"/>
+            </a:endParaRPr>
+          </a:p>
+        </p:txBody>
+      </p:sp>
+      <p:sp>
+        <p:nvSpPr>
+          <p:cNvPr id="7" name="Content Placeholder 6">
+            <a:extLst>
+              <a:ext uri="{FF2B5EF4-FFF2-40B4-BE49-F238E27FC236}">
+                <a16:creationId xmlns:a16="http://schemas.microsoft.com/office/drawing/2014/main" id="{E1A9E09F-7532-4316-9EC9-3134F35C403B}"/>
+              </a:ext>
+            </a:extLst>
+          </p:cNvPr>
+          <p:cNvSpPr>
+            <a:spLocks noGrp="1"/>
+          </p:cNvSpPr>
+          <p:nvPr>
+            <p:ph idx="1"/>
+          </p:nvPr>
+        </p:nvSpPr>
+        <p:spPr/>
+        <p:txBody>
+          <a:bodyPr/>
+          <a:lstStyle/>
+          <a:p>
+            <a:r>
+              <a:rPr lang="en-US" dirty="0">
+                <a:solidFill>
+                  <a:schemeClr val="accent4">
+                    <a:lumMod val="40000"/>
+                    <a:lumOff val="60000"/>
+                  </a:schemeClr>
+                </a:solidFill>
+                <a:latin typeface="Bodoni MT" panose="02070603080606020203" pitchFamily="18" charset="0"/>
+              </a:rPr>
+              <a:t>D3.js</a:t>
+            </a:r>
+          </a:p>
+          <a:p>
+            <a:r>
+              <a:rPr lang="en-US" dirty="0">
+                <a:solidFill>
+                  <a:schemeClr val="accent4">
+                    <a:lumMod val="40000"/>
+                    <a:lumOff val="60000"/>
+                  </a:schemeClr>
+                </a:solidFill>
+                <a:latin typeface="Bodoni MT" panose="02070603080606020203" pitchFamily="18" charset="0"/>
+              </a:rPr>
+              <a:t>Flask</a:t>
+            </a:r>
+          </a:p>
+          <a:p>
+            <a:r>
+              <a:rPr lang="en-US" dirty="0">
+                <a:solidFill>
+                  <a:schemeClr val="accent4">
+                    <a:lumMod val="40000"/>
+                    <a:lumOff val="60000"/>
+                  </a:schemeClr>
+                </a:solidFill>
+                <a:latin typeface="Bodoni MT" panose="02070603080606020203" pitchFamily="18" charset="0"/>
+              </a:rPr>
+              <a:t>Python (Pandas, Matplotlib)</a:t>
+            </a:r>
+          </a:p>
+          <a:p>
+            <a:r>
+              <a:rPr lang="en-US" dirty="0">
+                <a:solidFill>
+                  <a:schemeClr val="accent4">
+                    <a:lumMod val="40000"/>
+                    <a:lumOff val="60000"/>
+                  </a:schemeClr>
+                </a:solidFill>
+                <a:latin typeface="Bodoni MT" panose="02070603080606020203" pitchFamily="18" charset="0"/>
+              </a:rPr>
+              <a:t>HTML, CSS and Java Script</a:t>
+            </a:r>
+          </a:p>
+        </p:txBody>
+      </p:sp>
+    </p:spTree>
+    <p:extLst>
+      <p:ext uri="{BB962C8B-B14F-4D97-AF65-F5344CB8AC3E}">
+        <p14:creationId xmlns:p14="http://schemas.microsoft.com/office/powerpoint/2010/main" val="2640860355"/>
+      </p:ext>
+    </p:extLst>
+  </p:cSld>
+  <p:clrMapOvr>
+    <a:masterClrMapping/>
+  </p:clrMapOvr>
+</p:sld>
+</file>
+
+<file path=ppt/slides/slide9.xml><?xml version="1.0" encoding="utf-8"?>
+<p:sld xmlns:a="http://schemas.openxmlformats.org/drawingml/2006/main" xmlns:r="http://schemas.openxmlformats.org/officeDocument/2006/relationships" xmlns:p="http://schemas.openxmlformats.org/presentationml/2006/main">
+  <p:cSld>
+    <p:bg>
+      <p:bgPr>
+        <a:blipFill dpi="0" rotWithShape="1">
+          <a:blip r:embed="rId2">
+            <a:lum/>
+          </a:blip>
+          <a:srcRect/>
+          <a:stretch>
+            <a:fillRect l="-4000" r="-4000"/>
+          </a:stretch>
+        </a:blipFill>
+        <a:effectLst/>
+      </p:bgPr>
+    </p:bg>
+    <p:spTree>
+      <p:nvGrpSpPr>
+        <p:cNvPr id="1" name=""/>
+        <p:cNvGrpSpPr/>
+        <p:nvPr/>
+      </p:nvGrpSpPr>
+      <p:grpSpPr>
+        <a:xfrm>
+          <a:off x="0" y="0"/>
+          <a:ext cx="0" cy="0"/>
+          <a:chOff x="0" y="0"/>
+          <a:chExt cx="0" cy="0"/>
+        </a:xfrm>
+      </p:grpSpPr>
+      <p:sp>
+        <p:nvSpPr>
+          <p:cNvPr id="6" name="Title 5">
+            <a:extLst>
+              <a:ext uri="{FF2B5EF4-FFF2-40B4-BE49-F238E27FC236}">
+                <a16:creationId xmlns:a16="http://schemas.microsoft.com/office/drawing/2014/main" id="{A306455A-D571-4BE8-A623-E12F47BE718C}"/>
+              </a:ext>
+            </a:extLst>
+          </p:cNvPr>
+          <p:cNvSpPr>
+            <a:spLocks noGrp="1"/>
+          </p:cNvSpPr>
+          <p:nvPr>
+            <p:ph type="title"/>
+          </p:nvPr>
+        </p:nvSpPr>
+        <p:spPr/>
+        <p:txBody>
+          <a:bodyPr/>
+          <a:lstStyle/>
+          <a:p>
+            <a:r>
+              <a:rPr lang="en-US" b="1" dirty="0">
+                <a:solidFill>
+                  <a:schemeClr val="accent1">
+                    <a:lumMod val="40000"/>
+                    <a:lumOff val="60000"/>
+                  </a:schemeClr>
+                </a:solidFill>
+                <a:latin typeface="Broadway" panose="04040905080B02020502" pitchFamily="82" charset="0"/>
+              </a:rPr>
+              <a:t>Limitations</a:t>
+            </a:r>
+            <a:endParaRPr lang="en-CA" b="1" dirty="0">
+              <a:solidFill>
+                <a:schemeClr val="accent1">
+                  <a:lumMod val="40000"/>
+                  <a:lumOff val="60000"/>
+                </a:schemeClr>
+              </a:solidFill>
+              <a:latin typeface="Broadway" panose="04040905080B02020502" pitchFamily="82" charset="0"/>
+            </a:endParaRPr>
+          </a:p>
+        </p:txBody>
+      </p:sp>
+      <p:sp>
+        <p:nvSpPr>
+          <p:cNvPr id="7" name="Content Placeholder 6">
+            <a:extLst>
+              <a:ext uri="{FF2B5EF4-FFF2-40B4-BE49-F238E27FC236}">
+                <a16:creationId xmlns:a16="http://schemas.microsoft.com/office/drawing/2014/main" id="{E1A9E09F-7532-4316-9EC9-3134F35C403B}"/>
+              </a:ext>
+            </a:extLst>
+          </p:cNvPr>
+          <p:cNvSpPr>
+            <a:spLocks noGrp="1"/>
+          </p:cNvSpPr>
+          <p:nvPr>
+            <p:ph idx="1"/>
+          </p:nvPr>
+        </p:nvSpPr>
+        <p:spPr/>
+        <p:txBody>
+          <a:bodyPr/>
+          <a:lstStyle/>
+          <a:p>
+            <a:r>
+              <a:rPr lang="en-US" dirty="0">
+                <a:solidFill>
+                  <a:schemeClr val="accent4">
+                    <a:lumMod val="40000"/>
+                    <a:lumOff val="60000"/>
+                  </a:schemeClr>
+                </a:solidFill>
+                <a:latin typeface="Bodoni MT" panose="02070603080606020203" pitchFamily="18" charset="0"/>
+              </a:rPr>
+              <a:t>Current Data Source don’t have geo locations.</a:t>
+            </a:r>
+          </a:p>
+          <a:p>
+            <a:r>
+              <a:rPr lang="en-US" dirty="0">
+                <a:solidFill>
+                  <a:schemeClr val="accent4">
+                    <a:lumMod val="40000"/>
+                    <a:lumOff val="60000"/>
+                  </a:schemeClr>
+                </a:solidFill>
+                <a:latin typeface="Bodoni MT" panose="02070603080606020203" pitchFamily="18" charset="0"/>
+              </a:rPr>
+              <a:t>I have found some other data sources which has geo locations and I will try to include those in my extension of this project. I will use </a:t>
+            </a:r>
+            <a:r>
+              <a:rPr lang="en-US" dirty="0" err="1">
+                <a:solidFill>
+                  <a:schemeClr val="accent4">
+                    <a:lumMod val="40000"/>
+                    <a:lumOff val="60000"/>
+                  </a:schemeClr>
+                </a:solidFill>
+                <a:latin typeface="Bodoni MT" panose="02070603080606020203" pitchFamily="18" charset="0"/>
+              </a:rPr>
+              <a:t>geopandas</a:t>
+            </a:r>
+            <a:r>
+              <a:rPr lang="en-US" dirty="0">
+                <a:solidFill>
+                  <a:schemeClr val="accent4">
+                    <a:lumMod val="40000"/>
+                    <a:lumOff val="60000"/>
+                  </a:schemeClr>
+                </a:solidFill>
+                <a:latin typeface="Bodoni MT" panose="02070603080606020203" pitchFamily="18" charset="0"/>
+              </a:rPr>
+              <a:t> or leaflet.js for the extension of the project.</a:t>
+            </a:r>
+          </a:p>
+        </p:txBody>
+      </p:sp>
+    </p:spTree>
+    <p:extLst>
+      <p:ext uri="{BB962C8B-B14F-4D97-AF65-F5344CB8AC3E}">
+        <p14:creationId xmlns:p14="http://schemas.microsoft.com/office/powerpoint/2010/main" val="491364023"/>
+      </p:ext>
+    </p:extLst>
+  </p:cSld>
+  <p:clrMapOvr>
+    <a:masterClrMapping/>
   </p:clrMapOvr>
 </p:sld>
 </file>
